--- a/assets/images/Dynamic Programming.pptx
+++ b/assets/images/Dynamic Programming.pptx
@@ -7,6 +7,14 @@
   <p:sldIdLst>
     <p:sldId id="256" r:id="rId2"/>
     <p:sldId id="257" r:id="rId3"/>
+    <p:sldId id="258" r:id="rId4"/>
+    <p:sldId id="259" r:id="rId5"/>
+    <p:sldId id="260" r:id="rId6"/>
+    <p:sldId id="261" r:id="rId7"/>
+    <p:sldId id="262" r:id="rId8"/>
+    <p:sldId id="263" r:id="rId9"/>
+    <p:sldId id="264" r:id="rId10"/>
+    <p:sldId id="265" r:id="rId11"/>
   </p:sldIdLst>
   <p:sldSz cx="12192000" cy="6858000"/>
   <p:notesSz cx="6858000" cy="9144000"/>
@@ -105,6 +113,11 @@
       </a:defRPr>
     </a:lvl9pPr>
   </p:defaultTextStyle>
+  <p:extLst>
+    <p:ext uri="{EFAFB233-063F-42B5-8137-9DF3F51BA10A}">
+      <p15:sldGuideLst xmlns:p15="http://schemas.microsoft.com/office/powerpoint/2012/main"/>
+    </p:ext>
+  </p:extLst>
 </p:presentation>
 </file>
 
@@ -255,7 +268,7 @@
           <a:p>
             <a:fld id="{16706E4F-4DCE-433C-BE47-3B753ED43087}" type="datetimeFigureOut">
               <a:rPr lang="ko-KR" altLang="en-US" smtClean="0"/>
-              <a:t>2021-04-28</a:t>
+              <a:t>2021-04-29</a:t>
             </a:fld>
             <a:endParaRPr lang="ko-KR" altLang="en-US"/>
           </a:p>
@@ -453,7 +466,7 @@
           <a:p>
             <a:fld id="{16706E4F-4DCE-433C-BE47-3B753ED43087}" type="datetimeFigureOut">
               <a:rPr lang="ko-KR" altLang="en-US" smtClean="0"/>
-              <a:t>2021-04-28</a:t>
+              <a:t>2021-04-29</a:t>
             </a:fld>
             <a:endParaRPr lang="ko-KR" altLang="en-US"/>
           </a:p>
@@ -661,7 +674,7 @@
           <a:p>
             <a:fld id="{16706E4F-4DCE-433C-BE47-3B753ED43087}" type="datetimeFigureOut">
               <a:rPr lang="ko-KR" altLang="en-US" smtClean="0"/>
-              <a:t>2021-04-28</a:t>
+              <a:t>2021-04-29</a:t>
             </a:fld>
             <a:endParaRPr lang="ko-KR" altLang="en-US"/>
           </a:p>
@@ -859,7 +872,7 @@
           <a:p>
             <a:fld id="{16706E4F-4DCE-433C-BE47-3B753ED43087}" type="datetimeFigureOut">
               <a:rPr lang="ko-KR" altLang="en-US" smtClean="0"/>
-              <a:t>2021-04-28</a:t>
+              <a:t>2021-04-29</a:t>
             </a:fld>
             <a:endParaRPr lang="ko-KR" altLang="en-US"/>
           </a:p>
@@ -1134,7 +1147,7 @@
           <a:p>
             <a:fld id="{16706E4F-4DCE-433C-BE47-3B753ED43087}" type="datetimeFigureOut">
               <a:rPr lang="ko-KR" altLang="en-US" smtClean="0"/>
-              <a:t>2021-04-28</a:t>
+              <a:t>2021-04-29</a:t>
             </a:fld>
             <a:endParaRPr lang="ko-KR" altLang="en-US"/>
           </a:p>
@@ -1399,7 +1412,7 @@
           <a:p>
             <a:fld id="{16706E4F-4DCE-433C-BE47-3B753ED43087}" type="datetimeFigureOut">
               <a:rPr lang="ko-KR" altLang="en-US" smtClean="0"/>
-              <a:t>2021-04-28</a:t>
+              <a:t>2021-04-29</a:t>
             </a:fld>
             <a:endParaRPr lang="ko-KR" altLang="en-US"/>
           </a:p>
@@ -1811,7 +1824,7 @@
           <a:p>
             <a:fld id="{16706E4F-4DCE-433C-BE47-3B753ED43087}" type="datetimeFigureOut">
               <a:rPr lang="ko-KR" altLang="en-US" smtClean="0"/>
-              <a:t>2021-04-28</a:t>
+              <a:t>2021-04-29</a:t>
             </a:fld>
             <a:endParaRPr lang="ko-KR" altLang="en-US"/>
           </a:p>
@@ -1952,7 +1965,7 @@
           <a:p>
             <a:fld id="{16706E4F-4DCE-433C-BE47-3B753ED43087}" type="datetimeFigureOut">
               <a:rPr lang="ko-KR" altLang="en-US" smtClean="0"/>
-              <a:t>2021-04-28</a:t>
+              <a:t>2021-04-29</a:t>
             </a:fld>
             <a:endParaRPr lang="ko-KR" altLang="en-US"/>
           </a:p>
@@ -2065,7 +2078,7 @@
           <a:p>
             <a:fld id="{16706E4F-4DCE-433C-BE47-3B753ED43087}" type="datetimeFigureOut">
               <a:rPr lang="ko-KR" altLang="en-US" smtClean="0"/>
-              <a:t>2021-04-28</a:t>
+              <a:t>2021-04-29</a:t>
             </a:fld>
             <a:endParaRPr lang="ko-KR" altLang="en-US"/>
           </a:p>
@@ -2376,7 +2389,7 @@
           <a:p>
             <a:fld id="{16706E4F-4DCE-433C-BE47-3B753ED43087}" type="datetimeFigureOut">
               <a:rPr lang="ko-KR" altLang="en-US" smtClean="0"/>
-              <a:t>2021-04-28</a:t>
+              <a:t>2021-04-29</a:t>
             </a:fld>
             <a:endParaRPr lang="ko-KR" altLang="en-US"/>
           </a:p>
@@ -2664,7 +2677,7 @@
           <a:p>
             <a:fld id="{16706E4F-4DCE-433C-BE47-3B753ED43087}" type="datetimeFigureOut">
               <a:rPr lang="ko-KR" altLang="en-US" smtClean="0"/>
-              <a:t>2021-04-28</a:t>
+              <a:t>2021-04-29</a:t>
             </a:fld>
             <a:endParaRPr lang="ko-KR" altLang="en-US"/>
           </a:p>
@@ -2905,7 +2918,7 @@
           <a:p>
             <a:fld id="{16706E4F-4DCE-433C-BE47-3B753ED43087}" type="datetimeFigureOut">
               <a:rPr lang="ko-KR" altLang="en-US" smtClean="0"/>
-              <a:t>2021-04-28</a:t>
+              <a:t>2021-04-29</a:t>
             </a:fld>
             <a:endParaRPr lang="ko-KR" altLang="en-US"/>
           </a:p>
@@ -4604,6 +4617,1007 @@
 </p:sld>
 </file>
 
+<file path=ppt/slides/slide10.xml><?xml version="1.0" encoding="utf-8"?>
+<p:sld xmlns:a="http://schemas.openxmlformats.org/drawingml/2006/main" xmlns:r="http://schemas.openxmlformats.org/officeDocument/2006/relationships" xmlns:p="http://schemas.openxmlformats.org/presentationml/2006/main">
+  <p:cSld>
+    <p:bg>
+      <p:bgPr>
+        <a:solidFill>
+          <a:schemeClr val="tx2">
+            <a:lumMod val="50000"/>
+          </a:schemeClr>
+        </a:solidFill>
+        <a:effectLst/>
+      </p:bgPr>
+    </p:bg>
+    <p:spTree>
+      <p:nvGrpSpPr>
+        <p:cNvPr id="1" name=""/>
+        <p:cNvGrpSpPr/>
+        <p:nvPr/>
+      </p:nvGrpSpPr>
+      <p:grpSpPr>
+        <a:xfrm>
+          <a:off x="0" y="0"/>
+          <a:ext cx="0" cy="0"/>
+          <a:chOff x="0" y="0"/>
+          <a:chExt cx="0" cy="0"/>
+        </a:xfrm>
+      </p:grpSpPr>
+      <p:sp>
+        <p:nvSpPr>
+          <p:cNvPr id="8" name="TextBox 7">
+            <a:extLst>
+              <a:ext uri="{FF2B5EF4-FFF2-40B4-BE49-F238E27FC236}">
+                <a16:creationId xmlns:a16="http://schemas.microsoft.com/office/drawing/2014/main" id="{29502E64-88A9-4A04-B5C1-06896AD6C5C8}"/>
+              </a:ext>
+            </a:extLst>
+          </p:cNvPr>
+          <p:cNvSpPr txBox="1"/>
+          <p:nvPr/>
+        </p:nvSpPr>
+        <p:spPr>
+          <a:xfrm>
+            <a:off x="2860089" y="1467179"/>
+            <a:ext cx="10816392" cy="461665"/>
+          </a:xfrm>
+          <a:prstGeom prst="rect">
+            <a:avLst/>
+          </a:prstGeom>
+          <a:noFill/>
+        </p:spPr>
+        <p:txBody>
+          <a:bodyPr wrap="square" rtlCol="0">
+            <a:spAutoFit/>
+          </a:bodyPr>
+          <a:lstStyle/>
+          <a:p>
+            <a:r>
+              <a:rPr lang="en-US" altLang="ko-KR" sz="2400" dirty="0">
+                <a:solidFill>
+                  <a:schemeClr val="bg1"/>
+                </a:solidFill>
+              </a:rPr>
+              <a:t>1</a:t>
+            </a:r>
+            <a:r>
+              <a:rPr lang="ko-KR" altLang="en-US" sz="2400" dirty="0">
+                <a:solidFill>
+                  <a:schemeClr val="bg1"/>
+                </a:solidFill>
+              </a:rPr>
+              <a:t>의 자리를 넣습니다</a:t>
+            </a:r>
+            <a:r>
+              <a:rPr lang="en-US" altLang="ko-KR" sz="2400" dirty="0">
+                <a:solidFill>
+                  <a:schemeClr val="bg1"/>
+                </a:solidFill>
+              </a:rPr>
+              <a:t>.</a:t>
+            </a:r>
+          </a:p>
+        </p:txBody>
+      </p:sp>
+      <p:sp>
+        <p:nvSpPr>
+          <p:cNvPr id="3" name="화살표: 아래쪽 2">
+            <a:extLst>
+              <a:ext uri="{FF2B5EF4-FFF2-40B4-BE49-F238E27FC236}">
+                <a16:creationId xmlns:a16="http://schemas.microsoft.com/office/drawing/2014/main" id="{29DB293D-1BAA-4155-BF2A-8E8D6B36B7EB}"/>
+              </a:ext>
+            </a:extLst>
+          </p:cNvPr>
+          <p:cNvSpPr/>
+          <p:nvPr/>
+        </p:nvSpPr>
+        <p:spPr>
+          <a:xfrm>
+            <a:off x="1867437" y="1058655"/>
+            <a:ext cx="862884" cy="1509554"/>
+          </a:xfrm>
+          <a:prstGeom prst="downArrow">
+            <a:avLst/>
+          </a:prstGeom>
+          <a:solidFill>
+            <a:schemeClr val="accent2"/>
+          </a:solidFill>
+        </p:spPr>
+        <p:style>
+          <a:lnRef idx="2">
+            <a:schemeClr val="accent1">
+              <a:shade val="50000"/>
+            </a:schemeClr>
+          </a:lnRef>
+          <a:fillRef idx="1">
+            <a:schemeClr val="accent1"/>
+          </a:fillRef>
+          <a:effectRef idx="0">
+            <a:schemeClr val="accent1"/>
+          </a:effectRef>
+          <a:fontRef idx="minor">
+            <a:schemeClr val="lt1"/>
+          </a:fontRef>
+        </p:style>
+        <p:txBody>
+          <a:bodyPr rtlCol="0" anchor="ctr"/>
+          <a:lstStyle/>
+          <a:p>
+            <a:pPr algn="ctr"/>
+            <a:endParaRPr lang="ko-KR" altLang="en-US" b="1">
+              <a:ln w="22225">
+                <a:solidFill>
+                  <a:schemeClr val="accent2"/>
+                </a:solidFill>
+                <a:prstDash val="solid"/>
+              </a:ln>
+              <a:solidFill>
+                <a:schemeClr val="accent2">
+                  <a:lumMod val="40000"/>
+                  <a:lumOff val="60000"/>
+                </a:schemeClr>
+              </a:solidFill>
+            </a:endParaRPr>
+          </a:p>
+        </p:txBody>
+      </p:sp>
+      <p:graphicFrame>
+        <p:nvGraphicFramePr>
+          <p:cNvPr id="5" name="표 10">
+            <a:extLst>
+              <a:ext uri="{FF2B5EF4-FFF2-40B4-BE49-F238E27FC236}">
+                <a16:creationId xmlns:a16="http://schemas.microsoft.com/office/drawing/2014/main" id="{4BD79811-D47D-4242-9392-FE0949834F75}"/>
+              </a:ext>
+            </a:extLst>
+          </p:cNvPr>
+          <p:cNvGraphicFramePr>
+            <a:graphicFrameLocks noGrp="1"/>
+          </p:cNvGraphicFramePr>
+          <p:nvPr>
+            <p:extLst>
+              <p:ext uri="{D42A27DB-BD31-4B8C-83A1-F6EECF244321}">
+                <p14:modId xmlns:p14="http://schemas.microsoft.com/office/powerpoint/2010/main" val="1014685186"/>
+              </p:ext>
+            </p:extLst>
+          </p:nvPr>
+        </p:nvGraphicFramePr>
+        <p:xfrm>
+          <a:off x="795631" y="2739235"/>
+          <a:ext cx="2102115" cy="3708400"/>
+        </p:xfrm>
+        <a:graphic>
+          <a:graphicData uri="http://schemas.openxmlformats.org/drawingml/2006/table">
+            <a:tbl>
+              <a:tblPr firstRow="1" bandRow="1">
+                <a:tableStyleId>{5940675A-B579-460E-94D1-54222C63F5DA}</a:tableStyleId>
+              </a:tblPr>
+              <a:tblGrid>
+                <a:gridCol w="530893">
+                  <a:extLst>
+                    <a:ext uri="{9D8B030D-6E8A-4147-A177-3AD203B41FA5}">
+                      <a16:colId xmlns:a16="http://schemas.microsoft.com/office/drawing/2014/main" val="3846829557"/>
+                    </a:ext>
+                  </a:extLst>
+                </a:gridCol>
+                <a:gridCol w="1571222">
+                  <a:extLst>
+                    <a:ext uri="{9D8B030D-6E8A-4147-A177-3AD203B41FA5}">
+                      <a16:colId xmlns:a16="http://schemas.microsoft.com/office/drawing/2014/main" val="3056547237"/>
+                    </a:ext>
+                  </a:extLst>
+                </a:gridCol>
+              </a:tblGrid>
+              <a:tr h="370840">
+                <a:tc>
+                  <a:txBody>
+                    <a:bodyPr/>
+                    <a:lstStyle/>
+                    <a:p>
+                      <a:pPr algn="ctr" latinLnBrk="1"/>
+                      <a:r>
+                        <a:rPr lang="en-US" altLang="ko-KR" dirty="0"/>
+                        <a:t>0</a:t>
+                      </a:r>
+                      <a:endParaRPr lang="ko-KR" altLang="en-US" dirty="0"/>
+                    </a:p>
+                  </a:txBody>
+                  <a:tcPr>
+                    <a:solidFill>
+                      <a:schemeClr val="bg1"/>
+                    </a:solidFill>
+                  </a:tcPr>
+                </a:tc>
+                <a:tc>
+                  <a:txBody>
+                    <a:bodyPr/>
+                    <a:lstStyle/>
+                    <a:p>
+                      <a:pPr algn="l" latinLnBrk="1"/>
+                      <a:endParaRPr lang="ko-KR" altLang="en-US" dirty="0"/>
+                    </a:p>
+                  </a:txBody>
+                  <a:tcPr>
+                    <a:solidFill>
+                      <a:schemeClr val="bg1"/>
+                    </a:solidFill>
+                  </a:tcPr>
+                </a:tc>
+                <a:extLst>
+                  <a:ext uri="{0D108BD9-81ED-4DB2-BD59-A6C34878D82A}">
+                    <a16:rowId xmlns:a16="http://schemas.microsoft.com/office/drawing/2014/main" val="3770909203"/>
+                  </a:ext>
+                </a:extLst>
+              </a:tr>
+              <a:tr h="370840">
+                <a:tc>
+                  <a:txBody>
+                    <a:bodyPr/>
+                    <a:lstStyle/>
+                    <a:p>
+                      <a:pPr algn="ctr" latinLnBrk="1"/>
+                      <a:r>
+                        <a:rPr lang="en-US" altLang="ko-KR" dirty="0"/>
+                        <a:t>1</a:t>
+                      </a:r>
+                      <a:endParaRPr lang="ko-KR" altLang="en-US" dirty="0"/>
+                    </a:p>
+                  </a:txBody>
+                  <a:tcPr>
+                    <a:solidFill>
+                      <a:schemeClr val="bg1"/>
+                    </a:solidFill>
+                  </a:tcPr>
+                </a:tc>
+                <a:tc>
+                  <a:txBody>
+                    <a:bodyPr/>
+                    <a:lstStyle/>
+                    <a:p>
+                      <a:pPr algn="l" latinLnBrk="1"/>
+                      <a:r>
+                        <a:rPr lang="en-US" altLang="ko-KR" dirty="0"/>
+                        <a:t>531</a:t>
+                      </a:r>
+                      <a:endParaRPr lang="ko-KR" altLang="en-US" dirty="0"/>
+                    </a:p>
+                  </a:txBody>
+                  <a:tcPr>
+                    <a:solidFill>
+                      <a:schemeClr val="bg1"/>
+                    </a:solidFill>
+                  </a:tcPr>
+                </a:tc>
+                <a:extLst>
+                  <a:ext uri="{0D108BD9-81ED-4DB2-BD59-A6C34878D82A}">
+                    <a16:rowId xmlns:a16="http://schemas.microsoft.com/office/drawing/2014/main" val="3050660282"/>
+                  </a:ext>
+                </a:extLst>
+              </a:tr>
+              <a:tr h="370840">
+                <a:tc>
+                  <a:txBody>
+                    <a:bodyPr/>
+                    <a:lstStyle/>
+                    <a:p>
+                      <a:pPr algn="ctr" latinLnBrk="1"/>
+                      <a:r>
+                        <a:rPr lang="en-US" altLang="ko-KR" dirty="0"/>
+                        <a:t>2</a:t>
+                      </a:r>
+                      <a:endParaRPr lang="ko-KR" altLang="en-US" dirty="0"/>
+                    </a:p>
+                  </a:txBody>
+                  <a:tcPr>
+                    <a:solidFill>
+                      <a:schemeClr val="bg1"/>
+                    </a:solidFill>
+                  </a:tcPr>
+                </a:tc>
+                <a:tc>
+                  <a:txBody>
+                    <a:bodyPr/>
+                    <a:lstStyle/>
+                    <a:p>
+                      <a:pPr algn="l" latinLnBrk="1"/>
+                      <a:r>
+                        <a:rPr lang="en-US" altLang="ko-KR" dirty="0"/>
+                        <a:t>532</a:t>
+                      </a:r>
+                      <a:endParaRPr lang="ko-KR" altLang="en-US" dirty="0"/>
+                    </a:p>
+                  </a:txBody>
+                  <a:tcPr>
+                    <a:solidFill>
+                      <a:schemeClr val="bg1"/>
+                    </a:solidFill>
+                  </a:tcPr>
+                </a:tc>
+                <a:extLst>
+                  <a:ext uri="{0D108BD9-81ED-4DB2-BD59-A6C34878D82A}">
+                    <a16:rowId xmlns:a16="http://schemas.microsoft.com/office/drawing/2014/main" val="1099388776"/>
+                  </a:ext>
+                </a:extLst>
+              </a:tr>
+              <a:tr h="370840">
+                <a:tc>
+                  <a:txBody>
+                    <a:bodyPr/>
+                    <a:lstStyle/>
+                    <a:p>
+                      <a:pPr algn="ctr" latinLnBrk="1"/>
+                      <a:r>
+                        <a:rPr lang="en-US" altLang="ko-KR"/>
+                        <a:t>3</a:t>
+                      </a:r>
+                      <a:endParaRPr lang="ko-KR" altLang="en-US" dirty="0"/>
+                    </a:p>
+                  </a:txBody>
+                  <a:tcPr>
+                    <a:solidFill>
+                      <a:schemeClr val="bg1"/>
+                    </a:solidFill>
+                  </a:tcPr>
+                </a:tc>
+                <a:tc>
+                  <a:txBody>
+                    <a:bodyPr/>
+                    <a:lstStyle/>
+                    <a:p>
+                      <a:pPr algn="l" latinLnBrk="1"/>
+                      <a:endParaRPr lang="ko-KR" altLang="en-US" dirty="0"/>
+                    </a:p>
+                  </a:txBody>
+                  <a:tcPr>
+                    <a:solidFill>
+                      <a:schemeClr val="bg1"/>
+                    </a:solidFill>
+                  </a:tcPr>
+                </a:tc>
+                <a:extLst>
+                  <a:ext uri="{0D108BD9-81ED-4DB2-BD59-A6C34878D82A}">
+                    <a16:rowId xmlns:a16="http://schemas.microsoft.com/office/drawing/2014/main" val="1186208757"/>
+                  </a:ext>
+                </a:extLst>
+              </a:tr>
+              <a:tr h="370840">
+                <a:tc>
+                  <a:txBody>
+                    <a:bodyPr/>
+                    <a:lstStyle/>
+                    <a:p>
+                      <a:pPr algn="ctr" latinLnBrk="1"/>
+                      <a:r>
+                        <a:rPr lang="en-US" altLang="ko-KR"/>
+                        <a:t>4</a:t>
+                      </a:r>
+                      <a:endParaRPr lang="ko-KR" altLang="en-US" dirty="0"/>
+                    </a:p>
+                  </a:txBody>
+                  <a:tcPr>
+                    <a:solidFill>
+                      <a:schemeClr val="bg1"/>
+                    </a:solidFill>
+                  </a:tcPr>
+                </a:tc>
+                <a:tc>
+                  <a:txBody>
+                    <a:bodyPr/>
+                    <a:lstStyle/>
+                    <a:p>
+                      <a:pPr algn="l" latinLnBrk="1"/>
+                      <a:r>
+                        <a:rPr lang="en-US" altLang="ko-KR" dirty="0"/>
+                        <a:t>434</a:t>
+                      </a:r>
+                      <a:endParaRPr lang="ko-KR" altLang="en-US" dirty="0"/>
+                    </a:p>
+                  </a:txBody>
+                  <a:tcPr>
+                    <a:solidFill>
+                      <a:schemeClr val="bg1"/>
+                    </a:solidFill>
+                  </a:tcPr>
+                </a:tc>
+                <a:extLst>
+                  <a:ext uri="{0D108BD9-81ED-4DB2-BD59-A6C34878D82A}">
+                    <a16:rowId xmlns:a16="http://schemas.microsoft.com/office/drawing/2014/main" val="2838049951"/>
+                  </a:ext>
+                </a:extLst>
+              </a:tr>
+              <a:tr h="370840">
+                <a:tc>
+                  <a:txBody>
+                    <a:bodyPr/>
+                    <a:lstStyle/>
+                    <a:p>
+                      <a:pPr algn="ctr" latinLnBrk="1"/>
+                      <a:r>
+                        <a:rPr lang="en-US" altLang="ko-KR"/>
+                        <a:t>5</a:t>
+                      </a:r>
+                      <a:endParaRPr lang="ko-KR" altLang="en-US" dirty="0"/>
+                    </a:p>
+                  </a:txBody>
+                  <a:tcPr>
+                    <a:solidFill>
+                      <a:schemeClr val="bg1"/>
+                    </a:solidFill>
+                  </a:tcPr>
+                </a:tc>
+                <a:tc>
+                  <a:txBody>
+                    <a:bodyPr/>
+                    <a:lstStyle/>
+                    <a:p>
+                      <a:pPr algn="l" latinLnBrk="1"/>
+                      <a:endParaRPr lang="ko-KR" altLang="en-US" dirty="0"/>
+                    </a:p>
+                  </a:txBody>
+                  <a:tcPr>
+                    <a:solidFill>
+                      <a:schemeClr val="bg1"/>
+                    </a:solidFill>
+                  </a:tcPr>
+                </a:tc>
+                <a:extLst>
+                  <a:ext uri="{0D108BD9-81ED-4DB2-BD59-A6C34878D82A}">
+                    <a16:rowId xmlns:a16="http://schemas.microsoft.com/office/drawing/2014/main" val="1209846721"/>
+                  </a:ext>
+                </a:extLst>
+              </a:tr>
+              <a:tr h="370840">
+                <a:tc>
+                  <a:txBody>
+                    <a:bodyPr/>
+                    <a:lstStyle/>
+                    <a:p>
+                      <a:pPr algn="ctr" latinLnBrk="1"/>
+                      <a:r>
+                        <a:rPr lang="en-US" altLang="ko-KR"/>
+                        <a:t>6</a:t>
+                      </a:r>
+                      <a:endParaRPr lang="ko-KR" altLang="en-US" dirty="0"/>
+                    </a:p>
+                  </a:txBody>
+                  <a:tcPr>
+                    <a:solidFill>
+                      <a:schemeClr val="bg1"/>
+                    </a:solidFill>
+                  </a:tcPr>
+                </a:tc>
+                <a:tc>
+                  <a:txBody>
+                    <a:bodyPr/>
+                    <a:lstStyle/>
+                    <a:p>
+                      <a:pPr algn="l" latinLnBrk="1"/>
+                      <a:endParaRPr lang="ko-KR" altLang="en-US" dirty="0"/>
+                    </a:p>
+                  </a:txBody>
+                  <a:tcPr>
+                    <a:solidFill>
+                      <a:schemeClr val="bg1"/>
+                    </a:solidFill>
+                  </a:tcPr>
+                </a:tc>
+                <a:extLst>
+                  <a:ext uri="{0D108BD9-81ED-4DB2-BD59-A6C34878D82A}">
+                    <a16:rowId xmlns:a16="http://schemas.microsoft.com/office/drawing/2014/main" val="3156838686"/>
+                  </a:ext>
+                </a:extLst>
+              </a:tr>
+              <a:tr h="370840">
+                <a:tc>
+                  <a:txBody>
+                    <a:bodyPr/>
+                    <a:lstStyle/>
+                    <a:p>
+                      <a:pPr algn="ctr" latinLnBrk="1"/>
+                      <a:r>
+                        <a:rPr lang="en-US" altLang="ko-KR"/>
+                        <a:t>7</a:t>
+                      </a:r>
+                      <a:endParaRPr lang="ko-KR" altLang="en-US" dirty="0"/>
+                    </a:p>
+                  </a:txBody>
+                  <a:tcPr>
+                    <a:solidFill>
+                      <a:schemeClr val="bg1"/>
+                    </a:solidFill>
+                  </a:tcPr>
+                </a:tc>
+                <a:tc>
+                  <a:txBody>
+                    <a:bodyPr/>
+                    <a:lstStyle/>
+                    <a:p>
+                      <a:pPr algn="l" latinLnBrk="1"/>
+                      <a:endParaRPr lang="ko-KR" altLang="en-US" dirty="0"/>
+                    </a:p>
+                  </a:txBody>
+                  <a:tcPr>
+                    <a:solidFill>
+                      <a:schemeClr val="bg1"/>
+                    </a:solidFill>
+                  </a:tcPr>
+                </a:tc>
+                <a:extLst>
+                  <a:ext uri="{0D108BD9-81ED-4DB2-BD59-A6C34878D82A}">
+                    <a16:rowId xmlns:a16="http://schemas.microsoft.com/office/drawing/2014/main" val="2312447118"/>
+                  </a:ext>
+                </a:extLst>
+              </a:tr>
+              <a:tr h="370840">
+                <a:tc>
+                  <a:txBody>
+                    <a:bodyPr/>
+                    <a:lstStyle/>
+                    <a:p>
+                      <a:pPr algn="ctr" latinLnBrk="1"/>
+                      <a:r>
+                        <a:rPr lang="en-US" altLang="ko-KR"/>
+                        <a:t>8</a:t>
+                      </a:r>
+                      <a:endParaRPr lang="ko-KR" altLang="en-US" dirty="0"/>
+                    </a:p>
+                  </a:txBody>
+                  <a:tcPr>
+                    <a:solidFill>
+                      <a:schemeClr val="bg1"/>
+                    </a:solidFill>
+                  </a:tcPr>
+                </a:tc>
+                <a:tc>
+                  <a:txBody>
+                    <a:bodyPr/>
+                    <a:lstStyle/>
+                    <a:p>
+                      <a:pPr algn="l" latinLnBrk="1"/>
+                      <a:endParaRPr lang="ko-KR" altLang="en-US" dirty="0"/>
+                    </a:p>
+                  </a:txBody>
+                  <a:tcPr>
+                    <a:solidFill>
+                      <a:schemeClr val="bg1"/>
+                    </a:solidFill>
+                  </a:tcPr>
+                </a:tc>
+                <a:extLst>
+                  <a:ext uri="{0D108BD9-81ED-4DB2-BD59-A6C34878D82A}">
+                    <a16:rowId xmlns:a16="http://schemas.microsoft.com/office/drawing/2014/main" val="631407617"/>
+                  </a:ext>
+                </a:extLst>
+              </a:tr>
+              <a:tr h="370840">
+                <a:tc>
+                  <a:txBody>
+                    <a:bodyPr/>
+                    <a:lstStyle/>
+                    <a:p>
+                      <a:pPr algn="ctr" latinLnBrk="1"/>
+                      <a:r>
+                        <a:rPr lang="en-US" altLang="ko-KR"/>
+                        <a:t>9</a:t>
+                      </a:r>
+                      <a:endParaRPr lang="ko-KR" altLang="en-US" dirty="0"/>
+                    </a:p>
+                  </a:txBody>
+                  <a:tcPr>
+                    <a:solidFill>
+                      <a:schemeClr val="bg1"/>
+                    </a:solidFill>
+                  </a:tcPr>
+                </a:tc>
+                <a:tc>
+                  <a:txBody>
+                    <a:bodyPr/>
+                    <a:lstStyle/>
+                    <a:p>
+                      <a:pPr algn="l" latinLnBrk="1"/>
+                      <a:endParaRPr lang="ko-KR" altLang="en-US" dirty="0"/>
+                    </a:p>
+                  </a:txBody>
+                  <a:tcPr>
+                    <a:solidFill>
+                      <a:schemeClr val="bg1"/>
+                    </a:solidFill>
+                  </a:tcPr>
+                </a:tc>
+                <a:extLst>
+                  <a:ext uri="{0D108BD9-81ED-4DB2-BD59-A6C34878D82A}">
+                    <a16:rowId xmlns:a16="http://schemas.microsoft.com/office/drawing/2014/main" val="866083130"/>
+                  </a:ext>
+                </a:extLst>
+              </a:tr>
+            </a:tbl>
+          </a:graphicData>
+        </a:graphic>
+      </p:graphicFrame>
+      <p:sp>
+        <p:nvSpPr>
+          <p:cNvPr id="13" name="화살표: 굽음 12">
+            <a:extLst>
+              <a:ext uri="{FF2B5EF4-FFF2-40B4-BE49-F238E27FC236}">
+                <a16:creationId xmlns:a16="http://schemas.microsoft.com/office/drawing/2014/main" id="{1C66EE62-B904-41FE-B729-03AC8803BB49}"/>
+              </a:ext>
+            </a:extLst>
+          </p:cNvPr>
+          <p:cNvSpPr/>
+          <p:nvPr/>
+        </p:nvSpPr>
+        <p:spPr>
+          <a:xfrm rot="5400000">
+            <a:off x="3329187" y="3342067"/>
+            <a:ext cx="1983346" cy="2228045"/>
+          </a:xfrm>
+          <a:prstGeom prst="bentArrow">
+            <a:avLst/>
+          </a:prstGeom>
+          <a:solidFill>
+            <a:schemeClr val="accent2"/>
+          </a:solidFill>
+        </p:spPr>
+        <p:style>
+          <a:lnRef idx="2">
+            <a:schemeClr val="accent1">
+              <a:shade val="50000"/>
+            </a:schemeClr>
+          </a:lnRef>
+          <a:fillRef idx="1">
+            <a:schemeClr val="accent1"/>
+          </a:fillRef>
+          <a:effectRef idx="0">
+            <a:schemeClr val="accent1"/>
+          </a:effectRef>
+          <a:fontRef idx="minor">
+            <a:schemeClr val="lt1"/>
+          </a:fontRef>
+        </p:style>
+        <p:txBody>
+          <a:bodyPr rtlCol="0" anchor="ctr"/>
+          <a:lstStyle/>
+          <a:p>
+            <a:pPr algn="ctr"/>
+            <a:endParaRPr lang="ko-KR" altLang="en-US">
+              <a:solidFill>
+                <a:schemeClr val="tx1"/>
+              </a:solidFill>
+            </a:endParaRPr>
+          </a:p>
+        </p:txBody>
+      </p:sp>
+      <p:sp>
+        <p:nvSpPr>
+          <p:cNvPr id="14" name="TextBox 13">
+            <a:extLst>
+              <a:ext uri="{FF2B5EF4-FFF2-40B4-BE49-F238E27FC236}">
+                <a16:creationId xmlns:a16="http://schemas.microsoft.com/office/drawing/2014/main" id="{B55A0D50-3A21-4938-B4A5-B4C8F6EB022E}"/>
+              </a:ext>
+            </a:extLst>
+          </p:cNvPr>
+          <p:cNvSpPr txBox="1"/>
+          <p:nvPr/>
+        </p:nvSpPr>
+        <p:spPr>
+          <a:xfrm>
+            <a:off x="5510346" y="3958864"/>
+            <a:ext cx="6189285" cy="830997"/>
+          </a:xfrm>
+          <a:prstGeom prst="rect">
+            <a:avLst/>
+          </a:prstGeom>
+          <a:noFill/>
+        </p:spPr>
+        <p:txBody>
+          <a:bodyPr wrap="square" rtlCol="0">
+            <a:spAutoFit/>
+          </a:bodyPr>
+          <a:lstStyle/>
+          <a:p>
+            <a:r>
+              <a:rPr lang="ko-KR" altLang="en-US" sz="2400" dirty="0">
+                <a:solidFill>
+                  <a:schemeClr val="bg1"/>
+                </a:solidFill>
+              </a:rPr>
+              <a:t>각 값들을 차례로 추출하여 </a:t>
+            </a:r>
+            <a:r>
+              <a:rPr lang="en-US" altLang="ko-KR" sz="2400" dirty="0">
+                <a:solidFill>
+                  <a:schemeClr val="bg1"/>
+                </a:solidFill>
+              </a:rPr>
+              <a:t>1</a:t>
+            </a:r>
+            <a:r>
+              <a:rPr lang="ko-KR" altLang="en-US" sz="2400" dirty="0">
+                <a:solidFill>
+                  <a:schemeClr val="bg1"/>
+                </a:solidFill>
+              </a:rPr>
+              <a:t>차원 배열로</a:t>
+            </a:r>
+            <a:endParaRPr lang="en-US" altLang="ko-KR" sz="2400" dirty="0">
+              <a:solidFill>
+                <a:schemeClr val="bg1"/>
+              </a:solidFill>
+            </a:endParaRPr>
+          </a:p>
+          <a:p>
+            <a:r>
+              <a:rPr lang="ko-KR" altLang="en-US" sz="2400" dirty="0">
+                <a:solidFill>
+                  <a:schemeClr val="bg1"/>
+                </a:solidFill>
+              </a:rPr>
+              <a:t>다시 변환합니다</a:t>
+            </a:r>
+            <a:r>
+              <a:rPr lang="en-US" altLang="ko-KR" sz="2400" dirty="0">
+                <a:solidFill>
+                  <a:schemeClr val="bg1"/>
+                </a:solidFill>
+              </a:rPr>
+              <a:t>.</a:t>
+            </a:r>
+            <a:endParaRPr lang="ko-KR" altLang="en-US" sz="2400" dirty="0">
+              <a:solidFill>
+                <a:schemeClr val="bg1"/>
+              </a:solidFill>
+            </a:endParaRPr>
+          </a:p>
+        </p:txBody>
+      </p:sp>
+      <p:graphicFrame>
+        <p:nvGraphicFramePr>
+          <p:cNvPr id="9" name="표 2">
+            <a:extLst>
+              <a:ext uri="{FF2B5EF4-FFF2-40B4-BE49-F238E27FC236}">
+                <a16:creationId xmlns:a16="http://schemas.microsoft.com/office/drawing/2014/main" id="{5E5CB8A1-1536-4ADC-B208-11A7647858DA}"/>
+              </a:ext>
+            </a:extLst>
+          </p:cNvPr>
+          <p:cNvGraphicFramePr>
+            <a:graphicFrameLocks noGrp="1"/>
+          </p:cNvGraphicFramePr>
+          <p:nvPr/>
+        </p:nvGraphicFramePr>
+        <p:xfrm>
+          <a:off x="941106" y="532058"/>
+          <a:ext cx="2701557" cy="370840"/>
+        </p:xfrm>
+        <a:graphic>
+          <a:graphicData uri="http://schemas.openxmlformats.org/drawingml/2006/table">
+            <a:tbl>
+              <a:tblPr firstRow="1" bandRow="1">
+                <a:tableStyleId>{5940675A-B579-460E-94D1-54222C63F5DA}</a:tableStyleId>
+              </a:tblPr>
+              <a:tblGrid>
+                <a:gridCol w="900519">
+                  <a:extLst>
+                    <a:ext uri="{9D8B030D-6E8A-4147-A177-3AD203B41FA5}">
+                      <a16:colId xmlns:a16="http://schemas.microsoft.com/office/drawing/2014/main" val="1111750069"/>
+                    </a:ext>
+                  </a:extLst>
+                </a:gridCol>
+                <a:gridCol w="900519">
+                  <a:extLst>
+                    <a:ext uri="{9D8B030D-6E8A-4147-A177-3AD203B41FA5}">
+                      <a16:colId xmlns:a16="http://schemas.microsoft.com/office/drawing/2014/main" val="4199686683"/>
+                    </a:ext>
+                  </a:extLst>
+                </a:gridCol>
+                <a:gridCol w="900519">
+                  <a:extLst>
+                    <a:ext uri="{9D8B030D-6E8A-4147-A177-3AD203B41FA5}">
+                      <a16:colId xmlns:a16="http://schemas.microsoft.com/office/drawing/2014/main" val="1792932146"/>
+                    </a:ext>
+                  </a:extLst>
+                </a:gridCol>
+              </a:tblGrid>
+              <a:tr h="370840">
+                <a:tc>
+                  <a:txBody>
+                    <a:bodyPr/>
+                    <a:lstStyle/>
+                    <a:p>
+                      <a:pPr algn="ctr" latinLnBrk="1"/>
+                      <a:r>
+                        <a:rPr lang="en-US" altLang="ko-KR" dirty="0"/>
+                        <a:t>434</a:t>
+                      </a:r>
+                      <a:endParaRPr lang="ko-KR" altLang="en-US" dirty="0"/>
+                    </a:p>
+                  </a:txBody>
+                  <a:tcPr anchor="ctr">
+                    <a:solidFill>
+                      <a:schemeClr val="bg1"/>
+                    </a:solidFill>
+                  </a:tcPr>
+                </a:tc>
+                <a:tc>
+                  <a:txBody>
+                    <a:bodyPr/>
+                    <a:lstStyle/>
+                    <a:p>
+                      <a:pPr algn="ctr" latinLnBrk="1"/>
+                      <a:r>
+                        <a:rPr lang="en-US" altLang="ko-KR" dirty="0"/>
+                        <a:t>532</a:t>
+                      </a:r>
+                      <a:endParaRPr lang="ko-KR" altLang="en-US" dirty="0"/>
+                    </a:p>
+                  </a:txBody>
+                  <a:tcPr anchor="ctr">
+                    <a:solidFill>
+                      <a:schemeClr val="bg1"/>
+                    </a:solidFill>
+                  </a:tcPr>
+                </a:tc>
+                <a:tc>
+                  <a:txBody>
+                    <a:bodyPr/>
+                    <a:lstStyle/>
+                    <a:p>
+                      <a:pPr algn="ctr" latinLnBrk="1"/>
+                      <a:r>
+                        <a:rPr lang="en-US" altLang="ko-KR" dirty="0"/>
+                        <a:t>531</a:t>
+                      </a:r>
+                      <a:endParaRPr lang="ko-KR" altLang="en-US" dirty="0"/>
+                    </a:p>
+                  </a:txBody>
+                  <a:tcPr anchor="ctr">
+                    <a:solidFill>
+                      <a:schemeClr val="bg1"/>
+                    </a:solidFill>
+                  </a:tcPr>
+                </a:tc>
+                <a:extLst>
+                  <a:ext uri="{0D108BD9-81ED-4DB2-BD59-A6C34878D82A}">
+                    <a16:rowId xmlns:a16="http://schemas.microsoft.com/office/drawing/2014/main" val="758684597"/>
+                  </a:ext>
+                </a:extLst>
+              </a:tr>
+            </a:tbl>
+          </a:graphicData>
+        </a:graphic>
+      </p:graphicFrame>
+      <p:graphicFrame>
+        <p:nvGraphicFramePr>
+          <p:cNvPr id="11" name="표 2">
+            <a:extLst>
+              <a:ext uri="{FF2B5EF4-FFF2-40B4-BE49-F238E27FC236}">
+                <a16:creationId xmlns:a16="http://schemas.microsoft.com/office/drawing/2014/main" id="{9099FDD6-054B-458A-9256-82698BF96145}"/>
+              </a:ext>
+            </a:extLst>
+          </p:cNvPr>
+          <p:cNvGraphicFramePr>
+            <a:graphicFrameLocks noGrp="1"/>
+          </p:cNvGraphicFramePr>
+          <p:nvPr>
+            <p:extLst>
+              <p:ext uri="{D42A27DB-BD31-4B8C-83A1-F6EECF244321}">
+                <p14:modId xmlns:p14="http://schemas.microsoft.com/office/powerpoint/2010/main" val="3055072682"/>
+              </p:ext>
+            </p:extLst>
+          </p:nvPr>
+        </p:nvGraphicFramePr>
+        <p:xfrm>
+          <a:off x="3585246" y="5576498"/>
+          <a:ext cx="2701557" cy="370840"/>
+        </p:xfrm>
+        <a:graphic>
+          <a:graphicData uri="http://schemas.openxmlformats.org/drawingml/2006/table">
+            <a:tbl>
+              <a:tblPr firstRow="1" bandRow="1">
+                <a:tableStyleId>{5940675A-B579-460E-94D1-54222C63F5DA}</a:tableStyleId>
+              </a:tblPr>
+              <a:tblGrid>
+                <a:gridCol w="900519">
+                  <a:extLst>
+                    <a:ext uri="{9D8B030D-6E8A-4147-A177-3AD203B41FA5}">
+                      <a16:colId xmlns:a16="http://schemas.microsoft.com/office/drawing/2014/main" val="1111750069"/>
+                    </a:ext>
+                  </a:extLst>
+                </a:gridCol>
+                <a:gridCol w="900519">
+                  <a:extLst>
+                    <a:ext uri="{9D8B030D-6E8A-4147-A177-3AD203B41FA5}">
+                      <a16:colId xmlns:a16="http://schemas.microsoft.com/office/drawing/2014/main" val="4199686683"/>
+                    </a:ext>
+                  </a:extLst>
+                </a:gridCol>
+                <a:gridCol w="900519">
+                  <a:extLst>
+                    <a:ext uri="{9D8B030D-6E8A-4147-A177-3AD203B41FA5}">
+                      <a16:colId xmlns:a16="http://schemas.microsoft.com/office/drawing/2014/main" val="1792932146"/>
+                    </a:ext>
+                  </a:extLst>
+                </a:gridCol>
+              </a:tblGrid>
+              <a:tr h="370840">
+                <a:tc>
+                  <a:txBody>
+                    <a:bodyPr/>
+                    <a:lstStyle/>
+                    <a:p>
+                      <a:pPr algn="ctr" latinLnBrk="1"/>
+                      <a:r>
+                        <a:rPr lang="en-US" altLang="ko-KR" dirty="0"/>
+                        <a:t>531</a:t>
+                      </a:r>
+                      <a:endParaRPr lang="ko-KR" altLang="en-US" dirty="0"/>
+                    </a:p>
+                  </a:txBody>
+                  <a:tcPr anchor="ctr">
+                    <a:solidFill>
+                      <a:schemeClr val="bg1"/>
+                    </a:solidFill>
+                  </a:tcPr>
+                </a:tc>
+                <a:tc>
+                  <a:txBody>
+                    <a:bodyPr/>
+                    <a:lstStyle/>
+                    <a:p>
+                      <a:pPr algn="ctr" latinLnBrk="1"/>
+                      <a:r>
+                        <a:rPr lang="en-US" altLang="ko-KR" dirty="0"/>
+                        <a:t>532</a:t>
+                      </a:r>
+                      <a:endParaRPr lang="ko-KR" altLang="en-US" dirty="0"/>
+                    </a:p>
+                  </a:txBody>
+                  <a:tcPr anchor="ctr">
+                    <a:solidFill>
+                      <a:schemeClr val="bg1"/>
+                    </a:solidFill>
+                  </a:tcPr>
+                </a:tc>
+                <a:tc>
+                  <a:txBody>
+                    <a:bodyPr/>
+                    <a:lstStyle/>
+                    <a:p>
+                      <a:pPr algn="ctr" latinLnBrk="1"/>
+                      <a:r>
+                        <a:rPr lang="en-US" altLang="ko-KR" dirty="0"/>
+                        <a:t>434</a:t>
+                      </a:r>
+                      <a:endParaRPr lang="ko-KR" altLang="en-US" dirty="0"/>
+                    </a:p>
+                  </a:txBody>
+                  <a:tcPr anchor="ctr">
+                    <a:solidFill>
+                      <a:schemeClr val="bg1"/>
+                    </a:solidFill>
+                  </a:tcPr>
+                </a:tc>
+                <a:extLst>
+                  <a:ext uri="{0D108BD9-81ED-4DB2-BD59-A6C34878D82A}">
+                    <a16:rowId xmlns:a16="http://schemas.microsoft.com/office/drawing/2014/main" val="758684597"/>
+                  </a:ext>
+                </a:extLst>
+              </a:tr>
+            </a:tbl>
+          </a:graphicData>
+        </a:graphic>
+      </p:graphicFrame>
+    </p:spTree>
+    <p:extLst>
+      <p:ext uri="{BB962C8B-B14F-4D97-AF65-F5344CB8AC3E}">
+        <p14:creationId xmlns:p14="http://schemas.microsoft.com/office/powerpoint/2010/main" val="815981245"/>
+      </p:ext>
+    </p:extLst>
+  </p:cSld>
+  <p:clrMapOvr>
+    <a:masterClrMapping/>
+  </p:clrMapOvr>
+</p:sld>
+</file>
+
 <file path=ppt/slides/slide2.xml><?xml version="1.0" encoding="utf-8"?>
 <p:sld xmlns:a="http://schemas.openxmlformats.org/drawingml/2006/main" xmlns:r="http://schemas.openxmlformats.org/officeDocument/2006/relationships" xmlns:p="http://schemas.openxmlformats.org/presentationml/2006/main">
   <p:cSld>
@@ -6135,6 +7149,7653 @@
     <p:extLst>
       <p:ext uri="{BB962C8B-B14F-4D97-AF65-F5344CB8AC3E}">
         <p14:creationId xmlns:p14="http://schemas.microsoft.com/office/powerpoint/2010/main" val="3481350572"/>
+      </p:ext>
+    </p:extLst>
+  </p:cSld>
+  <p:clrMapOvr>
+    <a:masterClrMapping/>
+  </p:clrMapOvr>
+</p:sld>
+</file>
+
+<file path=ppt/slides/slide3.xml><?xml version="1.0" encoding="utf-8"?>
+<p:sld xmlns:a="http://schemas.openxmlformats.org/drawingml/2006/main" xmlns:r="http://schemas.openxmlformats.org/officeDocument/2006/relationships" xmlns:p="http://schemas.openxmlformats.org/presentationml/2006/main">
+  <p:cSld>
+    <p:bg>
+      <p:bgPr>
+        <a:solidFill>
+          <a:schemeClr val="tx2">
+            <a:lumMod val="50000"/>
+          </a:schemeClr>
+        </a:solidFill>
+        <a:effectLst/>
+      </p:bgPr>
+    </p:bg>
+    <p:spTree>
+      <p:nvGrpSpPr>
+        <p:cNvPr id="1" name=""/>
+        <p:cNvGrpSpPr/>
+        <p:nvPr/>
+      </p:nvGrpSpPr>
+      <p:grpSpPr>
+        <a:xfrm>
+          <a:off x="0" y="0"/>
+          <a:ext cx="0" cy="0"/>
+          <a:chOff x="0" y="0"/>
+          <a:chExt cx="0" cy="0"/>
+        </a:xfrm>
+      </p:grpSpPr>
+      <p:sp>
+        <p:nvSpPr>
+          <p:cNvPr id="4" name="TextBox 3">
+            <a:extLst>
+              <a:ext uri="{FF2B5EF4-FFF2-40B4-BE49-F238E27FC236}">
+                <a16:creationId xmlns:a16="http://schemas.microsoft.com/office/drawing/2014/main" id="{0ADD3736-29C5-49A6-8C10-696896947644}"/>
+              </a:ext>
+            </a:extLst>
+          </p:cNvPr>
+          <p:cNvSpPr txBox="1"/>
+          <p:nvPr/>
+        </p:nvSpPr>
+        <p:spPr>
+          <a:xfrm>
+            <a:off x="312821" y="312821"/>
+            <a:ext cx="2935705" cy="584775"/>
+          </a:xfrm>
+          <a:prstGeom prst="rect">
+            <a:avLst/>
+          </a:prstGeom>
+          <a:noFill/>
+        </p:spPr>
+        <p:txBody>
+          <a:bodyPr wrap="square" rtlCol="0">
+            <a:spAutoFit/>
+          </a:bodyPr>
+          <a:lstStyle/>
+          <a:p>
+            <a:r>
+              <a:rPr lang="ko-KR" altLang="en-US" sz="3200" dirty="0">
+                <a:solidFill>
+                  <a:schemeClr val="bg1"/>
+                </a:solidFill>
+              </a:rPr>
+              <a:t>● </a:t>
+            </a:r>
+            <a:r>
+              <a:rPr lang="en-US" altLang="ko-KR" sz="3200" dirty="0">
+                <a:solidFill>
+                  <a:schemeClr val="bg1"/>
+                </a:solidFill>
+              </a:rPr>
+              <a:t>Radix Sort</a:t>
+            </a:r>
+            <a:endParaRPr lang="ko-KR" altLang="en-US" sz="3200" dirty="0">
+              <a:solidFill>
+                <a:schemeClr val="bg1"/>
+              </a:solidFill>
+            </a:endParaRPr>
+          </a:p>
+        </p:txBody>
+      </p:sp>
+      <p:sp>
+        <p:nvSpPr>
+          <p:cNvPr id="9" name="TextBox 8">
+            <a:extLst>
+              <a:ext uri="{FF2B5EF4-FFF2-40B4-BE49-F238E27FC236}">
+                <a16:creationId xmlns:a16="http://schemas.microsoft.com/office/drawing/2014/main" id="{94D51D52-B12F-4FFD-B897-919DC2A6CB0D}"/>
+              </a:ext>
+            </a:extLst>
+          </p:cNvPr>
+          <p:cNvSpPr txBox="1"/>
+          <p:nvPr/>
+        </p:nvSpPr>
+        <p:spPr>
+          <a:xfrm>
+            <a:off x="513345" y="1078997"/>
+            <a:ext cx="10816392" cy="4770537"/>
+          </a:xfrm>
+          <a:prstGeom prst="rect">
+            <a:avLst/>
+          </a:prstGeom>
+          <a:noFill/>
+        </p:spPr>
+        <p:txBody>
+          <a:bodyPr wrap="square" rtlCol="0">
+            <a:spAutoFit/>
+          </a:bodyPr>
+          <a:lstStyle/>
+          <a:p>
+            <a:r>
+              <a:rPr lang="ko-KR" altLang="en-US" sz="2400" dirty="0">
+                <a:solidFill>
+                  <a:schemeClr val="bg1"/>
+                </a:solidFill>
+              </a:rPr>
+              <a:t>◎ </a:t>
+            </a:r>
+            <a:r>
+              <a:rPr lang="en-US" altLang="ko-KR" sz="2400" dirty="0">
+                <a:solidFill>
+                  <a:schemeClr val="bg1"/>
+                </a:solidFill>
+              </a:rPr>
+              <a:t>IDEA</a:t>
+            </a:r>
+          </a:p>
+          <a:p>
+            <a:endParaRPr lang="en-US" altLang="ko-KR" sz="2400" dirty="0">
+              <a:solidFill>
+                <a:schemeClr val="bg1"/>
+              </a:solidFill>
+            </a:endParaRPr>
+          </a:p>
+          <a:p>
+            <a:pPr algn="ctr"/>
+            <a:r>
+              <a:rPr lang="en-US" altLang="ko-KR" sz="3200" dirty="0">
+                <a:solidFill>
+                  <a:schemeClr val="bg1"/>
+                </a:solidFill>
+              </a:rPr>
+              <a:t>421, 502</a:t>
+            </a:r>
+            <a:r>
+              <a:rPr lang="ko-KR" altLang="en-US" sz="3200" dirty="0">
+                <a:solidFill>
+                  <a:schemeClr val="bg1"/>
+                </a:solidFill>
+              </a:rPr>
+              <a:t> 중 어느 쪽이 더 큰 수일까</a:t>
+            </a:r>
+            <a:r>
+              <a:rPr lang="en-US" altLang="ko-KR" sz="3200" dirty="0">
+                <a:solidFill>
+                  <a:schemeClr val="bg1"/>
+                </a:solidFill>
+              </a:rPr>
+              <a:t>?</a:t>
+            </a:r>
+          </a:p>
+          <a:p>
+            <a:pPr algn="ctr"/>
+            <a:endParaRPr lang="en-US" altLang="ko-KR" sz="3200" dirty="0">
+              <a:solidFill>
+                <a:schemeClr val="bg1"/>
+              </a:solidFill>
+            </a:endParaRPr>
+          </a:p>
+          <a:p>
+            <a:pPr algn="ctr"/>
+            <a:r>
+              <a:rPr lang="ko-KR" altLang="en-US" sz="3200" dirty="0">
+                <a:solidFill>
+                  <a:schemeClr val="bg1"/>
+                </a:solidFill>
+              </a:rPr>
+              <a:t>답 </a:t>
+            </a:r>
+            <a:r>
+              <a:rPr lang="en-US" altLang="ko-KR" sz="3200" dirty="0">
+                <a:solidFill>
+                  <a:schemeClr val="bg1"/>
+                </a:solidFill>
+              </a:rPr>
+              <a:t>: 421 &lt; 502</a:t>
+            </a:r>
+          </a:p>
+          <a:p>
+            <a:pPr algn="ctr"/>
+            <a:endParaRPr lang="en-US" altLang="ko-KR" sz="3200" dirty="0">
+              <a:solidFill>
+                <a:schemeClr val="bg1"/>
+              </a:solidFill>
+            </a:endParaRPr>
+          </a:p>
+          <a:p>
+            <a:pPr algn="ctr"/>
+            <a:r>
+              <a:rPr lang="ko-KR" altLang="en-US" sz="3200" dirty="0">
+                <a:solidFill>
+                  <a:schemeClr val="bg1"/>
+                </a:solidFill>
+              </a:rPr>
+              <a:t>우리는 본능적으로 </a:t>
+            </a:r>
+            <a:r>
+              <a:rPr lang="en-US" altLang="ko-KR" sz="3200" dirty="0">
+                <a:solidFill>
+                  <a:schemeClr val="bg1"/>
+                </a:solidFill>
+              </a:rPr>
+              <a:t>100</a:t>
+            </a:r>
+            <a:r>
+              <a:rPr lang="ko-KR" altLang="en-US" sz="3200" dirty="0">
+                <a:solidFill>
+                  <a:schemeClr val="bg1"/>
+                </a:solidFill>
+              </a:rPr>
+              <a:t>의 자릿수인 </a:t>
+            </a:r>
+            <a:r>
+              <a:rPr lang="en-US" altLang="ko-KR" sz="3200" dirty="0">
+                <a:solidFill>
+                  <a:schemeClr val="bg1"/>
+                </a:solidFill>
+              </a:rPr>
+              <a:t>4</a:t>
+            </a:r>
+            <a:r>
+              <a:rPr lang="ko-KR" altLang="en-US" sz="3200" dirty="0">
+                <a:solidFill>
+                  <a:schemeClr val="bg1"/>
+                </a:solidFill>
+              </a:rPr>
+              <a:t>와 </a:t>
+            </a:r>
+            <a:r>
+              <a:rPr lang="en-US" altLang="ko-KR" sz="3200" dirty="0">
+                <a:solidFill>
+                  <a:schemeClr val="bg1"/>
+                </a:solidFill>
+              </a:rPr>
+              <a:t>5</a:t>
+            </a:r>
+            <a:r>
+              <a:rPr lang="ko-KR" altLang="en-US" sz="3200" dirty="0">
+                <a:solidFill>
+                  <a:schemeClr val="bg1"/>
+                </a:solidFill>
+              </a:rPr>
+              <a:t>만으로 </a:t>
+            </a:r>
+            <a:endParaRPr lang="en-US" altLang="ko-KR" sz="3200" dirty="0">
+              <a:solidFill>
+                <a:schemeClr val="bg1"/>
+              </a:solidFill>
+            </a:endParaRPr>
+          </a:p>
+          <a:p>
+            <a:pPr algn="ctr"/>
+            <a:r>
+              <a:rPr lang="ko-KR" altLang="en-US" sz="3200" dirty="0">
+                <a:solidFill>
+                  <a:schemeClr val="bg1"/>
+                </a:solidFill>
+              </a:rPr>
+              <a:t>어느 쪽이 큰 수인지 알 수 있다</a:t>
+            </a:r>
+            <a:r>
+              <a:rPr lang="en-US" altLang="ko-KR" sz="3200" dirty="0">
+                <a:solidFill>
+                  <a:schemeClr val="bg1"/>
+                </a:solidFill>
+              </a:rPr>
+              <a:t>.</a:t>
+            </a:r>
+          </a:p>
+          <a:p>
+            <a:pPr algn="ctr"/>
+            <a:endParaRPr lang="en-US" altLang="ko-KR" sz="3200" dirty="0">
+              <a:solidFill>
+                <a:schemeClr val="bg1"/>
+              </a:solidFill>
+            </a:endParaRPr>
+          </a:p>
+          <a:p>
+            <a:pPr algn="ctr"/>
+            <a:r>
+              <a:rPr lang="ko-KR" altLang="en-US" sz="3200" dirty="0">
+                <a:solidFill>
+                  <a:schemeClr val="bg1"/>
+                </a:solidFill>
+              </a:rPr>
+              <a:t>이 원리를 이용한 것이 </a:t>
+            </a:r>
+            <a:r>
+              <a:rPr lang="en-US" altLang="ko-KR" sz="3200" dirty="0">
+                <a:solidFill>
+                  <a:schemeClr val="bg1"/>
+                </a:solidFill>
+              </a:rPr>
+              <a:t>Radix Sort</a:t>
+            </a:r>
+            <a:r>
+              <a:rPr lang="ko-KR" altLang="en-US" sz="3200" dirty="0">
+                <a:solidFill>
+                  <a:schemeClr val="bg1"/>
+                </a:solidFill>
+              </a:rPr>
+              <a:t>입니다</a:t>
+            </a:r>
+            <a:r>
+              <a:rPr lang="en-US" altLang="ko-KR" sz="3200" dirty="0">
+                <a:solidFill>
+                  <a:schemeClr val="bg1"/>
+                </a:solidFill>
+              </a:rPr>
+              <a:t>.</a:t>
+            </a:r>
+            <a:endParaRPr lang="ko-KR" altLang="en-US" sz="3200" dirty="0">
+              <a:solidFill>
+                <a:schemeClr val="bg1"/>
+              </a:solidFill>
+            </a:endParaRPr>
+          </a:p>
+        </p:txBody>
+      </p:sp>
+    </p:spTree>
+    <p:extLst>
+      <p:ext uri="{BB962C8B-B14F-4D97-AF65-F5344CB8AC3E}">
+        <p14:creationId xmlns:p14="http://schemas.microsoft.com/office/powerpoint/2010/main" val="2300269838"/>
+      </p:ext>
+    </p:extLst>
+  </p:cSld>
+  <p:clrMapOvr>
+    <a:masterClrMapping/>
+  </p:clrMapOvr>
+</p:sld>
+</file>
+
+<file path=ppt/slides/slide4.xml><?xml version="1.0" encoding="utf-8"?>
+<p:sld xmlns:a="http://schemas.openxmlformats.org/drawingml/2006/main" xmlns:r="http://schemas.openxmlformats.org/officeDocument/2006/relationships" xmlns:p="http://schemas.openxmlformats.org/presentationml/2006/main">
+  <p:cSld>
+    <p:bg>
+      <p:bgPr>
+        <a:solidFill>
+          <a:schemeClr val="tx2">
+            <a:lumMod val="50000"/>
+          </a:schemeClr>
+        </a:solidFill>
+        <a:effectLst/>
+      </p:bgPr>
+    </p:bg>
+    <p:spTree>
+      <p:nvGrpSpPr>
+        <p:cNvPr id="1" name=""/>
+        <p:cNvGrpSpPr/>
+        <p:nvPr/>
+      </p:nvGrpSpPr>
+      <p:grpSpPr>
+        <a:xfrm>
+          <a:off x="0" y="0"/>
+          <a:ext cx="0" cy="0"/>
+          <a:chOff x="0" y="0"/>
+          <a:chExt cx="0" cy="0"/>
+        </a:xfrm>
+      </p:grpSpPr>
+      <p:graphicFrame>
+        <p:nvGraphicFramePr>
+          <p:cNvPr id="2" name="표 2">
+            <a:extLst>
+              <a:ext uri="{FF2B5EF4-FFF2-40B4-BE49-F238E27FC236}">
+                <a16:creationId xmlns:a16="http://schemas.microsoft.com/office/drawing/2014/main" id="{677C3217-C8F9-41BA-9954-46B08E8873E5}"/>
+              </a:ext>
+            </a:extLst>
+          </p:cNvPr>
+          <p:cNvGraphicFramePr>
+            <a:graphicFrameLocks noGrp="1"/>
+          </p:cNvGraphicFramePr>
+          <p:nvPr>
+            <p:extLst>
+              <p:ext uri="{D42A27DB-BD31-4B8C-83A1-F6EECF244321}">
+                <p14:modId xmlns:p14="http://schemas.microsoft.com/office/powerpoint/2010/main" val="27090506"/>
+              </p:ext>
+            </p:extLst>
+          </p:nvPr>
+        </p:nvGraphicFramePr>
+        <p:xfrm>
+          <a:off x="885783" y="2599979"/>
+          <a:ext cx="9005190" cy="370840"/>
+        </p:xfrm>
+        <a:graphic>
+          <a:graphicData uri="http://schemas.openxmlformats.org/drawingml/2006/table">
+            <a:tbl>
+              <a:tblPr firstRow="1" bandRow="1">
+                <a:tableStyleId>{5940675A-B579-460E-94D1-54222C63F5DA}</a:tableStyleId>
+              </a:tblPr>
+              <a:tblGrid>
+                <a:gridCol w="900519">
+                  <a:extLst>
+                    <a:ext uri="{9D8B030D-6E8A-4147-A177-3AD203B41FA5}">
+                      <a16:colId xmlns:a16="http://schemas.microsoft.com/office/drawing/2014/main" val="1111750069"/>
+                    </a:ext>
+                  </a:extLst>
+                </a:gridCol>
+                <a:gridCol w="900519">
+                  <a:extLst>
+                    <a:ext uri="{9D8B030D-6E8A-4147-A177-3AD203B41FA5}">
+                      <a16:colId xmlns:a16="http://schemas.microsoft.com/office/drawing/2014/main" val="4199686683"/>
+                    </a:ext>
+                  </a:extLst>
+                </a:gridCol>
+                <a:gridCol w="900519">
+                  <a:extLst>
+                    <a:ext uri="{9D8B030D-6E8A-4147-A177-3AD203B41FA5}">
+                      <a16:colId xmlns:a16="http://schemas.microsoft.com/office/drawing/2014/main" val="1792932146"/>
+                    </a:ext>
+                  </a:extLst>
+                </a:gridCol>
+                <a:gridCol w="900519">
+                  <a:extLst>
+                    <a:ext uri="{9D8B030D-6E8A-4147-A177-3AD203B41FA5}">
+                      <a16:colId xmlns:a16="http://schemas.microsoft.com/office/drawing/2014/main" val="3953650893"/>
+                    </a:ext>
+                  </a:extLst>
+                </a:gridCol>
+                <a:gridCol w="900519">
+                  <a:extLst>
+                    <a:ext uri="{9D8B030D-6E8A-4147-A177-3AD203B41FA5}">
+                      <a16:colId xmlns:a16="http://schemas.microsoft.com/office/drawing/2014/main" val="2940294936"/>
+                    </a:ext>
+                  </a:extLst>
+                </a:gridCol>
+                <a:gridCol w="900519">
+                  <a:extLst>
+                    <a:ext uri="{9D8B030D-6E8A-4147-A177-3AD203B41FA5}">
+                      <a16:colId xmlns:a16="http://schemas.microsoft.com/office/drawing/2014/main" val="800430656"/>
+                    </a:ext>
+                  </a:extLst>
+                </a:gridCol>
+                <a:gridCol w="900519">
+                  <a:extLst>
+                    <a:ext uri="{9D8B030D-6E8A-4147-A177-3AD203B41FA5}">
+                      <a16:colId xmlns:a16="http://schemas.microsoft.com/office/drawing/2014/main" val="2236811984"/>
+                    </a:ext>
+                  </a:extLst>
+                </a:gridCol>
+                <a:gridCol w="900519">
+                  <a:extLst>
+                    <a:ext uri="{9D8B030D-6E8A-4147-A177-3AD203B41FA5}">
+                      <a16:colId xmlns:a16="http://schemas.microsoft.com/office/drawing/2014/main" val="155834178"/>
+                    </a:ext>
+                  </a:extLst>
+                </a:gridCol>
+                <a:gridCol w="900519">
+                  <a:extLst>
+                    <a:ext uri="{9D8B030D-6E8A-4147-A177-3AD203B41FA5}">
+                      <a16:colId xmlns:a16="http://schemas.microsoft.com/office/drawing/2014/main" val="4066905350"/>
+                    </a:ext>
+                  </a:extLst>
+                </a:gridCol>
+                <a:gridCol w="900519">
+                  <a:extLst>
+                    <a:ext uri="{9D8B030D-6E8A-4147-A177-3AD203B41FA5}">
+                      <a16:colId xmlns:a16="http://schemas.microsoft.com/office/drawing/2014/main" val="3747683656"/>
+                    </a:ext>
+                  </a:extLst>
+                </a:gridCol>
+              </a:tblGrid>
+              <a:tr h="370840">
+                <a:tc>
+                  <a:txBody>
+                    <a:bodyPr/>
+                    <a:lstStyle/>
+                    <a:p>
+                      <a:pPr algn="ctr" latinLnBrk="1"/>
+                      <a:r>
+                        <a:rPr lang="en-US" altLang="ko-KR" dirty="0"/>
+                        <a:t>12</a:t>
+                      </a:r>
+                      <a:endParaRPr lang="ko-KR" altLang="en-US" dirty="0"/>
+                    </a:p>
+                  </a:txBody>
+                  <a:tcPr anchor="ctr">
+                    <a:solidFill>
+                      <a:schemeClr val="bg1"/>
+                    </a:solidFill>
+                  </a:tcPr>
+                </a:tc>
+                <a:tc>
+                  <a:txBody>
+                    <a:bodyPr/>
+                    <a:lstStyle/>
+                    <a:p>
+                      <a:pPr algn="ctr" latinLnBrk="1"/>
+                      <a:r>
+                        <a:rPr lang="en-US" altLang="ko-KR" dirty="0"/>
+                        <a:t>421</a:t>
+                      </a:r>
+                      <a:endParaRPr lang="ko-KR" altLang="en-US" dirty="0"/>
+                    </a:p>
+                  </a:txBody>
+                  <a:tcPr anchor="ctr">
+                    <a:solidFill>
+                      <a:schemeClr val="bg1"/>
+                    </a:solidFill>
+                  </a:tcPr>
+                </a:tc>
+                <a:tc>
+                  <a:txBody>
+                    <a:bodyPr/>
+                    <a:lstStyle/>
+                    <a:p>
+                      <a:pPr algn="ctr" latinLnBrk="1"/>
+                      <a:r>
+                        <a:rPr lang="en-US" altLang="ko-KR" dirty="0"/>
+                        <a:t>46</a:t>
+                      </a:r>
+                      <a:endParaRPr lang="ko-KR" altLang="en-US" dirty="0"/>
+                    </a:p>
+                  </a:txBody>
+                  <a:tcPr anchor="ctr">
+                    <a:solidFill>
+                      <a:schemeClr val="bg1"/>
+                    </a:solidFill>
+                  </a:tcPr>
+                </a:tc>
+                <a:tc>
+                  <a:txBody>
+                    <a:bodyPr/>
+                    <a:lstStyle/>
+                    <a:p>
+                      <a:pPr algn="ctr" latinLnBrk="1"/>
+                      <a:r>
+                        <a:rPr lang="en-US" altLang="ko-KR" dirty="0"/>
+                        <a:t>674</a:t>
+                      </a:r>
+                      <a:endParaRPr lang="ko-KR" altLang="en-US" dirty="0"/>
+                    </a:p>
+                  </a:txBody>
+                  <a:tcPr anchor="ctr">
+                    <a:solidFill>
+                      <a:schemeClr val="bg1"/>
+                    </a:solidFill>
+                  </a:tcPr>
+                </a:tc>
+                <a:tc>
+                  <a:txBody>
+                    <a:bodyPr/>
+                    <a:lstStyle/>
+                    <a:p>
+                      <a:pPr algn="ctr" latinLnBrk="1"/>
+                      <a:r>
+                        <a:rPr lang="en-US" altLang="ko-KR" dirty="0"/>
+                        <a:t>103</a:t>
+                      </a:r>
+                      <a:endParaRPr lang="ko-KR" altLang="en-US" dirty="0"/>
+                    </a:p>
+                  </a:txBody>
+                  <a:tcPr anchor="ctr">
+                    <a:solidFill>
+                      <a:schemeClr val="bg1"/>
+                    </a:solidFill>
+                  </a:tcPr>
+                </a:tc>
+                <a:tc>
+                  <a:txBody>
+                    <a:bodyPr/>
+                    <a:lstStyle/>
+                    <a:p>
+                      <a:pPr algn="ctr" latinLnBrk="1"/>
+                      <a:r>
+                        <a:rPr lang="en-US" altLang="ko-KR" dirty="0"/>
+                        <a:t>502</a:t>
+                      </a:r>
+                      <a:endParaRPr lang="ko-KR" altLang="en-US" dirty="0"/>
+                    </a:p>
+                  </a:txBody>
+                  <a:tcPr anchor="ctr">
+                    <a:solidFill>
+                      <a:schemeClr val="bg1"/>
+                    </a:solidFill>
+                  </a:tcPr>
+                </a:tc>
+                <a:tc>
+                  <a:txBody>
+                    <a:bodyPr/>
+                    <a:lstStyle/>
+                    <a:p>
+                      <a:pPr algn="ctr" latinLnBrk="1"/>
+                      <a:r>
+                        <a:rPr lang="en-US" altLang="ko-KR" dirty="0"/>
+                        <a:t>7</a:t>
+                      </a:r>
+                      <a:endParaRPr lang="ko-KR" altLang="en-US" dirty="0"/>
+                    </a:p>
+                  </a:txBody>
+                  <a:tcPr anchor="ctr">
+                    <a:solidFill>
+                      <a:schemeClr val="bg1"/>
+                    </a:solidFill>
+                  </a:tcPr>
+                </a:tc>
+                <a:tc>
+                  <a:txBody>
+                    <a:bodyPr/>
+                    <a:lstStyle/>
+                    <a:p>
+                      <a:pPr algn="ctr" latinLnBrk="1"/>
+                      <a:r>
+                        <a:rPr lang="en-US" altLang="ko-KR" dirty="0"/>
+                        <a:t>100</a:t>
+                      </a:r>
+                      <a:endParaRPr lang="ko-KR" altLang="en-US" dirty="0"/>
+                    </a:p>
+                  </a:txBody>
+                  <a:tcPr anchor="ctr">
+                    <a:solidFill>
+                      <a:schemeClr val="bg1"/>
+                    </a:solidFill>
+                  </a:tcPr>
+                </a:tc>
+                <a:tc>
+                  <a:txBody>
+                    <a:bodyPr/>
+                    <a:lstStyle/>
+                    <a:p>
+                      <a:pPr algn="ctr" latinLnBrk="1"/>
+                      <a:r>
+                        <a:rPr lang="en-US" altLang="ko-KR" dirty="0"/>
+                        <a:t>21</a:t>
+                      </a:r>
+                      <a:endParaRPr lang="ko-KR" altLang="en-US" dirty="0"/>
+                    </a:p>
+                  </a:txBody>
+                  <a:tcPr anchor="ctr">
+                    <a:solidFill>
+                      <a:schemeClr val="bg1"/>
+                    </a:solidFill>
+                  </a:tcPr>
+                </a:tc>
+                <a:tc>
+                  <a:txBody>
+                    <a:bodyPr/>
+                    <a:lstStyle/>
+                    <a:p>
+                      <a:pPr algn="ctr" latinLnBrk="1"/>
+                      <a:r>
+                        <a:rPr lang="en-US" altLang="ko-KR" dirty="0"/>
+                        <a:t>545</a:t>
+                      </a:r>
+                      <a:endParaRPr lang="ko-KR" altLang="en-US" dirty="0"/>
+                    </a:p>
+                  </a:txBody>
+                  <a:tcPr anchor="ctr">
+                    <a:solidFill>
+                      <a:schemeClr val="bg1"/>
+                    </a:solidFill>
+                  </a:tcPr>
+                </a:tc>
+                <a:extLst>
+                  <a:ext uri="{0D108BD9-81ED-4DB2-BD59-A6C34878D82A}">
+                    <a16:rowId xmlns:a16="http://schemas.microsoft.com/office/drawing/2014/main" val="758684597"/>
+                  </a:ext>
+                </a:extLst>
+              </a:tr>
+            </a:tbl>
+          </a:graphicData>
+        </a:graphic>
+      </p:graphicFrame>
+      <p:sp>
+        <p:nvSpPr>
+          <p:cNvPr id="6" name="TextBox 5">
+            <a:extLst>
+              <a:ext uri="{FF2B5EF4-FFF2-40B4-BE49-F238E27FC236}">
+                <a16:creationId xmlns:a16="http://schemas.microsoft.com/office/drawing/2014/main" id="{560EFC9D-3470-4849-9928-97AF407FF96A}"/>
+              </a:ext>
+            </a:extLst>
+          </p:cNvPr>
+          <p:cNvSpPr txBox="1"/>
+          <p:nvPr/>
+        </p:nvSpPr>
+        <p:spPr>
+          <a:xfrm>
+            <a:off x="500466" y="1838849"/>
+            <a:ext cx="10816392" cy="461665"/>
+          </a:xfrm>
+          <a:prstGeom prst="rect">
+            <a:avLst/>
+          </a:prstGeom>
+          <a:noFill/>
+        </p:spPr>
+        <p:txBody>
+          <a:bodyPr wrap="square" rtlCol="0">
+            <a:spAutoFit/>
+          </a:bodyPr>
+          <a:lstStyle/>
+          <a:p>
+            <a:r>
+              <a:rPr lang="ko-KR" altLang="en-US" sz="2400" dirty="0">
+                <a:solidFill>
+                  <a:schemeClr val="bg1"/>
+                </a:solidFill>
+              </a:rPr>
+              <a:t>총 </a:t>
+            </a:r>
+            <a:r>
+              <a:rPr lang="en-US" altLang="ko-KR" sz="2400" dirty="0">
+                <a:solidFill>
+                  <a:schemeClr val="bg1"/>
+                </a:solidFill>
+              </a:rPr>
+              <a:t>10</a:t>
+            </a:r>
+            <a:r>
+              <a:rPr lang="ko-KR" altLang="en-US" sz="2400" dirty="0">
+                <a:solidFill>
+                  <a:schemeClr val="bg1"/>
+                </a:solidFill>
+              </a:rPr>
+              <a:t>개의 수</a:t>
+            </a:r>
+            <a:r>
+              <a:rPr lang="en-US" altLang="ko-KR" sz="2400" dirty="0">
+                <a:solidFill>
+                  <a:schemeClr val="bg1"/>
+                </a:solidFill>
+              </a:rPr>
+              <a:t>(N = 10)</a:t>
+            </a:r>
+            <a:r>
+              <a:rPr lang="ko-KR" altLang="en-US" sz="2400" dirty="0">
+                <a:solidFill>
+                  <a:schemeClr val="bg1"/>
+                </a:solidFill>
+              </a:rPr>
+              <a:t>를 정렬하는 예를 </a:t>
+            </a:r>
+            <a:r>
+              <a:rPr lang="en-US" altLang="ko-KR" sz="2400" dirty="0">
+                <a:solidFill>
+                  <a:schemeClr val="bg1"/>
+                </a:solidFill>
+              </a:rPr>
+              <a:t>Radix Sort</a:t>
+            </a:r>
+            <a:r>
+              <a:rPr lang="ko-KR" altLang="en-US" sz="2400" dirty="0">
+                <a:solidFill>
+                  <a:schemeClr val="bg1"/>
+                </a:solidFill>
+              </a:rPr>
+              <a:t>를 통해 진행해보겠습니다</a:t>
+            </a:r>
+            <a:r>
+              <a:rPr lang="en-US" altLang="ko-KR" sz="2400" dirty="0">
+                <a:solidFill>
+                  <a:schemeClr val="bg1"/>
+                </a:solidFill>
+              </a:rPr>
+              <a:t>.</a:t>
+            </a:r>
+            <a:endParaRPr lang="ko-KR" altLang="en-US" sz="2400" dirty="0">
+              <a:solidFill>
+                <a:schemeClr val="bg1"/>
+              </a:solidFill>
+            </a:endParaRPr>
+          </a:p>
+        </p:txBody>
+      </p:sp>
+      <p:sp>
+        <p:nvSpPr>
+          <p:cNvPr id="7" name="TextBox 6">
+            <a:extLst>
+              <a:ext uri="{FF2B5EF4-FFF2-40B4-BE49-F238E27FC236}">
+                <a16:creationId xmlns:a16="http://schemas.microsoft.com/office/drawing/2014/main" id="{D5E69075-DA63-4FC2-B46A-87B05398C23B}"/>
+              </a:ext>
+            </a:extLst>
+          </p:cNvPr>
+          <p:cNvSpPr txBox="1"/>
+          <p:nvPr/>
+        </p:nvSpPr>
+        <p:spPr>
+          <a:xfrm>
+            <a:off x="3550619" y="3201862"/>
+            <a:ext cx="10816392" cy="1200329"/>
+          </a:xfrm>
+          <a:prstGeom prst="rect">
+            <a:avLst/>
+          </a:prstGeom>
+          <a:noFill/>
+        </p:spPr>
+        <p:txBody>
+          <a:bodyPr wrap="square" rtlCol="0">
+            <a:spAutoFit/>
+          </a:bodyPr>
+          <a:lstStyle/>
+          <a:p>
+            <a:r>
+              <a:rPr lang="ko-KR" altLang="en-US" sz="2400" dirty="0">
+                <a:solidFill>
+                  <a:schemeClr val="bg1"/>
+                </a:solidFill>
+              </a:rPr>
+              <a:t>자릿수 정렬의 원리를 이용하기 때문에</a:t>
+            </a:r>
+            <a:r>
+              <a:rPr lang="en-US" altLang="ko-KR" sz="2400" dirty="0">
+                <a:solidFill>
+                  <a:schemeClr val="bg1"/>
+                </a:solidFill>
+              </a:rPr>
+              <a:t>, </a:t>
+            </a:r>
+            <a:r>
+              <a:rPr lang="ko-KR" altLang="en-US" sz="2400" dirty="0">
+                <a:solidFill>
+                  <a:schemeClr val="bg1"/>
+                </a:solidFill>
+              </a:rPr>
+              <a:t>모든 숫자의 자릿수를</a:t>
+            </a:r>
+            <a:endParaRPr lang="en-US" altLang="ko-KR" sz="2400" dirty="0">
+              <a:solidFill>
+                <a:schemeClr val="bg1"/>
+              </a:solidFill>
+            </a:endParaRPr>
+          </a:p>
+          <a:p>
+            <a:r>
+              <a:rPr lang="ko-KR" altLang="en-US" sz="2400" dirty="0">
+                <a:solidFill>
+                  <a:schemeClr val="bg1"/>
+                </a:solidFill>
+              </a:rPr>
+              <a:t>맞춰줍니다</a:t>
+            </a:r>
+            <a:r>
+              <a:rPr lang="en-US" altLang="ko-KR" sz="2400" dirty="0">
+                <a:solidFill>
+                  <a:schemeClr val="bg1"/>
+                </a:solidFill>
+              </a:rPr>
+              <a:t>. </a:t>
+            </a:r>
+            <a:r>
+              <a:rPr lang="ko-KR" altLang="en-US" sz="2400" dirty="0">
+                <a:solidFill>
+                  <a:schemeClr val="bg1"/>
+                </a:solidFill>
+              </a:rPr>
+              <a:t>제일 큰 수는 </a:t>
+            </a:r>
+            <a:r>
+              <a:rPr lang="en-US" altLang="ko-KR" sz="2400" dirty="0">
+                <a:solidFill>
+                  <a:schemeClr val="bg1"/>
+                </a:solidFill>
+              </a:rPr>
+              <a:t>3</a:t>
+            </a:r>
+            <a:r>
+              <a:rPr lang="ko-KR" altLang="en-US" sz="2400" dirty="0">
+                <a:solidFill>
+                  <a:schemeClr val="bg1"/>
+                </a:solidFill>
+              </a:rPr>
+              <a:t>자릿수 이기 때문에 모든 수를</a:t>
+            </a:r>
+            <a:endParaRPr lang="en-US" altLang="ko-KR" sz="2400" dirty="0">
+              <a:solidFill>
+                <a:schemeClr val="bg1"/>
+              </a:solidFill>
+            </a:endParaRPr>
+          </a:p>
+          <a:p>
+            <a:r>
+              <a:rPr lang="en-US" altLang="ko-KR" sz="2400" dirty="0">
+                <a:solidFill>
+                  <a:schemeClr val="bg1"/>
+                </a:solidFill>
+              </a:rPr>
+              <a:t>3</a:t>
+            </a:r>
+            <a:r>
+              <a:rPr lang="ko-KR" altLang="en-US" sz="2400" dirty="0">
+                <a:solidFill>
+                  <a:schemeClr val="bg1"/>
+                </a:solidFill>
+              </a:rPr>
+              <a:t>자리 수로 맞춥니다</a:t>
+            </a:r>
+            <a:r>
+              <a:rPr lang="en-US" altLang="ko-KR" sz="2400" dirty="0">
+                <a:solidFill>
+                  <a:schemeClr val="bg1"/>
+                </a:solidFill>
+              </a:rPr>
+              <a:t>. (D=3) *0</a:t>
+            </a:r>
+            <a:r>
+              <a:rPr lang="ko-KR" altLang="en-US" sz="2400" dirty="0">
+                <a:solidFill>
+                  <a:schemeClr val="bg1"/>
+                </a:solidFill>
+              </a:rPr>
+              <a:t>을 추가</a:t>
+            </a:r>
+          </a:p>
+        </p:txBody>
+      </p:sp>
+      <p:graphicFrame>
+        <p:nvGraphicFramePr>
+          <p:cNvPr id="10" name="표 2">
+            <a:extLst>
+              <a:ext uri="{FF2B5EF4-FFF2-40B4-BE49-F238E27FC236}">
+                <a16:creationId xmlns:a16="http://schemas.microsoft.com/office/drawing/2014/main" id="{072D0442-52BB-40FC-866F-1D6C4DE0BC0E}"/>
+              </a:ext>
+            </a:extLst>
+          </p:cNvPr>
+          <p:cNvGraphicFramePr>
+            <a:graphicFrameLocks noGrp="1"/>
+          </p:cNvGraphicFramePr>
+          <p:nvPr>
+            <p:extLst>
+              <p:ext uri="{D42A27DB-BD31-4B8C-83A1-F6EECF244321}">
+                <p14:modId xmlns:p14="http://schemas.microsoft.com/office/powerpoint/2010/main" val="974633022"/>
+              </p:ext>
+            </p:extLst>
+          </p:nvPr>
+        </p:nvGraphicFramePr>
+        <p:xfrm>
+          <a:off x="883635" y="4658452"/>
+          <a:ext cx="9005190" cy="370840"/>
+        </p:xfrm>
+        <a:graphic>
+          <a:graphicData uri="http://schemas.openxmlformats.org/drawingml/2006/table">
+            <a:tbl>
+              <a:tblPr firstRow="1" bandRow="1">
+                <a:tableStyleId>{5940675A-B579-460E-94D1-54222C63F5DA}</a:tableStyleId>
+              </a:tblPr>
+              <a:tblGrid>
+                <a:gridCol w="900519">
+                  <a:extLst>
+                    <a:ext uri="{9D8B030D-6E8A-4147-A177-3AD203B41FA5}">
+                      <a16:colId xmlns:a16="http://schemas.microsoft.com/office/drawing/2014/main" val="1111750069"/>
+                    </a:ext>
+                  </a:extLst>
+                </a:gridCol>
+                <a:gridCol w="900519">
+                  <a:extLst>
+                    <a:ext uri="{9D8B030D-6E8A-4147-A177-3AD203B41FA5}">
+                      <a16:colId xmlns:a16="http://schemas.microsoft.com/office/drawing/2014/main" val="4199686683"/>
+                    </a:ext>
+                  </a:extLst>
+                </a:gridCol>
+                <a:gridCol w="900519">
+                  <a:extLst>
+                    <a:ext uri="{9D8B030D-6E8A-4147-A177-3AD203B41FA5}">
+                      <a16:colId xmlns:a16="http://schemas.microsoft.com/office/drawing/2014/main" val="1792932146"/>
+                    </a:ext>
+                  </a:extLst>
+                </a:gridCol>
+                <a:gridCol w="900519">
+                  <a:extLst>
+                    <a:ext uri="{9D8B030D-6E8A-4147-A177-3AD203B41FA5}">
+                      <a16:colId xmlns:a16="http://schemas.microsoft.com/office/drawing/2014/main" val="3953650893"/>
+                    </a:ext>
+                  </a:extLst>
+                </a:gridCol>
+                <a:gridCol w="900519">
+                  <a:extLst>
+                    <a:ext uri="{9D8B030D-6E8A-4147-A177-3AD203B41FA5}">
+                      <a16:colId xmlns:a16="http://schemas.microsoft.com/office/drawing/2014/main" val="2940294936"/>
+                    </a:ext>
+                  </a:extLst>
+                </a:gridCol>
+                <a:gridCol w="900519">
+                  <a:extLst>
+                    <a:ext uri="{9D8B030D-6E8A-4147-A177-3AD203B41FA5}">
+                      <a16:colId xmlns:a16="http://schemas.microsoft.com/office/drawing/2014/main" val="800430656"/>
+                    </a:ext>
+                  </a:extLst>
+                </a:gridCol>
+                <a:gridCol w="900519">
+                  <a:extLst>
+                    <a:ext uri="{9D8B030D-6E8A-4147-A177-3AD203B41FA5}">
+                      <a16:colId xmlns:a16="http://schemas.microsoft.com/office/drawing/2014/main" val="2236811984"/>
+                    </a:ext>
+                  </a:extLst>
+                </a:gridCol>
+                <a:gridCol w="900519">
+                  <a:extLst>
+                    <a:ext uri="{9D8B030D-6E8A-4147-A177-3AD203B41FA5}">
+                      <a16:colId xmlns:a16="http://schemas.microsoft.com/office/drawing/2014/main" val="155834178"/>
+                    </a:ext>
+                  </a:extLst>
+                </a:gridCol>
+                <a:gridCol w="900519">
+                  <a:extLst>
+                    <a:ext uri="{9D8B030D-6E8A-4147-A177-3AD203B41FA5}">
+                      <a16:colId xmlns:a16="http://schemas.microsoft.com/office/drawing/2014/main" val="4066905350"/>
+                    </a:ext>
+                  </a:extLst>
+                </a:gridCol>
+                <a:gridCol w="900519">
+                  <a:extLst>
+                    <a:ext uri="{9D8B030D-6E8A-4147-A177-3AD203B41FA5}">
+                      <a16:colId xmlns:a16="http://schemas.microsoft.com/office/drawing/2014/main" val="3747683656"/>
+                    </a:ext>
+                  </a:extLst>
+                </a:gridCol>
+              </a:tblGrid>
+              <a:tr h="370840">
+                <a:tc>
+                  <a:txBody>
+                    <a:bodyPr/>
+                    <a:lstStyle/>
+                    <a:p>
+                      <a:pPr algn="ctr" latinLnBrk="1"/>
+                      <a:r>
+                        <a:rPr lang="en-US" altLang="ko-KR" dirty="0"/>
+                        <a:t>012</a:t>
+                      </a:r>
+                      <a:endParaRPr lang="ko-KR" altLang="en-US" dirty="0"/>
+                    </a:p>
+                  </a:txBody>
+                  <a:tcPr anchor="ctr">
+                    <a:solidFill>
+                      <a:schemeClr val="bg1"/>
+                    </a:solidFill>
+                  </a:tcPr>
+                </a:tc>
+                <a:tc>
+                  <a:txBody>
+                    <a:bodyPr/>
+                    <a:lstStyle/>
+                    <a:p>
+                      <a:pPr algn="ctr" latinLnBrk="1"/>
+                      <a:r>
+                        <a:rPr lang="en-US" altLang="ko-KR" dirty="0"/>
+                        <a:t>421</a:t>
+                      </a:r>
+                      <a:endParaRPr lang="ko-KR" altLang="en-US" dirty="0"/>
+                    </a:p>
+                  </a:txBody>
+                  <a:tcPr anchor="ctr">
+                    <a:solidFill>
+                      <a:schemeClr val="bg1"/>
+                    </a:solidFill>
+                  </a:tcPr>
+                </a:tc>
+                <a:tc>
+                  <a:txBody>
+                    <a:bodyPr/>
+                    <a:lstStyle/>
+                    <a:p>
+                      <a:pPr algn="ctr" latinLnBrk="1"/>
+                      <a:r>
+                        <a:rPr lang="en-US" altLang="ko-KR" dirty="0"/>
+                        <a:t>046</a:t>
+                      </a:r>
+                      <a:endParaRPr lang="ko-KR" altLang="en-US" dirty="0"/>
+                    </a:p>
+                  </a:txBody>
+                  <a:tcPr anchor="ctr">
+                    <a:solidFill>
+                      <a:schemeClr val="bg1"/>
+                    </a:solidFill>
+                  </a:tcPr>
+                </a:tc>
+                <a:tc>
+                  <a:txBody>
+                    <a:bodyPr/>
+                    <a:lstStyle/>
+                    <a:p>
+                      <a:pPr algn="ctr" latinLnBrk="1"/>
+                      <a:r>
+                        <a:rPr lang="en-US" altLang="ko-KR" dirty="0"/>
+                        <a:t>674</a:t>
+                      </a:r>
+                      <a:endParaRPr lang="ko-KR" altLang="en-US" dirty="0"/>
+                    </a:p>
+                  </a:txBody>
+                  <a:tcPr anchor="ctr">
+                    <a:solidFill>
+                      <a:schemeClr val="bg1"/>
+                    </a:solidFill>
+                  </a:tcPr>
+                </a:tc>
+                <a:tc>
+                  <a:txBody>
+                    <a:bodyPr/>
+                    <a:lstStyle/>
+                    <a:p>
+                      <a:pPr algn="ctr" latinLnBrk="1"/>
+                      <a:r>
+                        <a:rPr lang="en-US" altLang="ko-KR" dirty="0"/>
+                        <a:t>103</a:t>
+                      </a:r>
+                      <a:endParaRPr lang="ko-KR" altLang="en-US" dirty="0"/>
+                    </a:p>
+                  </a:txBody>
+                  <a:tcPr anchor="ctr">
+                    <a:solidFill>
+                      <a:schemeClr val="bg1"/>
+                    </a:solidFill>
+                  </a:tcPr>
+                </a:tc>
+                <a:tc>
+                  <a:txBody>
+                    <a:bodyPr/>
+                    <a:lstStyle/>
+                    <a:p>
+                      <a:pPr algn="ctr" latinLnBrk="1"/>
+                      <a:r>
+                        <a:rPr lang="en-US" altLang="ko-KR" dirty="0"/>
+                        <a:t>502</a:t>
+                      </a:r>
+                      <a:endParaRPr lang="ko-KR" altLang="en-US" dirty="0"/>
+                    </a:p>
+                  </a:txBody>
+                  <a:tcPr anchor="ctr">
+                    <a:solidFill>
+                      <a:schemeClr val="bg1"/>
+                    </a:solidFill>
+                  </a:tcPr>
+                </a:tc>
+                <a:tc>
+                  <a:txBody>
+                    <a:bodyPr/>
+                    <a:lstStyle/>
+                    <a:p>
+                      <a:pPr algn="ctr" latinLnBrk="1"/>
+                      <a:r>
+                        <a:rPr lang="en-US" altLang="ko-KR" dirty="0"/>
+                        <a:t>007</a:t>
+                      </a:r>
+                      <a:endParaRPr lang="ko-KR" altLang="en-US" dirty="0"/>
+                    </a:p>
+                  </a:txBody>
+                  <a:tcPr anchor="ctr">
+                    <a:solidFill>
+                      <a:schemeClr val="bg1"/>
+                    </a:solidFill>
+                  </a:tcPr>
+                </a:tc>
+                <a:tc>
+                  <a:txBody>
+                    <a:bodyPr/>
+                    <a:lstStyle/>
+                    <a:p>
+                      <a:pPr algn="ctr" latinLnBrk="1"/>
+                      <a:r>
+                        <a:rPr lang="en-US" altLang="ko-KR" dirty="0"/>
+                        <a:t>100</a:t>
+                      </a:r>
+                      <a:endParaRPr lang="ko-KR" altLang="en-US" dirty="0"/>
+                    </a:p>
+                  </a:txBody>
+                  <a:tcPr anchor="ctr">
+                    <a:solidFill>
+                      <a:schemeClr val="bg1"/>
+                    </a:solidFill>
+                  </a:tcPr>
+                </a:tc>
+                <a:tc>
+                  <a:txBody>
+                    <a:bodyPr/>
+                    <a:lstStyle/>
+                    <a:p>
+                      <a:pPr algn="ctr" latinLnBrk="1"/>
+                      <a:r>
+                        <a:rPr lang="en-US" altLang="ko-KR" dirty="0"/>
+                        <a:t>021</a:t>
+                      </a:r>
+                      <a:endParaRPr lang="ko-KR" altLang="en-US" dirty="0"/>
+                    </a:p>
+                  </a:txBody>
+                  <a:tcPr anchor="ctr">
+                    <a:solidFill>
+                      <a:schemeClr val="bg1"/>
+                    </a:solidFill>
+                  </a:tcPr>
+                </a:tc>
+                <a:tc>
+                  <a:txBody>
+                    <a:bodyPr/>
+                    <a:lstStyle/>
+                    <a:p>
+                      <a:pPr algn="ctr" latinLnBrk="1"/>
+                      <a:r>
+                        <a:rPr lang="en-US" altLang="ko-KR" dirty="0"/>
+                        <a:t>545</a:t>
+                      </a:r>
+                      <a:endParaRPr lang="ko-KR" altLang="en-US" dirty="0"/>
+                    </a:p>
+                  </a:txBody>
+                  <a:tcPr anchor="ctr">
+                    <a:solidFill>
+                      <a:schemeClr val="bg1"/>
+                    </a:solidFill>
+                  </a:tcPr>
+                </a:tc>
+                <a:extLst>
+                  <a:ext uri="{0D108BD9-81ED-4DB2-BD59-A6C34878D82A}">
+                    <a16:rowId xmlns:a16="http://schemas.microsoft.com/office/drawing/2014/main" val="758684597"/>
+                  </a:ext>
+                </a:extLst>
+              </a:tr>
+            </a:tbl>
+          </a:graphicData>
+        </a:graphic>
+      </p:graphicFrame>
+      <p:sp>
+        <p:nvSpPr>
+          <p:cNvPr id="3" name="화살표: 아래쪽 2">
+            <a:extLst>
+              <a:ext uri="{FF2B5EF4-FFF2-40B4-BE49-F238E27FC236}">
+                <a16:creationId xmlns:a16="http://schemas.microsoft.com/office/drawing/2014/main" id="{29DB293D-1BAA-4155-BF2A-8E8D6B36B7EB}"/>
+              </a:ext>
+            </a:extLst>
+          </p:cNvPr>
+          <p:cNvSpPr/>
+          <p:nvPr/>
+        </p:nvSpPr>
+        <p:spPr>
+          <a:xfrm>
+            <a:off x="1867437" y="3201862"/>
+            <a:ext cx="862884" cy="1200329"/>
+          </a:xfrm>
+          <a:prstGeom prst="downArrow">
+            <a:avLst/>
+          </a:prstGeom>
+          <a:solidFill>
+            <a:schemeClr val="accent2"/>
+          </a:solidFill>
+        </p:spPr>
+        <p:style>
+          <a:lnRef idx="2">
+            <a:schemeClr val="accent1">
+              <a:shade val="50000"/>
+            </a:schemeClr>
+          </a:lnRef>
+          <a:fillRef idx="1">
+            <a:schemeClr val="accent1"/>
+          </a:fillRef>
+          <a:effectRef idx="0">
+            <a:schemeClr val="accent1"/>
+          </a:effectRef>
+          <a:fontRef idx="minor">
+            <a:schemeClr val="lt1"/>
+          </a:fontRef>
+        </p:style>
+        <p:txBody>
+          <a:bodyPr rtlCol="0" anchor="ctr"/>
+          <a:lstStyle/>
+          <a:p>
+            <a:pPr algn="ctr"/>
+            <a:endParaRPr lang="ko-KR" altLang="en-US" b="1">
+              <a:ln w="22225">
+                <a:solidFill>
+                  <a:schemeClr val="accent2"/>
+                </a:solidFill>
+                <a:prstDash val="solid"/>
+              </a:ln>
+              <a:solidFill>
+                <a:schemeClr val="accent2">
+                  <a:lumMod val="40000"/>
+                  <a:lumOff val="60000"/>
+                </a:schemeClr>
+              </a:solidFill>
+            </a:endParaRPr>
+          </a:p>
+        </p:txBody>
+      </p:sp>
+    </p:spTree>
+    <p:extLst>
+      <p:ext uri="{BB962C8B-B14F-4D97-AF65-F5344CB8AC3E}">
+        <p14:creationId xmlns:p14="http://schemas.microsoft.com/office/powerpoint/2010/main" val="2802546020"/>
+      </p:ext>
+    </p:extLst>
+  </p:cSld>
+  <p:clrMapOvr>
+    <a:masterClrMapping/>
+  </p:clrMapOvr>
+</p:sld>
+</file>
+
+<file path=ppt/slides/slide5.xml><?xml version="1.0" encoding="utf-8"?>
+<p:sld xmlns:a="http://schemas.openxmlformats.org/drawingml/2006/main" xmlns:r="http://schemas.openxmlformats.org/officeDocument/2006/relationships" xmlns:p="http://schemas.openxmlformats.org/presentationml/2006/main">
+  <p:cSld>
+    <p:bg>
+      <p:bgPr>
+        <a:solidFill>
+          <a:schemeClr val="tx2">
+            <a:lumMod val="50000"/>
+          </a:schemeClr>
+        </a:solidFill>
+        <a:effectLst/>
+      </p:bgPr>
+    </p:bg>
+    <p:spTree>
+      <p:nvGrpSpPr>
+        <p:cNvPr id="1" name=""/>
+        <p:cNvGrpSpPr/>
+        <p:nvPr/>
+      </p:nvGrpSpPr>
+      <p:grpSpPr>
+        <a:xfrm>
+          <a:off x="0" y="0"/>
+          <a:ext cx="0" cy="0"/>
+          <a:chOff x="0" y="0"/>
+          <a:chExt cx="0" cy="0"/>
+        </a:xfrm>
+      </p:grpSpPr>
+      <p:sp>
+        <p:nvSpPr>
+          <p:cNvPr id="8" name="TextBox 7">
+            <a:extLst>
+              <a:ext uri="{FF2B5EF4-FFF2-40B4-BE49-F238E27FC236}">
+                <a16:creationId xmlns:a16="http://schemas.microsoft.com/office/drawing/2014/main" id="{29502E64-88A9-4A04-B5C1-06896AD6C5C8}"/>
+              </a:ext>
+            </a:extLst>
+          </p:cNvPr>
+          <p:cNvSpPr txBox="1"/>
+          <p:nvPr/>
+        </p:nvSpPr>
+        <p:spPr>
+          <a:xfrm>
+            <a:off x="3271569" y="1261439"/>
+            <a:ext cx="10816392" cy="1569660"/>
+          </a:xfrm>
+          <a:prstGeom prst="rect">
+            <a:avLst/>
+          </a:prstGeom>
+          <a:noFill/>
+        </p:spPr>
+        <p:txBody>
+          <a:bodyPr wrap="square" rtlCol="0">
+            <a:spAutoFit/>
+          </a:bodyPr>
+          <a:lstStyle/>
+          <a:p>
+            <a:r>
+              <a:rPr lang="ko-KR" altLang="en-US" sz="2400" dirty="0">
+                <a:solidFill>
+                  <a:schemeClr val="bg1"/>
+                </a:solidFill>
+              </a:rPr>
+              <a:t>각 수의 </a:t>
+            </a:r>
+            <a:r>
+              <a:rPr lang="en-US" altLang="ko-KR" sz="2400" dirty="0">
+                <a:solidFill>
+                  <a:schemeClr val="bg1"/>
+                </a:solidFill>
+              </a:rPr>
+              <a:t>1</a:t>
+            </a:r>
+            <a:r>
+              <a:rPr lang="ko-KR" altLang="en-US" sz="2400" dirty="0">
+                <a:solidFill>
+                  <a:schemeClr val="bg1"/>
+                </a:solidFill>
+              </a:rPr>
+              <a:t>의 자릿수를 배열에 </a:t>
+            </a:r>
+            <a:r>
+              <a:rPr lang="en-US" altLang="ko-KR" sz="2400" dirty="0">
+                <a:solidFill>
+                  <a:schemeClr val="bg1"/>
+                </a:solidFill>
+              </a:rPr>
+              <a:t>INDEX</a:t>
+            </a:r>
+            <a:r>
+              <a:rPr lang="ko-KR" altLang="en-US" sz="2400" dirty="0">
+                <a:solidFill>
+                  <a:schemeClr val="bg1"/>
+                </a:solidFill>
+              </a:rPr>
+              <a:t>와 맞춰서 입력합니다</a:t>
+            </a:r>
+            <a:r>
+              <a:rPr lang="en-US" altLang="ko-KR" sz="2400" dirty="0">
+                <a:solidFill>
+                  <a:schemeClr val="bg1"/>
+                </a:solidFill>
+              </a:rPr>
+              <a:t>.</a:t>
+            </a:r>
+          </a:p>
+          <a:p>
+            <a:r>
+              <a:rPr lang="ko-KR" altLang="en-US" sz="2400" dirty="0">
+                <a:solidFill>
+                  <a:schemeClr val="bg1"/>
+                </a:solidFill>
+              </a:rPr>
+              <a:t>여기서 제일 큰 자릿수가 아니라 </a:t>
+            </a:r>
+            <a:r>
+              <a:rPr lang="en-US" altLang="ko-KR" sz="2400" dirty="0">
+                <a:solidFill>
+                  <a:schemeClr val="bg1"/>
+                </a:solidFill>
+              </a:rPr>
+              <a:t>1</a:t>
+            </a:r>
+            <a:r>
+              <a:rPr lang="ko-KR" altLang="en-US" sz="2400" dirty="0">
+                <a:solidFill>
+                  <a:schemeClr val="bg1"/>
+                </a:solidFill>
+              </a:rPr>
+              <a:t>의 자릿수를 입력하는</a:t>
+            </a:r>
+            <a:endParaRPr lang="en-US" altLang="ko-KR" sz="2400" dirty="0">
+              <a:solidFill>
+                <a:schemeClr val="bg1"/>
+              </a:solidFill>
+            </a:endParaRPr>
+          </a:p>
+          <a:p>
+            <a:r>
+              <a:rPr lang="ko-KR" altLang="en-US" sz="2400" dirty="0">
+                <a:solidFill>
+                  <a:schemeClr val="bg1"/>
+                </a:solidFill>
+              </a:rPr>
+              <a:t>이유는 추후에 설명하겠습니다</a:t>
+            </a:r>
+            <a:r>
+              <a:rPr lang="en-US" altLang="ko-KR" sz="2400" dirty="0">
+                <a:solidFill>
+                  <a:schemeClr val="bg1"/>
+                </a:solidFill>
+              </a:rPr>
+              <a:t>.</a:t>
+            </a:r>
+          </a:p>
+          <a:p>
+            <a:r>
+              <a:rPr lang="ko-KR" altLang="en-US" sz="2400" dirty="0">
+                <a:solidFill>
+                  <a:schemeClr val="bg1"/>
+                </a:solidFill>
+              </a:rPr>
+              <a:t>배열은 </a:t>
+            </a:r>
+            <a:r>
+              <a:rPr lang="en-US" altLang="ko-KR" sz="2400" dirty="0">
+                <a:solidFill>
+                  <a:schemeClr val="bg1"/>
+                </a:solidFill>
+              </a:rPr>
+              <a:t>2 * N</a:t>
+            </a:r>
+            <a:r>
+              <a:rPr lang="ko-KR" altLang="en-US" sz="2400" dirty="0">
+                <a:solidFill>
+                  <a:schemeClr val="bg1"/>
+                </a:solidFill>
+              </a:rPr>
+              <a:t>의 </a:t>
+            </a:r>
+            <a:r>
+              <a:rPr lang="en-US" altLang="ko-KR" sz="2400" dirty="0">
+                <a:solidFill>
+                  <a:schemeClr val="bg1"/>
+                </a:solidFill>
+              </a:rPr>
+              <a:t>2</a:t>
+            </a:r>
+            <a:r>
+              <a:rPr lang="ko-KR" altLang="en-US" sz="2400" dirty="0">
+                <a:solidFill>
+                  <a:schemeClr val="bg1"/>
+                </a:solidFill>
+              </a:rPr>
+              <a:t>차원 배열로 생성을 합니다</a:t>
+            </a:r>
+            <a:r>
+              <a:rPr lang="en-US" altLang="ko-KR" sz="2400" dirty="0">
+                <a:solidFill>
+                  <a:schemeClr val="bg1"/>
+                </a:solidFill>
+              </a:rPr>
+              <a:t>.</a:t>
+            </a:r>
+            <a:endParaRPr lang="ko-KR" altLang="en-US" sz="2400" dirty="0">
+              <a:solidFill>
+                <a:schemeClr val="bg1"/>
+              </a:solidFill>
+            </a:endParaRPr>
+          </a:p>
+        </p:txBody>
+      </p:sp>
+      <p:sp>
+        <p:nvSpPr>
+          <p:cNvPr id="3" name="화살표: 아래쪽 2">
+            <a:extLst>
+              <a:ext uri="{FF2B5EF4-FFF2-40B4-BE49-F238E27FC236}">
+                <a16:creationId xmlns:a16="http://schemas.microsoft.com/office/drawing/2014/main" id="{29DB293D-1BAA-4155-BF2A-8E8D6B36B7EB}"/>
+              </a:ext>
+            </a:extLst>
+          </p:cNvPr>
+          <p:cNvSpPr/>
+          <p:nvPr/>
+        </p:nvSpPr>
+        <p:spPr>
+          <a:xfrm>
+            <a:off x="1867437" y="1321545"/>
+            <a:ext cx="862884" cy="1509554"/>
+          </a:xfrm>
+          <a:prstGeom prst="downArrow">
+            <a:avLst/>
+          </a:prstGeom>
+          <a:solidFill>
+            <a:schemeClr val="accent2"/>
+          </a:solidFill>
+        </p:spPr>
+        <p:style>
+          <a:lnRef idx="2">
+            <a:schemeClr val="accent1">
+              <a:shade val="50000"/>
+            </a:schemeClr>
+          </a:lnRef>
+          <a:fillRef idx="1">
+            <a:schemeClr val="accent1"/>
+          </a:fillRef>
+          <a:effectRef idx="0">
+            <a:schemeClr val="accent1"/>
+          </a:effectRef>
+          <a:fontRef idx="minor">
+            <a:schemeClr val="lt1"/>
+          </a:fontRef>
+        </p:style>
+        <p:txBody>
+          <a:bodyPr rtlCol="0" anchor="ctr"/>
+          <a:lstStyle/>
+          <a:p>
+            <a:pPr algn="ctr"/>
+            <a:endParaRPr lang="ko-KR" altLang="en-US" b="1">
+              <a:ln w="22225">
+                <a:solidFill>
+                  <a:schemeClr val="accent2"/>
+                </a:solidFill>
+                <a:prstDash val="solid"/>
+              </a:ln>
+              <a:solidFill>
+                <a:schemeClr val="accent2">
+                  <a:lumMod val="40000"/>
+                  <a:lumOff val="60000"/>
+                </a:schemeClr>
+              </a:solidFill>
+            </a:endParaRPr>
+          </a:p>
+        </p:txBody>
+      </p:sp>
+      <p:graphicFrame>
+        <p:nvGraphicFramePr>
+          <p:cNvPr id="9" name="표 2">
+            <a:extLst>
+              <a:ext uri="{FF2B5EF4-FFF2-40B4-BE49-F238E27FC236}">
+                <a16:creationId xmlns:a16="http://schemas.microsoft.com/office/drawing/2014/main" id="{7D2331B2-3129-401D-8AE7-072CBE877B4A}"/>
+              </a:ext>
+            </a:extLst>
+          </p:cNvPr>
+          <p:cNvGraphicFramePr>
+            <a:graphicFrameLocks noGrp="1"/>
+          </p:cNvGraphicFramePr>
+          <p:nvPr>
+            <p:extLst>
+              <p:ext uri="{D42A27DB-BD31-4B8C-83A1-F6EECF244321}">
+                <p14:modId xmlns:p14="http://schemas.microsoft.com/office/powerpoint/2010/main" val="3505942861"/>
+              </p:ext>
+            </p:extLst>
+          </p:nvPr>
+        </p:nvGraphicFramePr>
+        <p:xfrm>
+          <a:off x="883635" y="704635"/>
+          <a:ext cx="9005190" cy="370840"/>
+        </p:xfrm>
+        <a:graphic>
+          <a:graphicData uri="http://schemas.openxmlformats.org/drawingml/2006/table">
+            <a:tbl>
+              <a:tblPr firstRow="1" bandRow="1">
+                <a:tableStyleId>{5940675A-B579-460E-94D1-54222C63F5DA}</a:tableStyleId>
+              </a:tblPr>
+              <a:tblGrid>
+                <a:gridCol w="900519">
+                  <a:extLst>
+                    <a:ext uri="{9D8B030D-6E8A-4147-A177-3AD203B41FA5}">
+                      <a16:colId xmlns:a16="http://schemas.microsoft.com/office/drawing/2014/main" val="1111750069"/>
+                    </a:ext>
+                  </a:extLst>
+                </a:gridCol>
+                <a:gridCol w="900519">
+                  <a:extLst>
+                    <a:ext uri="{9D8B030D-6E8A-4147-A177-3AD203B41FA5}">
+                      <a16:colId xmlns:a16="http://schemas.microsoft.com/office/drawing/2014/main" val="4199686683"/>
+                    </a:ext>
+                  </a:extLst>
+                </a:gridCol>
+                <a:gridCol w="900519">
+                  <a:extLst>
+                    <a:ext uri="{9D8B030D-6E8A-4147-A177-3AD203B41FA5}">
+                      <a16:colId xmlns:a16="http://schemas.microsoft.com/office/drawing/2014/main" val="1792932146"/>
+                    </a:ext>
+                  </a:extLst>
+                </a:gridCol>
+                <a:gridCol w="900519">
+                  <a:extLst>
+                    <a:ext uri="{9D8B030D-6E8A-4147-A177-3AD203B41FA5}">
+                      <a16:colId xmlns:a16="http://schemas.microsoft.com/office/drawing/2014/main" val="3953650893"/>
+                    </a:ext>
+                  </a:extLst>
+                </a:gridCol>
+                <a:gridCol w="900519">
+                  <a:extLst>
+                    <a:ext uri="{9D8B030D-6E8A-4147-A177-3AD203B41FA5}">
+                      <a16:colId xmlns:a16="http://schemas.microsoft.com/office/drawing/2014/main" val="2940294936"/>
+                    </a:ext>
+                  </a:extLst>
+                </a:gridCol>
+                <a:gridCol w="900519">
+                  <a:extLst>
+                    <a:ext uri="{9D8B030D-6E8A-4147-A177-3AD203B41FA5}">
+                      <a16:colId xmlns:a16="http://schemas.microsoft.com/office/drawing/2014/main" val="800430656"/>
+                    </a:ext>
+                  </a:extLst>
+                </a:gridCol>
+                <a:gridCol w="900519">
+                  <a:extLst>
+                    <a:ext uri="{9D8B030D-6E8A-4147-A177-3AD203B41FA5}">
+                      <a16:colId xmlns:a16="http://schemas.microsoft.com/office/drawing/2014/main" val="2236811984"/>
+                    </a:ext>
+                  </a:extLst>
+                </a:gridCol>
+                <a:gridCol w="900519">
+                  <a:extLst>
+                    <a:ext uri="{9D8B030D-6E8A-4147-A177-3AD203B41FA5}">
+                      <a16:colId xmlns:a16="http://schemas.microsoft.com/office/drawing/2014/main" val="155834178"/>
+                    </a:ext>
+                  </a:extLst>
+                </a:gridCol>
+                <a:gridCol w="900519">
+                  <a:extLst>
+                    <a:ext uri="{9D8B030D-6E8A-4147-A177-3AD203B41FA5}">
+                      <a16:colId xmlns:a16="http://schemas.microsoft.com/office/drawing/2014/main" val="4066905350"/>
+                    </a:ext>
+                  </a:extLst>
+                </a:gridCol>
+                <a:gridCol w="900519">
+                  <a:extLst>
+                    <a:ext uri="{9D8B030D-6E8A-4147-A177-3AD203B41FA5}">
+                      <a16:colId xmlns:a16="http://schemas.microsoft.com/office/drawing/2014/main" val="3747683656"/>
+                    </a:ext>
+                  </a:extLst>
+                </a:gridCol>
+              </a:tblGrid>
+              <a:tr h="370840">
+                <a:tc>
+                  <a:txBody>
+                    <a:bodyPr/>
+                    <a:lstStyle/>
+                    <a:p>
+                      <a:pPr algn="ctr" latinLnBrk="1"/>
+                      <a:r>
+                        <a:rPr lang="en-US" altLang="ko-KR" dirty="0"/>
+                        <a:t>012</a:t>
+                      </a:r>
+                      <a:endParaRPr lang="ko-KR" altLang="en-US" dirty="0"/>
+                    </a:p>
+                  </a:txBody>
+                  <a:tcPr anchor="ctr">
+                    <a:solidFill>
+                      <a:schemeClr val="bg1"/>
+                    </a:solidFill>
+                  </a:tcPr>
+                </a:tc>
+                <a:tc>
+                  <a:txBody>
+                    <a:bodyPr/>
+                    <a:lstStyle/>
+                    <a:p>
+                      <a:pPr algn="ctr" latinLnBrk="1"/>
+                      <a:r>
+                        <a:rPr lang="en-US" altLang="ko-KR" dirty="0"/>
+                        <a:t>421</a:t>
+                      </a:r>
+                      <a:endParaRPr lang="ko-KR" altLang="en-US" dirty="0"/>
+                    </a:p>
+                  </a:txBody>
+                  <a:tcPr anchor="ctr">
+                    <a:solidFill>
+                      <a:schemeClr val="bg1"/>
+                    </a:solidFill>
+                  </a:tcPr>
+                </a:tc>
+                <a:tc>
+                  <a:txBody>
+                    <a:bodyPr/>
+                    <a:lstStyle/>
+                    <a:p>
+                      <a:pPr algn="ctr" latinLnBrk="1"/>
+                      <a:r>
+                        <a:rPr lang="en-US" altLang="ko-KR" dirty="0"/>
+                        <a:t>046</a:t>
+                      </a:r>
+                      <a:endParaRPr lang="ko-KR" altLang="en-US" dirty="0"/>
+                    </a:p>
+                  </a:txBody>
+                  <a:tcPr anchor="ctr">
+                    <a:solidFill>
+                      <a:schemeClr val="bg1"/>
+                    </a:solidFill>
+                  </a:tcPr>
+                </a:tc>
+                <a:tc>
+                  <a:txBody>
+                    <a:bodyPr/>
+                    <a:lstStyle/>
+                    <a:p>
+                      <a:pPr algn="ctr" latinLnBrk="1"/>
+                      <a:r>
+                        <a:rPr lang="en-US" altLang="ko-KR" dirty="0"/>
+                        <a:t>674</a:t>
+                      </a:r>
+                      <a:endParaRPr lang="ko-KR" altLang="en-US" dirty="0"/>
+                    </a:p>
+                  </a:txBody>
+                  <a:tcPr anchor="ctr">
+                    <a:solidFill>
+                      <a:schemeClr val="bg1"/>
+                    </a:solidFill>
+                  </a:tcPr>
+                </a:tc>
+                <a:tc>
+                  <a:txBody>
+                    <a:bodyPr/>
+                    <a:lstStyle/>
+                    <a:p>
+                      <a:pPr algn="ctr" latinLnBrk="1"/>
+                      <a:r>
+                        <a:rPr lang="en-US" altLang="ko-KR" dirty="0"/>
+                        <a:t>103</a:t>
+                      </a:r>
+                      <a:endParaRPr lang="ko-KR" altLang="en-US" dirty="0"/>
+                    </a:p>
+                  </a:txBody>
+                  <a:tcPr anchor="ctr">
+                    <a:solidFill>
+                      <a:schemeClr val="bg1"/>
+                    </a:solidFill>
+                  </a:tcPr>
+                </a:tc>
+                <a:tc>
+                  <a:txBody>
+                    <a:bodyPr/>
+                    <a:lstStyle/>
+                    <a:p>
+                      <a:pPr algn="ctr" latinLnBrk="1"/>
+                      <a:r>
+                        <a:rPr lang="en-US" altLang="ko-KR" dirty="0"/>
+                        <a:t>502</a:t>
+                      </a:r>
+                      <a:endParaRPr lang="ko-KR" altLang="en-US" dirty="0"/>
+                    </a:p>
+                  </a:txBody>
+                  <a:tcPr anchor="ctr">
+                    <a:solidFill>
+                      <a:schemeClr val="bg1"/>
+                    </a:solidFill>
+                  </a:tcPr>
+                </a:tc>
+                <a:tc>
+                  <a:txBody>
+                    <a:bodyPr/>
+                    <a:lstStyle/>
+                    <a:p>
+                      <a:pPr algn="ctr" latinLnBrk="1"/>
+                      <a:r>
+                        <a:rPr lang="en-US" altLang="ko-KR" dirty="0"/>
+                        <a:t>007</a:t>
+                      </a:r>
+                      <a:endParaRPr lang="ko-KR" altLang="en-US" dirty="0"/>
+                    </a:p>
+                  </a:txBody>
+                  <a:tcPr anchor="ctr">
+                    <a:solidFill>
+                      <a:schemeClr val="bg1"/>
+                    </a:solidFill>
+                  </a:tcPr>
+                </a:tc>
+                <a:tc>
+                  <a:txBody>
+                    <a:bodyPr/>
+                    <a:lstStyle/>
+                    <a:p>
+                      <a:pPr algn="ctr" latinLnBrk="1"/>
+                      <a:r>
+                        <a:rPr lang="en-US" altLang="ko-KR" dirty="0"/>
+                        <a:t>100</a:t>
+                      </a:r>
+                      <a:endParaRPr lang="ko-KR" altLang="en-US" dirty="0"/>
+                    </a:p>
+                  </a:txBody>
+                  <a:tcPr anchor="ctr">
+                    <a:solidFill>
+                      <a:schemeClr val="bg1"/>
+                    </a:solidFill>
+                  </a:tcPr>
+                </a:tc>
+                <a:tc>
+                  <a:txBody>
+                    <a:bodyPr/>
+                    <a:lstStyle/>
+                    <a:p>
+                      <a:pPr algn="ctr" latinLnBrk="1"/>
+                      <a:r>
+                        <a:rPr lang="en-US" altLang="ko-KR" dirty="0"/>
+                        <a:t>021</a:t>
+                      </a:r>
+                      <a:endParaRPr lang="ko-KR" altLang="en-US" dirty="0"/>
+                    </a:p>
+                  </a:txBody>
+                  <a:tcPr anchor="ctr">
+                    <a:solidFill>
+                      <a:schemeClr val="bg1"/>
+                    </a:solidFill>
+                  </a:tcPr>
+                </a:tc>
+                <a:tc>
+                  <a:txBody>
+                    <a:bodyPr/>
+                    <a:lstStyle/>
+                    <a:p>
+                      <a:pPr algn="ctr" latinLnBrk="1"/>
+                      <a:r>
+                        <a:rPr lang="en-US" altLang="ko-KR" dirty="0"/>
+                        <a:t>545</a:t>
+                      </a:r>
+                      <a:endParaRPr lang="ko-KR" altLang="en-US" dirty="0"/>
+                    </a:p>
+                  </a:txBody>
+                  <a:tcPr anchor="ctr">
+                    <a:solidFill>
+                      <a:schemeClr val="bg1"/>
+                    </a:solidFill>
+                  </a:tcPr>
+                </a:tc>
+                <a:extLst>
+                  <a:ext uri="{0D108BD9-81ED-4DB2-BD59-A6C34878D82A}">
+                    <a16:rowId xmlns:a16="http://schemas.microsoft.com/office/drawing/2014/main" val="758684597"/>
+                  </a:ext>
+                </a:extLst>
+              </a:tr>
+            </a:tbl>
+          </a:graphicData>
+        </a:graphic>
+      </p:graphicFrame>
+      <p:graphicFrame>
+        <p:nvGraphicFramePr>
+          <p:cNvPr id="5" name="표 10">
+            <a:extLst>
+              <a:ext uri="{FF2B5EF4-FFF2-40B4-BE49-F238E27FC236}">
+                <a16:creationId xmlns:a16="http://schemas.microsoft.com/office/drawing/2014/main" id="{4BD79811-D47D-4242-9392-FE0949834F75}"/>
+              </a:ext>
+            </a:extLst>
+          </p:cNvPr>
+          <p:cNvGraphicFramePr>
+            <a:graphicFrameLocks noGrp="1"/>
+          </p:cNvGraphicFramePr>
+          <p:nvPr>
+            <p:extLst>
+              <p:ext uri="{D42A27DB-BD31-4B8C-83A1-F6EECF244321}">
+                <p14:modId xmlns:p14="http://schemas.microsoft.com/office/powerpoint/2010/main" val="3087369240"/>
+              </p:ext>
+            </p:extLst>
+          </p:nvPr>
+        </p:nvGraphicFramePr>
+        <p:xfrm>
+          <a:off x="795631" y="3024985"/>
+          <a:ext cx="2102115" cy="3708400"/>
+        </p:xfrm>
+        <a:graphic>
+          <a:graphicData uri="http://schemas.openxmlformats.org/drawingml/2006/table">
+            <a:tbl>
+              <a:tblPr firstRow="1" bandRow="1">
+                <a:tableStyleId>{5940675A-B579-460E-94D1-54222C63F5DA}</a:tableStyleId>
+              </a:tblPr>
+              <a:tblGrid>
+                <a:gridCol w="530893">
+                  <a:extLst>
+                    <a:ext uri="{9D8B030D-6E8A-4147-A177-3AD203B41FA5}">
+                      <a16:colId xmlns:a16="http://schemas.microsoft.com/office/drawing/2014/main" val="3846829557"/>
+                    </a:ext>
+                  </a:extLst>
+                </a:gridCol>
+                <a:gridCol w="1571222">
+                  <a:extLst>
+                    <a:ext uri="{9D8B030D-6E8A-4147-A177-3AD203B41FA5}">
+                      <a16:colId xmlns:a16="http://schemas.microsoft.com/office/drawing/2014/main" val="3056547237"/>
+                    </a:ext>
+                  </a:extLst>
+                </a:gridCol>
+              </a:tblGrid>
+              <a:tr h="370840">
+                <a:tc>
+                  <a:txBody>
+                    <a:bodyPr/>
+                    <a:lstStyle/>
+                    <a:p>
+                      <a:pPr algn="ctr" latinLnBrk="1"/>
+                      <a:r>
+                        <a:rPr lang="en-US" altLang="ko-KR" dirty="0"/>
+                        <a:t>0</a:t>
+                      </a:r>
+                      <a:endParaRPr lang="ko-KR" altLang="en-US" dirty="0"/>
+                    </a:p>
+                  </a:txBody>
+                  <a:tcPr>
+                    <a:solidFill>
+                      <a:schemeClr val="bg1"/>
+                    </a:solidFill>
+                  </a:tcPr>
+                </a:tc>
+                <a:tc>
+                  <a:txBody>
+                    <a:bodyPr/>
+                    <a:lstStyle/>
+                    <a:p>
+                      <a:pPr algn="l" latinLnBrk="1"/>
+                      <a:r>
+                        <a:rPr lang="en-US" altLang="ko-KR" dirty="0"/>
+                        <a:t>100</a:t>
+                      </a:r>
+                      <a:endParaRPr lang="ko-KR" altLang="en-US" dirty="0"/>
+                    </a:p>
+                  </a:txBody>
+                  <a:tcPr>
+                    <a:solidFill>
+                      <a:schemeClr val="bg1"/>
+                    </a:solidFill>
+                  </a:tcPr>
+                </a:tc>
+                <a:extLst>
+                  <a:ext uri="{0D108BD9-81ED-4DB2-BD59-A6C34878D82A}">
+                    <a16:rowId xmlns:a16="http://schemas.microsoft.com/office/drawing/2014/main" val="3770909203"/>
+                  </a:ext>
+                </a:extLst>
+              </a:tr>
+              <a:tr h="370840">
+                <a:tc>
+                  <a:txBody>
+                    <a:bodyPr/>
+                    <a:lstStyle/>
+                    <a:p>
+                      <a:pPr algn="ctr" latinLnBrk="1"/>
+                      <a:r>
+                        <a:rPr lang="en-US" altLang="ko-KR" dirty="0"/>
+                        <a:t>1</a:t>
+                      </a:r>
+                      <a:endParaRPr lang="ko-KR" altLang="en-US" dirty="0"/>
+                    </a:p>
+                  </a:txBody>
+                  <a:tcPr>
+                    <a:solidFill>
+                      <a:schemeClr val="bg1"/>
+                    </a:solidFill>
+                  </a:tcPr>
+                </a:tc>
+                <a:tc>
+                  <a:txBody>
+                    <a:bodyPr/>
+                    <a:lstStyle/>
+                    <a:p>
+                      <a:pPr algn="l" latinLnBrk="1"/>
+                      <a:r>
+                        <a:rPr lang="en-US" altLang="ko-KR" dirty="0"/>
+                        <a:t>421, 021</a:t>
+                      </a:r>
+                      <a:endParaRPr lang="ko-KR" altLang="en-US" dirty="0"/>
+                    </a:p>
+                  </a:txBody>
+                  <a:tcPr>
+                    <a:solidFill>
+                      <a:schemeClr val="bg1"/>
+                    </a:solidFill>
+                  </a:tcPr>
+                </a:tc>
+                <a:extLst>
+                  <a:ext uri="{0D108BD9-81ED-4DB2-BD59-A6C34878D82A}">
+                    <a16:rowId xmlns:a16="http://schemas.microsoft.com/office/drawing/2014/main" val="3050660282"/>
+                  </a:ext>
+                </a:extLst>
+              </a:tr>
+              <a:tr h="370840">
+                <a:tc>
+                  <a:txBody>
+                    <a:bodyPr/>
+                    <a:lstStyle/>
+                    <a:p>
+                      <a:pPr algn="ctr" latinLnBrk="1"/>
+                      <a:r>
+                        <a:rPr lang="en-US" altLang="ko-KR" dirty="0"/>
+                        <a:t>2</a:t>
+                      </a:r>
+                      <a:endParaRPr lang="ko-KR" altLang="en-US" dirty="0"/>
+                    </a:p>
+                  </a:txBody>
+                  <a:tcPr>
+                    <a:solidFill>
+                      <a:schemeClr val="bg1"/>
+                    </a:solidFill>
+                  </a:tcPr>
+                </a:tc>
+                <a:tc>
+                  <a:txBody>
+                    <a:bodyPr/>
+                    <a:lstStyle/>
+                    <a:p>
+                      <a:pPr algn="l" latinLnBrk="1"/>
+                      <a:r>
+                        <a:rPr lang="en-US" altLang="ko-KR" dirty="0"/>
+                        <a:t>012, 502</a:t>
+                      </a:r>
+                      <a:endParaRPr lang="ko-KR" altLang="en-US" dirty="0"/>
+                    </a:p>
+                  </a:txBody>
+                  <a:tcPr>
+                    <a:solidFill>
+                      <a:schemeClr val="bg1"/>
+                    </a:solidFill>
+                  </a:tcPr>
+                </a:tc>
+                <a:extLst>
+                  <a:ext uri="{0D108BD9-81ED-4DB2-BD59-A6C34878D82A}">
+                    <a16:rowId xmlns:a16="http://schemas.microsoft.com/office/drawing/2014/main" val="1099388776"/>
+                  </a:ext>
+                </a:extLst>
+              </a:tr>
+              <a:tr h="370840">
+                <a:tc>
+                  <a:txBody>
+                    <a:bodyPr/>
+                    <a:lstStyle/>
+                    <a:p>
+                      <a:pPr algn="ctr" latinLnBrk="1"/>
+                      <a:r>
+                        <a:rPr lang="en-US" altLang="ko-KR" dirty="0"/>
+                        <a:t>3</a:t>
+                      </a:r>
+                      <a:endParaRPr lang="ko-KR" altLang="en-US" dirty="0"/>
+                    </a:p>
+                  </a:txBody>
+                  <a:tcPr>
+                    <a:solidFill>
+                      <a:schemeClr val="bg1"/>
+                    </a:solidFill>
+                  </a:tcPr>
+                </a:tc>
+                <a:tc>
+                  <a:txBody>
+                    <a:bodyPr/>
+                    <a:lstStyle/>
+                    <a:p>
+                      <a:pPr algn="l" latinLnBrk="1"/>
+                      <a:r>
+                        <a:rPr lang="en-US" altLang="ko-KR" dirty="0"/>
+                        <a:t>103</a:t>
+                      </a:r>
+                      <a:endParaRPr lang="ko-KR" altLang="en-US" dirty="0"/>
+                    </a:p>
+                  </a:txBody>
+                  <a:tcPr>
+                    <a:solidFill>
+                      <a:schemeClr val="bg1"/>
+                    </a:solidFill>
+                  </a:tcPr>
+                </a:tc>
+                <a:extLst>
+                  <a:ext uri="{0D108BD9-81ED-4DB2-BD59-A6C34878D82A}">
+                    <a16:rowId xmlns:a16="http://schemas.microsoft.com/office/drawing/2014/main" val="1186208757"/>
+                  </a:ext>
+                </a:extLst>
+              </a:tr>
+              <a:tr h="370840">
+                <a:tc>
+                  <a:txBody>
+                    <a:bodyPr/>
+                    <a:lstStyle/>
+                    <a:p>
+                      <a:pPr algn="ctr" latinLnBrk="1"/>
+                      <a:r>
+                        <a:rPr lang="en-US" altLang="ko-KR" dirty="0"/>
+                        <a:t>4</a:t>
+                      </a:r>
+                      <a:endParaRPr lang="ko-KR" altLang="en-US" dirty="0"/>
+                    </a:p>
+                  </a:txBody>
+                  <a:tcPr>
+                    <a:solidFill>
+                      <a:schemeClr val="bg1"/>
+                    </a:solidFill>
+                  </a:tcPr>
+                </a:tc>
+                <a:tc>
+                  <a:txBody>
+                    <a:bodyPr/>
+                    <a:lstStyle/>
+                    <a:p>
+                      <a:pPr algn="l" latinLnBrk="1"/>
+                      <a:r>
+                        <a:rPr lang="en-US" altLang="ko-KR" dirty="0"/>
+                        <a:t>674</a:t>
+                      </a:r>
+                      <a:endParaRPr lang="ko-KR" altLang="en-US" dirty="0"/>
+                    </a:p>
+                  </a:txBody>
+                  <a:tcPr>
+                    <a:solidFill>
+                      <a:schemeClr val="bg1"/>
+                    </a:solidFill>
+                  </a:tcPr>
+                </a:tc>
+                <a:extLst>
+                  <a:ext uri="{0D108BD9-81ED-4DB2-BD59-A6C34878D82A}">
+                    <a16:rowId xmlns:a16="http://schemas.microsoft.com/office/drawing/2014/main" val="2838049951"/>
+                  </a:ext>
+                </a:extLst>
+              </a:tr>
+              <a:tr h="370840">
+                <a:tc>
+                  <a:txBody>
+                    <a:bodyPr/>
+                    <a:lstStyle/>
+                    <a:p>
+                      <a:pPr algn="ctr" latinLnBrk="1"/>
+                      <a:r>
+                        <a:rPr lang="en-US" altLang="ko-KR" dirty="0"/>
+                        <a:t>5</a:t>
+                      </a:r>
+                      <a:endParaRPr lang="ko-KR" altLang="en-US" dirty="0"/>
+                    </a:p>
+                  </a:txBody>
+                  <a:tcPr>
+                    <a:solidFill>
+                      <a:schemeClr val="bg1"/>
+                    </a:solidFill>
+                  </a:tcPr>
+                </a:tc>
+                <a:tc>
+                  <a:txBody>
+                    <a:bodyPr/>
+                    <a:lstStyle/>
+                    <a:p>
+                      <a:pPr algn="l" latinLnBrk="1"/>
+                      <a:r>
+                        <a:rPr lang="en-US" altLang="ko-KR" dirty="0"/>
+                        <a:t>545</a:t>
+                      </a:r>
+                      <a:endParaRPr lang="ko-KR" altLang="en-US" dirty="0"/>
+                    </a:p>
+                  </a:txBody>
+                  <a:tcPr>
+                    <a:solidFill>
+                      <a:schemeClr val="bg1"/>
+                    </a:solidFill>
+                  </a:tcPr>
+                </a:tc>
+                <a:extLst>
+                  <a:ext uri="{0D108BD9-81ED-4DB2-BD59-A6C34878D82A}">
+                    <a16:rowId xmlns:a16="http://schemas.microsoft.com/office/drawing/2014/main" val="1209846721"/>
+                  </a:ext>
+                </a:extLst>
+              </a:tr>
+              <a:tr h="370840">
+                <a:tc>
+                  <a:txBody>
+                    <a:bodyPr/>
+                    <a:lstStyle/>
+                    <a:p>
+                      <a:pPr algn="ctr" latinLnBrk="1"/>
+                      <a:r>
+                        <a:rPr lang="en-US" altLang="ko-KR" dirty="0"/>
+                        <a:t>6</a:t>
+                      </a:r>
+                      <a:endParaRPr lang="ko-KR" altLang="en-US" dirty="0"/>
+                    </a:p>
+                  </a:txBody>
+                  <a:tcPr>
+                    <a:solidFill>
+                      <a:schemeClr val="bg1"/>
+                    </a:solidFill>
+                  </a:tcPr>
+                </a:tc>
+                <a:tc>
+                  <a:txBody>
+                    <a:bodyPr/>
+                    <a:lstStyle/>
+                    <a:p>
+                      <a:pPr algn="l" latinLnBrk="1"/>
+                      <a:r>
+                        <a:rPr lang="en-US" altLang="ko-KR" dirty="0"/>
+                        <a:t>046</a:t>
+                      </a:r>
+                      <a:endParaRPr lang="ko-KR" altLang="en-US" dirty="0"/>
+                    </a:p>
+                  </a:txBody>
+                  <a:tcPr>
+                    <a:solidFill>
+                      <a:schemeClr val="bg1"/>
+                    </a:solidFill>
+                  </a:tcPr>
+                </a:tc>
+                <a:extLst>
+                  <a:ext uri="{0D108BD9-81ED-4DB2-BD59-A6C34878D82A}">
+                    <a16:rowId xmlns:a16="http://schemas.microsoft.com/office/drawing/2014/main" val="3156838686"/>
+                  </a:ext>
+                </a:extLst>
+              </a:tr>
+              <a:tr h="370840">
+                <a:tc>
+                  <a:txBody>
+                    <a:bodyPr/>
+                    <a:lstStyle/>
+                    <a:p>
+                      <a:pPr algn="ctr" latinLnBrk="1"/>
+                      <a:r>
+                        <a:rPr lang="en-US" altLang="ko-KR" dirty="0"/>
+                        <a:t>7</a:t>
+                      </a:r>
+                      <a:endParaRPr lang="ko-KR" altLang="en-US" dirty="0"/>
+                    </a:p>
+                  </a:txBody>
+                  <a:tcPr>
+                    <a:solidFill>
+                      <a:schemeClr val="bg1"/>
+                    </a:solidFill>
+                  </a:tcPr>
+                </a:tc>
+                <a:tc>
+                  <a:txBody>
+                    <a:bodyPr/>
+                    <a:lstStyle/>
+                    <a:p>
+                      <a:pPr algn="l" latinLnBrk="1"/>
+                      <a:r>
+                        <a:rPr lang="en-US" altLang="ko-KR" dirty="0"/>
+                        <a:t>007</a:t>
+                      </a:r>
+                      <a:endParaRPr lang="ko-KR" altLang="en-US" dirty="0"/>
+                    </a:p>
+                  </a:txBody>
+                  <a:tcPr>
+                    <a:solidFill>
+                      <a:schemeClr val="bg1"/>
+                    </a:solidFill>
+                  </a:tcPr>
+                </a:tc>
+                <a:extLst>
+                  <a:ext uri="{0D108BD9-81ED-4DB2-BD59-A6C34878D82A}">
+                    <a16:rowId xmlns:a16="http://schemas.microsoft.com/office/drawing/2014/main" val="2312447118"/>
+                  </a:ext>
+                </a:extLst>
+              </a:tr>
+              <a:tr h="370840">
+                <a:tc>
+                  <a:txBody>
+                    <a:bodyPr/>
+                    <a:lstStyle/>
+                    <a:p>
+                      <a:pPr algn="ctr" latinLnBrk="1"/>
+                      <a:r>
+                        <a:rPr lang="en-US" altLang="ko-KR" dirty="0"/>
+                        <a:t>8</a:t>
+                      </a:r>
+                      <a:endParaRPr lang="ko-KR" altLang="en-US" dirty="0"/>
+                    </a:p>
+                  </a:txBody>
+                  <a:tcPr>
+                    <a:solidFill>
+                      <a:schemeClr val="bg1"/>
+                    </a:solidFill>
+                  </a:tcPr>
+                </a:tc>
+                <a:tc>
+                  <a:txBody>
+                    <a:bodyPr/>
+                    <a:lstStyle/>
+                    <a:p>
+                      <a:pPr algn="l" latinLnBrk="1"/>
+                      <a:endParaRPr lang="ko-KR" altLang="en-US" dirty="0"/>
+                    </a:p>
+                  </a:txBody>
+                  <a:tcPr>
+                    <a:solidFill>
+                      <a:schemeClr val="bg1"/>
+                    </a:solidFill>
+                  </a:tcPr>
+                </a:tc>
+                <a:extLst>
+                  <a:ext uri="{0D108BD9-81ED-4DB2-BD59-A6C34878D82A}">
+                    <a16:rowId xmlns:a16="http://schemas.microsoft.com/office/drawing/2014/main" val="631407617"/>
+                  </a:ext>
+                </a:extLst>
+              </a:tr>
+              <a:tr h="370840">
+                <a:tc>
+                  <a:txBody>
+                    <a:bodyPr/>
+                    <a:lstStyle/>
+                    <a:p>
+                      <a:pPr algn="ctr" latinLnBrk="1"/>
+                      <a:r>
+                        <a:rPr lang="en-US" altLang="ko-KR" dirty="0"/>
+                        <a:t>9</a:t>
+                      </a:r>
+                      <a:endParaRPr lang="ko-KR" altLang="en-US" dirty="0"/>
+                    </a:p>
+                  </a:txBody>
+                  <a:tcPr>
+                    <a:solidFill>
+                      <a:schemeClr val="bg1"/>
+                    </a:solidFill>
+                  </a:tcPr>
+                </a:tc>
+                <a:tc>
+                  <a:txBody>
+                    <a:bodyPr/>
+                    <a:lstStyle/>
+                    <a:p>
+                      <a:pPr algn="l" latinLnBrk="1"/>
+                      <a:endParaRPr lang="ko-KR" altLang="en-US" dirty="0"/>
+                    </a:p>
+                  </a:txBody>
+                  <a:tcPr>
+                    <a:solidFill>
+                      <a:schemeClr val="bg1"/>
+                    </a:solidFill>
+                  </a:tcPr>
+                </a:tc>
+                <a:extLst>
+                  <a:ext uri="{0D108BD9-81ED-4DB2-BD59-A6C34878D82A}">
+                    <a16:rowId xmlns:a16="http://schemas.microsoft.com/office/drawing/2014/main" val="866083130"/>
+                  </a:ext>
+                </a:extLst>
+              </a:tr>
+            </a:tbl>
+          </a:graphicData>
+        </a:graphic>
+      </p:graphicFrame>
+      <p:graphicFrame>
+        <p:nvGraphicFramePr>
+          <p:cNvPr id="12" name="표 2">
+            <a:extLst>
+              <a:ext uri="{FF2B5EF4-FFF2-40B4-BE49-F238E27FC236}">
+                <a16:creationId xmlns:a16="http://schemas.microsoft.com/office/drawing/2014/main" id="{54DFF03A-2A65-4EBF-84A6-B7278B368454}"/>
+              </a:ext>
+            </a:extLst>
+          </p:cNvPr>
+          <p:cNvGraphicFramePr>
+            <a:graphicFrameLocks noGrp="1"/>
+          </p:cNvGraphicFramePr>
+          <p:nvPr>
+            <p:extLst>
+              <p:ext uri="{D42A27DB-BD31-4B8C-83A1-F6EECF244321}">
+                <p14:modId xmlns:p14="http://schemas.microsoft.com/office/powerpoint/2010/main" val="2642340454"/>
+              </p:ext>
+            </p:extLst>
+          </p:nvPr>
+        </p:nvGraphicFramePr>
+        <p:xfrm>
+          <a:off x="3070896" y="5622218"/>
+          <a:ext cx="9005190" cy="370840"/>
+        </p:xfrm>
+        <a:graphic>
+          <a:graphicData uri="http://schemas.openxmlformats.org/drawingml/2006/table">
+            <a:tbl>
+              <a:tblPr firstRow="1" bandRow="1">
+                <a:tableStyleId>{5940675A-B579-460E-94D1-54222C63F5DA}</a:tableStyleId>
+              </a:tblPr>
+              <a:tblGrid>
+                <a:gridCol w="900519">
+                  <a:extLst>
+                    <a:ext uri="{9D8B030D-6E8A-4147-A177-3AD203B41FA5}">
+                      <a16:colId xmlns:a16="http://schemas.microsoft.com/office/drawing/2014/main" val="1111750069"/>
+                    </a:ext>
+                  </a:extLst>
+                </a:gridCol>
+                <a:gridCol w="900519">
+                  <a:extLst>
+                    <a:ext uri="{9D8B030D-6E8A-4147-A177-3AD203B41FA5}">
+                      <a16:colId xmlns:a16="http://schemas.microsoft.com/office/drawing/2014/main" val="4199686683"/>
+                    </a:ext>
+                  </a:extLst>
+                </a:gridCol>
+                <a:gridCol w="900519">
+                  <a:extLst>
+                    <a:ext uri="{9D8B030D-6E8A-4147-A177-3AD203B41FA5}">
+                      <a16:colId xmlns:a16="http://schemas.microsoft.com/office/drawing/2014/main" val="1792932146"/>
+                    </a:ext>
+                  </a:extLst>
+                </a:gridCol>
+                <a:gridCol w="900519">
+                  <a:extLst>
+                    <a:ext uri="{9D8B030D-6E8A-4147-A177-3AD203B41FA5}">
+                      <a16:colId xmlns:a16="http://schemas.microsoft.com/office/drawing/2014/main" val="3953650893"/>
+                    </a:ext>
+                  </a:extLst>
+                </a:gridCol>
+                <a:gridCol w="900519">
+                  <a:extLst>
+                    <a:ext uri="{9D8B030D-6E8A-4147-A177-3AD203B41FA5}">
+                      <a16:colId xmlns:a16="http://schemas.microsoft.com/office/drawing/2014/main" val="2940294936"/>
+                    </a:ext>
+                  </a:extLst>
+                </a:gridCol>
+                <a:gridCol w="900519">
+                  <a:extLst>
+                    <a:ext uri="{9D8B030D-6E8A-4147-A177-3AD203B41FA5}">
+                      <a16:colId xmlns:a16="http://schemas.microsoft.com/office/drawing/2014/main" val="800430656"/>
+                    </a:ext>
+                  </a:extLst>
+                </a:gridCol>
+                <a:gridCol w="900519">
+                  <a:extLst>
+                    <a:ext uri="{9D8B030D-6E8A-4147-A177-3AD203B41FA5}">
+                      <a16:colId xmlns:a16="http://schemas.microsoft.com/office/drawing/2014/main" val="2236811984"/>
+                    </a:ext>
+                  </a:extLst>
+                </a:gridCol>
+                <a:gridCol w="900519">
+                  <a:extLst>
+                    <a:ext uri="{9D8B030D-6E8A-4147-A177-3AD203B41FA5}">
+                      <a16:colId xmlns:a16="http://schemas.microsoft.com/office/drawing/2014/main" val="155834178"/>
+                    </a:ext>
+                  </a:extLst>
+                </a:gridCol>
+                <a:gridCol w="900519">
+                  <a:extLst>
+                    <a:ext uri="{9D8B030D-6E8A-4147-A177-3AD203B41FA5}">
+                      <a16:colId xmlns:a16="http://schemas.microsoft.com/office/drawing/2014/main" val="4066905350"/>
+                    </a:ext>
+                  </a:extLst>
+                </a:gridCol>
+                <a:gridCol w="900519">
+                  <a:extLst>
+                    <a:ext uri="{9D8B030D-6E8A-4147-A177-3AD203B41FA5}">
+                      <a16:colId xmlns:a16="http://schemas.microsoft.com/office/drawing/2014/main" val="3747683656"/>
+                    </a:ext>
+                  </a:extLst>
+                </a:gridCol>
+              </a:tblGrid>
+              <a:tr h="370840">
+                <a:tc>
+                  <a:txBody>
+                    <a:bodyPr/>
+                    <a:lstStyle/>
+                    <a:p>
+                      <a:pPr algn="ctr" latinLnBrk="1"/>
+                      <a:r>
+                        <a:rPr lang="en-US" altLang="ko-KR" dirty="0"/>
+                        <a:t>100</a:t>
+                      </a:r>
+                      <a:endParaRPr lang="ko-KR" altLang="en-US" dirty="0"/>
+                    </a:p>
+                  </a:txBody>
+                  <a:tcPr anchor="ctr">
+                    <a:solidFill>
+                      <a:schemeClr val="bg1"/>
+                    </a:solidFill>
+                  </a:tcPr>
+                </a:tc>
+                <a:tc>
+                  <a:txBody>
+                    <a:bodyPr/>
+                    <a:lstStyle/>
+                    <a:p>
+                      <a:pPr algn="ctr" latinLnBrk="1"/>
+                      <a:r>
+                        <a:rPr lang="en-US" altLang="ko-KR" dirty="0"/>
+                        <a:t>421</a:t>
+                      </a:r>
+                      <a:endParaRPr lang="ko-KR" altLang="en-US" dirty="0"/>
+                    </a:p>
+                  </a:txBody>
+                  <a:tcPr anchor="ctr">
+                    <a:solidFill>
+                      <a:schemeClr val="bg1"/>
+                    </a:solidFill>
+                  </a:tcPr>
+                </a:tc>
+                <a:tc>
+                  <a:txBody>
+                    <a:bodyPr/>
+                    <a:lstStyle/>
+                    <a:p>
+                      <a:pPr algn="ctr" latinLnBrk="1"/>
+                      <a:r>
+                        <a:rPr lang="en-US" altLang="ko-KR" dirty="0"/>
+                        <a:t>021</a:t>
+                      </a:r>
+                      <a:endParaRPr lang="ko-KR" altLang="en-US" dirty="0"/>
+                    </a:p>
+                  </a:txBody>
+                  <a:tcPr anchor="ctr">
+                    <a:solidFill>
+                      <a:schemeClr val="bg1"/>
+                    </a:solidFill>
+                  </a:tcPr>
+                </a:tc>
+                <a:tc>
+                  <a:txBody>
+                    <a:bodyPr/>
+                    <a:lstStyle/>
+                    <a:p>
+                      <a:pPr algn="ctr" latinLnBrk="1"/>
+                      <a:r>
+                        <a:rPr lang="en-US" altLang="ko-KR" dirty="0"/>
+                        <a:t>012</a:t>
+                      </a:r>
+                      <a:endParaRPr lang="ko-KR" altLang="en-US" dirty="0"/>
+                    </a:p>
+                  </a:txBody>
+                  <a:tcPr anchor="ctr">
+                    <a:solidFill>
+                      <a:schemeClr val="bg1"/>
+                    </a:solidFill>
+                  </a:tcPr>
+                </a:tc>
+                <a:tc>
+                  <a:txBody>
+                    <a:bodyPr/>
+                    <a:lstStyle/>
+                    <a:p>
+                      <a:pPr algn="ctr" latinLnBrk="1"/>
+                      <a:r>
+                        <a:rPr lang="en-US" altLang="ko-KR" dirty="0"/>
+                        <a:t>502</a:t>
+                      </a:r>
+                      <a:endParaRPr lang="ko-KR" altLang="en-US" dirty="0"/>
+                    </a:p>
+                  </a:txBody>
+                  <a:tcPr anchor="ctr">
+                    <a:solidFill>
+                      <a:schemeClr val="bg1"/>
+                    </a:solidFill>
+                  </a:tcPr>
+                </a:tc>
+                <a:tc>
+                  <a:txBody>
+                    <a:bodyPr/>
+                    <a:lstStyle/>
+                    <a:p>
+                      <a:pPr algn="ctr" latinLnBrk="1"/>
+                      <a:r>
+                        <a:rPr lang="en-US" altLang="ko-KR" dirty="0"/>
+                        <a:t>103</a:t>
+                      </a:r>
+                      <a:endParaRPr lang="ko-KR" altLang="en-US" dirty="0"/>
+                    </a:p>
+                  </a:txBody>
+                  <a:tcPr anchor="ctr">
+                    <a:solidFill>
+                      <a:schemeClr val="bg1"/>
+                    </a:solidFill>
+                  </a:tcPr>
+                </a:tc>
+                <a:tc>
+                  <a:txBody>
+                    <a:bodyPr/>
+                    <a:lstStyle/>
+                    <a:p>
+                      <a:pPr algn="ctr" latinLnBrk="1"/>
+                      <a:r>
+                        <a:rPr lang="en-US" altLang="ko-KR" dirty="0"/>
+                        <a:t>674</a:t>
+                      </a:r>
+                      <a:endParaRPr lang="ko-KR" altLang="en-US" dirty="0"/>
+                    </a:p>
+                  </a:txBody>
+                  <a:tcPr anchor="ctr">
+                    <a:solidFill>
+                      <a:schemeClr val="bg1"/>
+                    </a:solidFill>
+                  </a:tcPr>
+                </a:tc>
+                <a:tc>
+                  <a:txBody>
+                    <a:bodyPr/>
+                    <a:lstStyle/>
+                    <a:p>
+                      <a:pPr algn="ctr" latinLnBrk="1"/>
+                      <a:r>
+                        <a:rPr lang="en-US" altLang="ko-KR" dirty="0"/>
+                        <a:t>545</a:t>
+                      </a:r>
+                      <a:endParaRPr lang="ko-KR" altLang="en-US" dirty="0"/>
+                    </a:p>
+                  </a:txBody>
+                  <a:tcPr anchor="ctr">
+                    <a:solidFill>
+                      <a:schemeClr val="bg1"/>
+                    </a:solidFill>
+                  </a:tcPr>
+                </a:tc>
+                <a:tc>
+                  <a:txBody>
+                    <a:bodyPr/>
+                    <a:lstStyle/>
+                    <a:p>
+                      <a:pPr algn="ctr" latinLnBrk="1"/>
+                      <a:r>
+                        <a:rPr lang="en-US" altLang="ko-KR" dirty="0"/>
+                        <a:t>046</a:t>
+                      </a:r>
+                      <a:endParaRPr lang="ko-KR" altLang="en-US" dirty="0"/>
+                    </a:p>
+                  </a:txBody>
+                  <a:tcPr anchor="ctr">
+                    <a:solidFill>
+                      <a:schemeClr val="bg1"/>
+                    </a:solidFill>
+                  </a:tcPr>
+                </a:tc>
+                <a:tc>
+                  <a:txBody>
+                    <a:bodyPr/>
+                    <a:lstStyle/>
+                    <a:p>
+                      <a:pPr algn="ctr" latinLnBrk="1"/>
+                      <a:r>
+                        <a:rPr lang="en-US" altLang="ko-KR" dirty="0"/>
+                        <a:t>007</a:t>
+                      </a:r>
+                      <a:endParaRPr lang="ko-KR" altLang="en-US" dirty="0"/>
+                    </a:p>
+                  </a:txBody>
+                  <a:tcPr anchor="ctr">
+                    <a:solidFill>
+                      <a:schemeClr val="bg1"/>
+                    </a:solidFill>
+                  </a:tcPr>
+                </a:tc>
+                <a:extLst>
+                  <a:ext uri="{0D108BD9-81ED-4DB2-BD59-A6C34878D82A}">
+                    <a16:rowId xmlns:a16="http://schemas.microsoft.com/office/drawing/2014/main" val="758684597"/>
+                  </a:ext>
+                </a:extLst>
+              </a:tr>
+            </a:tbl>
+          </a:graphicData>
+        </a:graphic>
+      </p:graphicFrame>
+      <p:sp>
+        <p:nvSpPr>
+          <p:cNvPr id="13" name="화살표: 굽음 12">
+            <a:extLst>
+              <a:ext uri="{FF2B5EF4-FFF2-40B4-BE49-F238E27FC236}">
+                <a16:creationId xmlns:a16="http://schemas.microsoft.com/office/drawing/2014/main" id="{1C66EE62-B904-41FE-B729-03AC8803BB49}"/>
+              </a:ext>
+            </a:extLst>
+          </p:cNvPr>
+          <p:cNvSpPr/>
+          <p:nvPr/>
+        </p:nvSpPr>
+        <p:spPr>
+          <a:xfrm rot="5400000">
+            <a:off x="3329187" y="3342067"/>
+            <a:ext cx="1983346" cy="2228045"/>
+          </a:xfrm>
+          <a:prstGeom prst="bentArrow">
+            <a:avLst/>
+          </a:prstGeom>
+          <a:solidFill>
+            <a:schemeClr val="accent2"/>
+          </a:solidFill>
+        </p:spPr>
+        <p:style>
+          <a:lnRef idx="2">
+            <a:schemeClr val="accent1">
+              <a:shade val="50000"/>
+            </a:schemeClr>
+          </a:lnRef>
+          <a:fillRef idx="1">
+            <a:schemeClr val="accent1"/>
+          </a:fillRef>
+          <a:effectRef idx="0">
+            <a:schemeClr val="accent1"/>
+          </a:effectRef>
+          <a:fontRef idx="minor">
+            <a:schemeClr val="lt1"/>
+          </a:fontRef>
+        </p:style>
+        <p:txBody>
+          <a:bodyPr rtlCol="0" anchor="ctr"/>
+          <a:lstStyle/>
+          <a:p>
+            <a:pPr algn="ctr"/>
+            <a:endParaRPr lang="ko-KR" altLang="en-US">
+              <a:solidFill>
+                <a:schemeClr val="tx1"/>
+              </a:solidFill>
+            </a:endParaRPr>
+          </a:p>
+        </p:txBody>
+      </p:sp>
+      <p:sp>
+        <p:nvSpPr>
+          <p:cNvPr id="14" name="TextBox 13">
+            <a:extLst>
+              <a:ext uri="{FF2B5EF4-FFF2-40B4-BE49-F238E27FC236}">
+                <a16:creationId xmlns:a16="http://schemas.microsoft.com/office/drawing/2014/main" id="{B55A0D50-3A21-4938-B4A5-B4C8F6EB022E}"/>
+              </a:ext>
+            </a:extLst>
+          </p:cNvPr>
+          <p:cNvSpPr txBox="1"/>
+          <p:nvPr/>
+        </p:nvSpPr>
+        <p:spPr>
+          <a:xfrm>
+            <a:off x="5510346" y="3993154"/>
+            <a:ext cx="6189285" cy="830997"/>
+          </a:xfrm>
+          <a:prstGeom prst="rect">
+            <a:avLst/>
+          </a:prstGeom>
+          <a:noFill/>
+        </p:spPr>
+        <p:txBody>
+          <a:bodyPr wrap="square" rtlCol="0">
+            <a:spAutoFit/>
+          </a:bodyPr>
+          <a:lstStyle/>
+          <a:p>
+            <a:r>
+              <a:rPr lang="ko-KR" altLang="en-US" sz="2400" dirty="0">
+                <a:solidFill>
+                  <a:schemeClr val="bg1"/>
+                </a:solidFill>
+              </a:rPr>
+              <a:t>각 값들을 차례로 추출하여 </a:t>
+            </a:r>
+            <a:r>
+              <a:rPr lang="en-US" altLang="ko-KR" sz="2400" dirty="0">
+                <a:solidFill>
+                  <a:schemeClr val="bg1"/>
+                </a:solidFill>
+              </a:rPr>
+              <a:t>1</a:t>
+            </a:r>
+            <a:r>
+              <a:rPr lang="ko-KR" altLang="en-US" sz="2400" dirty="0">
+                <a:solidFill>
+                  <a:schemeClr val="bg1"/>
+                </a:solidFill>
+              </a:rPr>
+              <a:t>차원 배열로</a:t>
+            </a:r>
+            <a:endParaRPr lang="en-US" altLang="ko-KR" sz="2400" dirty="0">
+              <a:solidFill>
+                <a:schemeClr val="bg1"/>
+              </a:solidFill>
+            </a:endParaRPr>
+          </a:p>
+          <a:p>
+            <a:r>
+              <a:rPr lang="ko-KR" altLang="en-US" sz="2400" dirty="0">
+                <a:solidFill>
+                  <a:schemeClr val="bg1"/>
+                </a:solidFill>
+              </a:rPr>
+              <a:t>다시 변환합니다</a:t>
+            </a:r>
+            <a:r>
+              <a:rPr lang="en-US" altLang="ko-KR" sz="2400" dirty="0">
+                <a:solidFill>
+                  <a:schemeClr val="bg1"/>
+                </a:solidFill>
+              </a:rPr>
+              <a:t>.</a:t>
+            </a:r>
+            <a:endParaRPr lang="ko-KR" altLang="en-US" sz="2400" dirty="0">
+              <a:solidFill>
+                <a:schemeClr val="bg1"/>
+              </a:solidFill>
+            </a:endParaRPr>
+          </a:p>
+        </p:txBody>
+      </p:sp>
+    </p:spTree>
+    <p:extLst>
+      <p:ext uri="{BB962C8B-B14F-4D97-AF65-F5344CB8AC3E}">
+        <p14:creationId xmlns:p14="http://schemas.microsoft.com/office/powerpoint/2010/main" val="889814902"/>
+      </p:ext>
+    </p:extLst>
+  </p:cSld>
+  <p:clrMapOvr>
+    <a:masterClrMapping/>
+  </p:clrMapOvr>
+</p:sld>
+</file>
+
+<file path=ppt/slides/slide6.xml><?xml version="1.0" encoding="utf-8"?>
+<p:sld xmlns:a="http://schemas.openxmlformats.org/drawingml/2006/main" xmlns:r="http://schemas.openxmlformats.org/officeDocument/2006/relationships" xmlns:p="http://schemas.openxmlformats.org/presentationml/2006/main">
+  <p:cSld>
+    <p:bg>
+      <p:bgPr>
+        <a:solidFill>
+          <a:schemeClr val="tx2">
+            <a:lumMod val="50000"/>
+          </a:schemeClr>
+        </a:solidFill>
+        <a:effectLst/>
+      </p:bgPr>
+    </p:bg>
+    <p:spTree>
+      <p:nvGrpSpPr>
+        <p:cNvPr id="1" name=""/>
+        <p:cNvGrpSpPr/>
+        <p:nvPr/>
+      </p:nvGrpSpPr>
+      <p:grpSpPr>
+        <a:xfrm>
+          <a:off x="0" y="0"/>
+          <a:ext cx="0" cy="0"/>
+          <a:chOff x="0" y="0"/>
+          <a:chExt cx="0" cy="0"/>
+        </a:xfrm>
+      </p:grpSpPr>
+      <p:sp>
+        <p:nvSpPr>
+          <p:cNvPr id="8" name="TextBox 7">
+            <a:extLst>
+              <a:ext uri="{FF2B5EF4-FFF2-40B4-BE49-F238E27FC236}">
+                <a16:creationId xmlns:a16="http://schemas.microsoft.com/office/drawing/2014/main" id="{29502E64-88A9-4A04-B5C1-06896AD6C5C8}"/>
+              </a:ext>
+            </a:extLst>
+          </p:cNvPr>
+          <p:cNvSpPr txBox="1"/>
+          <p:nvPr/>
+        </p:nvSpPr>
+        <p:spPr>
+          <a:xfrm>
+            <a:off x="2860089" y="1535759"/>
+            <a:ext cx="10816392" cy="461665"/>
+          </a:xfrm>
+          <a:prstGeom prst="rect">
+            <a:avLst/>
+          </a:prstGeom>
+          <a:noFill/>
+        </p:spPr>
+        <p:txBody>
+          <a:bodyPr wrap="square" rtlCol="0">
+            <a:spAutoFit/>
+          </a:bodyPr>
+          <a:lstStyle/>
+          <a:p>
+            <a:r>
+              <a:rPr lang="ko-KR" altLang="en-US" sz="2400" dirty="0">
+                <a:solidFill>
+                  <a:schemeClr val="bg1"/>
+                </a:solidFill>
+              </a:rPr>
+              <a:t>위의 프로세스의 반복입니다</a:t>
+            </a:r>
+            <a:r>
+              <a:rPr lang="en-US" altLang="ko-KR" sz="2400" dirty="0">
+                <a:solidFill>
+                  <a:schemeClr val="bg1"/>
+                </a:solidFill>
+              </a:rPr>
+              <a:t>. </a:t>
+            </a:r>
+            <a:r>
+              <a:rPr lang="ko-KR" altLang="en-US" sz="2400" dirty="0">
+                <a:solidFill>
+                  <a:schemeClr val="bg1"/>
+                </a:solidFill>
+              </a:rPr>
+              <a:t>자릿수만 </a:t>
+            </a:r>
+            <a:r>
+              <a:rPr lang="en-US" altLang="ko-KR" sz="2400" dirty="0">
+                <a:solidFill>
+                  <a:schemeClr val="bg1"/>
+                </a:solidFill>
+              </a:rPr>
+              <a:t>10</a:t>
+            </a:r>
+            <a:r>
+              <a:rPr lang="ko-KR" altLang="en-US" sz="2400" dirty="0">
+                <a:solidFill>
+                  <a:schemeClr val="bg1"/>
+                </a:solidFill>
+              </a:rPr>
+              <a:t>의 자리로 바꿉니다</a:t>
+            </a:r>
+            <a:r>
+              <a:rPr lang="en-US" altLang="ko-KR" sz="2400" dirty="0">
+                <a:solidFill>
+                  <a:schemeClr val="bg1"/>
+                </a:solidFill>
+              </a:rPr>
+              <a:t>.</a:t>
+            </a:r>
+          </a:p>
+        </p:txBody>
+      </p:sp>
+      <p:sp>
+        <p:nvSpPr>
+          <p:cNvPr id="3" name="화살표: 아래쪽 2">
+            <a:extLst>
+              <a:ext uri="{FF2B5EF4-FFF2-40B4-BE49-F238E27FC236}">
+                <a16:creationId xmlns:a16="http://schemas.microsoft.com/office/drawing/2014/main" id="{29DB293D-1BAA-4155-BF2A-8E8D6B36B7EB}"/>
+              </a:ext>
+            </a:extLst>
+          </p:cNvPr>
+          <p:cNvSpPr/>
+          <p:nvPr/>
+        </p:nvSpPr>
+        <p:spPr>
+          <a:xfrm>
+            <a:off x="1867437" y="1058655"/>
+            <a:ext cx="862884" cy="1509554"/>
+          </a:xfrm>
+          <a:prstGeom prst="downArrow">
+            <a:avLst/>
+          </a:prstGeom>
+          <a:solidFill>
+            <a:schemeClr val="accent2"/>
+          </a:solidFill>
+        </p:spPr>
+        <p:style>
+          <a:lnRef idx="2">
+            <a:schemeClr val="accent1">
+              <a:shade val="50000"/>
+            </a:schemeClr>
+          </a:lnRef>
+          <a:fillRef idx="1">
+            <a:schemeClr val="accent1"/>
+          </a:fillRef>
+          <a:effectRef idx="0">
+            <a:schemeClr val="accent1"/>
+          </a:effectRef>
+          <a:fontRef idx="minor">
+            <a:schemeClr val="lt1"/>
+          </a:fontRef>
+        </p:style>
+        <p:txBody>
+          <a:bodyPr rtlCol="0" anchor="ctr"/>
+          <a:lstStyle/>
+          <a:p>
+            <a:pPr algn="ctr"/>
+            <a:endParaRPr lang="ko-KR" altLang="en-US" b="1">
+              <a:ln w="22225">
+                <a:solidFill>
+                  <a:schemeClr val="accent2"/>
+                </a:solidFill>
+                <a:prstDash val="solid"/>
+              </a:ln>
+              <a:solidFill>
+                <a:schemeClr val="accent2">
+                  <a:lumMod val="40000"/>
+                  <a:lumOff val="60000"/>
+                </a:schemeClr>
+              </a:solidFill>
+            </a:endParaRPr>
+          </a:p>
+        </p:txBody>
+      </p:sp>
+      <p:graphicFrame>
+        <p:nvGraphicFramePr>
+          <p:cNvPr id="5" name="표 10">
+            <a:extLst>
+              <a:ext uri="{FF2B5EF4-FFF2-40B4-BE49-F238E27FC236}">
+                <a16:creationId xmlns:a16="http://schemas.microsoft.com/office/drawing/2014/main" id="{4BD79811-D47D-4242-9392-FE0949834F75}"/>
+              </a:ext>
+            </a:extLst>
+          </p:cNvPr>
+          <p:cNvGraphicFramePr>
+            <a:graphicFrameLocks noGrp="1"/>
+          </p:cNvGraphicFramePr>
+          <p:nvPr>
+            <p:extLst>
+              <p:ext uri="{D42A27DB-BD31-4B8C-83A1-F6EECF244321}">
+                <p14:modId xmlns:p14="http://schemas.microsoft.com/office/powerpoint/2010/main" val="1455374202"/>
+              </p:ext>
+            </p:extLst>
+          </p:nvPr>
+        </p:nvGraphicFramePr>
+        <p:xfrm>
+          <a:off x="795631" y="2739235"/>
+          <a:ext cx="2102115" cy="3977640"/>
+        </p:xfrm>
+        <a:graphic>
+          <a:graphicData uri="http://schemas.openxmlformats.org/drawingml/2006/table">
+            <a:tbl>
+              <a:tblPr firstRow="1" bandRow="1">
+                <a:tableStyleId>{5940675A-B579-460E-94D1-54222C63F5DA}</a:tableStyleId>
+              </a:tblPr>
+              <a:tblGrid>
+                <a:gridCol w="530893">
+                  <a:extLst>
+                    <a:ext uri="{9D8B030D-6E8A-4147-A177-3AD203B41FA5}">
+                      <a16:colId xmlns:a16="http://schemas.microsoft.com/office/drawing/2014/main" val="3846829557"/>
+                    </a:ext>
+                  </a:extLst>
+                </a:gridCol>
+                <a:gridCol w="1571222">
+                  <a:extLst>
+                    <a:ext uri="{9D8B030D-6E8A-4147-A177-3AD203B41FA5}">
+                      <a16:colId xmlns:a16="http://schemas.microsoft.com/office/drawing/2014/main" val="3056547237"/>
+                    </a:ext>
+                  </a:extLst>
+                </a:gridCol>
+              </a:tblGrid>
+              <a:tr h="370840">
+                <a:tc>
+                  <a:txBody>
+                    <a:bodyPr/>
+                    <a:lstStyle/>
+                    <a:p>
+                      <a:pPr algn="ctr" latinLnBrk="1"/>
+                      <a:r>
+                        <a:rPr lang="en-US" altLang="ko-KR" dirty="0"/>
+                        <a:t>0</a:t>
+                      </a:r>
+                      <a:endParaRPr lang="ko-KR" altLang="en-US" dirty="0"/>
+                    </a:p>
+                  </a:txBody>
+                  <a:tcPr>
+                    <a:solidFill>
+                      <a:schemeClr val="bg1"/>
+                    </a:solidFill>
+                  </a:tcPr>
+                </a:tc>
+                <a:tc>
+                  <a:txBody>
+                    <a:bodyPr/>
+                    <a:lstStyle/>
+                    <a:p>
+                      <a:pPr algn="l" latinLnBrk="1"/>
+                      <a:r>
+                        <a:rPr lang="en-US" altLang="ko-KR" dirty="0"/>
+                        <a:t>100,502,103,007</a:t>
+                      </a:r>
+                      <a:endParaRPr lang="ko-KR" altLang="en-US" dirty="0"/>
+                    </a:p>
+                  </a:txBody>
+                  <a:tcPr>
+                    <a:solidFill>
+                      <a:schemeClr val="bg1"/>
+                    </a:solidFill>
+                  </a:tcPr>
+                </a:tc>
+                <a:extLst>
+                  <a:ext uri="{0D108BD9-81ED-4DB2-BD59-A6C34878D82A}">
+                    <a16:rowId xmlns:a16="http://schemas.microsoft.com/office/drawing/2014/main" val="3770909203"/>
+                  </a:ext>
+                </a:extLst>
+              </a:tr>
+              <a:tr h="370840">
+                <a:tc>
+                  <a:txBody>
+                    <a:bodyPr/>
+                    <a:lstStyle/>
+                    <a:p>
+                      <a:pPr algn="ctr" latinLnBrk="1"/>
+                      <a:r>
+                        <a:rPr lang="en-US" altLang="ko-KR" dirty="0"/>
+                        <a:t>1</a:t>
+                      </a:r>
+                      <a:endParaRPr lang="ko-KR" altLang="en-US" dirty="0"/>
+                    </a:p>
+                  </a:txBody>
+                  <a:tcPr>
+                    <a:solidFill>
+                      <a:schemeClr val="bg1"/>
+                    </a:solidFill>
+                  </a:tcPr>
+                </a:tc>
+                <a:tc>
+                  <a:txBody>
+                    <a:bodyPr/>
+                    <a:lstStyle/>
+                    <a:p>
+                      <a:pPr algn="l" latinLnBrk="1"/>
+                      <a:r>
+                        <a:rPr lang="en-US" altLang="ko-KR" dirty="0"/>
+                        <a:t>012,</a:t>
+                      </a:r>
+                      <a:endParaRPr lang="ko-KR" altLang="en-US" dirty="0"/>
+                    </a:p>
+                  </a:txBody>
+                  <a:tcPr>
+                    <a:solidFill>
+                      <a:schemeClr val="bg1"/>
+                    </a:solidFill>
+                  </a:tcPr>
+                </a:tc>
+                <a:extLst>
+                  <a:ext uri="{0D108BD9-81ED-4DB2-BD59-A6C34878D82A}">
+                    <a16:rowId xmlns:a16="http://schemas.microsoft.com/office/drawing/2014/main" val="3050660282"/>
+                  </a:ext>
+                </a:extLst>
+              </a:tr>
+              <a:tr h="370840">
+                <a:tc>
+                  <a:txBody>
+                    <a:bodyPr/>
+                    <a:lstStyle/>
+                    <a:p>
+                      <a:pPr algn="ctr" latinLnBrk="1"/>
+                      <a:r>
+                        <a:rPr lang="en-US" altLang="ko-KR" dirty="0"/>
+                        <a:t>2</a:t>
+                      </a:r>
+                      <a:endParaRPr lang="ko-KR" altLang="en-US" dirty="0"/>
+                    </a:p>
+                  </a:txBody>
+                  <a:tcPr>
+                    <a:solidFill>
+                      <a:schemeClr val="bg1"/>
+                    </a:solidFill>
+                  </a:tcPr>
+                </a:tc>
+                <a:tc>
+                  <a:txBody>
+                    <a:bodyPr/>
+                    <a:lstStyle/>
+                    <a:p>
+                      <a:pPr algn="l" latinLnBrk="1"/>
+                      <a:r>
+                        <a:rPr lang="en-US" altLang="ko-KR" dirty="0"/>
+                        <a:t>421,021</a:t>
+                      </a:r>
+                      <a:endParaRPr lang="ko-KR" altLang="en-US" dirty="0"/>
+                    </a:p>
+                  </a:txBody>
+                  <a:tcPr>
+                    <a:solidFill>
+                      <a:schemeClr val="bg1"/>
+                    </a:solidFill>
+                  </a:tcPr>
+                </a:tc>
+                <a:extLst>
+                  <a:ext uri="{0D108BD9-81ED-4DB2-BD59-A6C34878D82A}">
+                    <a16:rowId xmlns:a16="http://schemas.microsoft.com/office/drawing/2014/main" val="1099388776"/>
+                  </a:ext>
+                </a:extLst>
+              </a:tr>
+              <a:tr h="370840">
+                <a:tc>
+                  <a:txBody>
+                    <a:bodyPr/>
+                    <a:lstStyle/>
+                    <a:p>
+                      <a:pPr algn="ctr" latinLnBrk="1"/>
+                      <a:r>
+                        <a:rPr lang="en-US" altLang="ko-KR" dirty="0"/>
+                        <a:t>3</a:t>
+                      </a:r>
+                      <a:endParaRPr lang="ko-KR" altLang="en-US" dirty="0"/>
+                    </a:p>
+                  </a:txBody>
+                  <a:tcPr>
+                    <a:solidFill>
+                      <a:schemeClr val="bg1"/>
+                    </a:solidFill>
+                  </a:tcPr>
+                </a:tc>
+                <a:tc>
+                  <a:txBody>
+                    <a:bodyPr/>
+                    <a:lstStyle/>
+                    <a:p>
+                      <a:pPr algn="l" latinLnBrk="1"/>
+                      <a:endParaRPr lang="ko-KR" altLang="en-US" dirty="0"/>
+                    </a:p>
+                  </a:txBody>
+                  <a:tcPr>
+                    <a:solidFill>
+                      <a:schemeClr val="bg1"/>
+                    </a:solidFill>
+                  </a:tcPr>
+                </a:tc>
+                <a:extLst>
+                  <a:ext uri="{0D108BD9-81ED-4DB2-BD59-A6C34878D82A}">
+                    <a16:rowId xmlns:a16="http://schemas.microsoft.com/office/drawing/2014/main" val="1186208757"/>
+                  </a:ext>
+                </a:extLst>
+              </a:tr>
+              <a:tr h="370840">
+                <a:tc>
+                  <a:txBody>
+                    <a:bodyPr/>
+                    <a:lstStyle/>
+                    <a:p>
+                      <a:pPr algn="ctr" latinLnBrk="1"/>
+                      <a:r>
+                        <a:rPr lang="en-US" altLang="ko-KR" dirty="0"/>
+                        <a:t>4</a:t>
+                      </a:r>
+                      <a:endParaRPr lang="ko-KR" altLang="en-US" dirty="0"/>
+                    </a:p>
+                  </a:txBody>
+                  <a:tcPr>
+                    <a:solidFill>
+                      <a:schemeClr val="bg1"/>
+                    </a:solidFill>
+                  </a:tcPr>
+                </a:tc>
+                <a:tc>
+                  <a:txBody>
+                    <a:bodyPr/>
+                    <a:lstStyle/>
+                    <a:p>
+                      <a:pPr algn="l" latinLnBrk="1"/>
+                      <a:r>
+                        <a:rPr lang="en-US" altLang="ko-KR" dirty="0"/>
+                        <a:t>545,046</a:t>
+                      </a:r>
+                      <a:endParaRPr lang="ko-KR" altLang="en-US" dirty="0"/>
+                    </a:p>
+                  </a:txBody>
+                  <a:tcPr>
+                    <a:solidFill>
+                      <a:schemeClr val="bg1"/>
+                    </a:solidFill>
+                  </a:tcPr>
+                </a:tc>
+                <a:extLst>
+                  <a:ext uri="{0D108BD9-81ED-4DB2-BD59-A6C34878D82A}">
+                    <a16:rowId xmlns:a16="http://schemas.microsoft.com/office/drawing/2014/main" val="2838049951"/>
+                  </a:ext>
+                </a:extLst>
+              </a:tr>
+              <a:tr h="370840">
+                <a:tc>
+                  <a:txBody>
+                    <a:bodyPr/>
+                    <a:lstStyle/>
+                    <a:p>
+                      <a:pPr algn="ctr" latinLnBrk="1"/>
+                      <a:r>
+                        <a:rPr lang="en-US" altLang="ko-KR" dirty="0"/>
+                        <a:t>5</a:t>
+                      </a:r>
+                      <a:endParaRPr lang="ko-KR" altLang="en-US" dirty="0"/>
+                    </a:p>
+                  </a:txBody>
+                  <a:tcPr>
+                    <a:solidFill>
+                      <a:schemeClr val="bg1"/>
+                    </a:solidFill>
+                  </a:tcPr>
+                </a:tc>
+                <a:tc>
+                  <a:txBody>
+                    <a:bodyPr/>
+                    <a:lstStyle/>
+                    <a:p>
+                      <a:pPr algn="l" latinLnBrk="1"/>
+                      <a:endParaRPr lang="ko-KR" altLang="en-US" dirty="0"/>
+                    </a:p>
+                  </a:txBody>
+                  <a:tcPr>
+                    <a:solidFill>
+                      <a:schemeClr val="bg1"/>
+                    </a:solidFill>
+                  </a:tcPr>
+                </a:tc>
+                <a:extLst>
+                  <a:ext uri="{0D108BD9-81ED-4DB2-BD59-A6C34878D82A}">
+                    <a16:rowId xmlns:a16="http://schemas.microsoft.com/office/drawing/2014/main" val="1209846721"/>
+                  </a:ext>
+                </a:extLst>
+              </a:tr>
+              <a:tr h="370840">
+                <a:tc>
+                  <a:txBody>
+                    <a:bodyPr/>
+                    <a:lstStyle/>
+                    <a:p>
+                      <a:pPr algn="ctr" latinLnBrk="1"/>
+                      <a:r>
+                        <a:rPr lang="en-US" altLang="ko-KR" dirty="0"/>
+                        <a:t>6</a:t>
+                      </a:r>
+                      <a:endParaRPr lang="ko-KR" altLang="en-US" dirty="0"/>
+                    </a:p>
+                  </a:txBody>
+                  <a:tcPr>
+                    <a:solidFill>
+                      <a:schemeClr val="bg1"/>
+                    </a:solidFill>
+                  </a:tcPr>
+                </a:tc>
+                <a:tc>
+                  <a:txBody>
+                    <a:bodyPr/>
+                    <a:lstStyle/>
+                    <a:p>
+                      <a:pPr algn="l" latinLnBrk="1"/>
+                      <a:endParaRPr lang="ko-KR" altLang="en-US" dirty="0"/>
+                    </a:p>
+                  </a:txBody>
+                  <a:tcPr>
+                    <a:solidFill>
+                      <a:schemeClr val="bg1"/>
+                    </a:solidFill>
+                  </a:tcPr>
+                </a:tc>
+                <a:extLst>
+                  <a:ext uri="{0D108BD9-81ED-4DB2-BD59-A6C34878D82A}">
+                    <a16:rowId xmlns:a16="http://schemas.microsoft.com/office/drawing/2014/main" val="3156838686"/>
+                  </a:ext>
+                </a:extLst>
+              </a:tr>
+              <a:tr h="370840">
+                <a:tc>
+                  <a:txBody>
+                    <a:bodyPr/>
+                    <a:lstStyle/>
+                    <a:p>
+                      <a:pPr algn="ctr" latinLnBrk="1"/>
+                      <a:r>
+                        <a:rPr lang="en-US" altLang="ko-KR" dirty="0"/>
+                        <a:t>7</a:t>
+                      </a:r>
+                      <a:endParaRPr lang="ko-KR" altLang="en-US" dirty="0"/>
+                    </a:p>
+                  </a:txBody>
+                  <a:tcPr>
+                    <a:solidFill>
+                      <a:schemeClr val="bg1"/>
+                    </a:solidFill>
+                  </a:tcPr>
+                </a:tc>
+                <a:tc>
+                  <a:txBody>
+                    <a:bodyPr/>
+                    <a:lstStyle/>
+                    <a:p>
+                      <a:pPr algn="l" latinLnBrk="1"/>
+                      <a:r>
+                        <a:rPr lang="en-US" altLang="ko-KR" dirty="0"/>
+                        <a:t>674</a:t>
+                      </a:r>
+                      <a:endParaRPr lang="ko-KR" altLang="en-US" dirty="0"/>
+                    </a:p>
+                  </a:txBody>
+                  <a:tcPr>
+                    <a:solidFill>
+                      <a:schemeClr val="bg1"/>
+                    </a:solidFill>
+                  </a:tcPr>
+                </a:tc>
+                <a:extLst>
+                  <a:ext uri="{0D108BD9-81ED-4DB2-BD59-A6C34878D82A}">
+                    <a16:rowId xmlns:a16="http://schemas.microsoft.com/office/drawing/2014/main" val="2312447118"/>
+                  </a:ext>
+                </a:extLst>
+              </a:tr>
+              <a:tr h="370840">
+                <a:tc>
+                  <a:txBody>
+                    <a:bodyPr/>
+                    <a:lstStyle/>
+                    <a:p>
+                      <a:pPr algn="ctr" latinLnBrk="1"/>
+                      <a:r>
+                        <a:rPr lang="en-US" altLang="ko-KR" dirty="0"/>
+                        <a:t>8</a:t>
+                      </a:r>
+                      <a:endParaRPr lang="ko-KR" altLang="en-US" dirty="0"/>
+                    </a:p>
+                  </a:txBody>
+                  <a:tcPr>
+                    <a:solidFill>
+                      <a:schemeClr val="bg1"/>
+                    </a:solidFill>
+                  </a:tcPr>
+                </a:tc>
+                <a:tc>
+                  <a:txBody>
+                    <a:bodyPr/>
+                    <a:lstStyle/>
+                    <a:p>
+                      <a:pPr algn="l" latinLnBrk="1"/>
+                      <a:endParaRPr lang="ko-KR" altLang="en-US" dirty="0"/>
+                    </a:p>
+                  </a:txBody>
+                  <a:tcPr>
+                    <a:solidFill>
+                      <a:schemeClr val="bg1"/>
+                    </a:solidFill>
+                  </a:tcPr>
+                </a:tc>
+                <a:extLst>
+                  <a:ext uri="{0D108BD9-81ED-4DB2-BD59-A6C34878D82A}">
+                    <a16:rowId xmlns:a16="http://schemas.microsoft.com/office/drawing/2014/main" val="631407617"/>
+                  </a:ext>
+                </a:extLst>
+              </a:tr>
+              <a:tr h="370840">
+                <a:tc>
+                  <a:txBody>
+                    <a:bodyPr/>
+                    <a:lstStyle/>
+                    <a:p>
+                      <a:pPr algn="ctr" latinLnBrk="1"/>
+                      <a:r>
+                        <a:rPr lang="en-US" altLang="ko-KR" dirty="0"/>
+                        <a:t>9</a:t>
+                      </a:r>
+                      <a:endParaRPr lang="ko-KR" altLang="en-US" dirty="0"/>
+                    </a:p>
+                  </a:txBody>
+                  <a:tcPr>
+                    <a:solidFill>
+                      <a:schemeClr val="bg1"/>
+                    </a:solidFill>
+                  </a:tcPr>
+                </a:tc>
+                <a:tc>
+                  <a:txBody>
+                    <a:bodyPr/>
+                    <a:lstStyle/>
+                    <a:p>
+                      <a:pPr algn="l" latinLnBrk="1"/>
+                      <a:endParaRPr lang="ko-KR" altLang="en-US" dirty="0"/>
+                    </a:p>
+                  </a:txBody>
+                  <a:tcPr>
+                    <a:solidFill>
+                      <a:schemeClr val="bg1"/>
+                    </a:solidFill>
+                  </a:tcPr>
+                </a:tc>
+                <a:extLst>
+                  <a:ext uri="{0D108BD9-81ED-4DB2-BD59-A6C34878D82A}">
+                    <a16:rowId xmlns:a16="http://schemas.microsoft.com/office/drawing/2014/main" val="866083130"/>
+                  </a:ext>
+                </a:extLst>
+              </a:tr>
+            </a:tbl>
+          </a:graphicData>
+        </a:graphic>
+      </p:graphicFrame>
+      <p:graphicFrame>
+        <p:nvGraphicFramePr>
+          <p:cNvPr id="12" name="표 2">
+            <a:extLst>
+              <a:ext uri="{FF2B5EF4-FFF2-40B4-BE49-F238E27FC236}">
+                <a16:creationId xmlns:a16="http://schemas.microsoft.com/office/drawing/2014/main" id="{54DFF03A-2A65-4EBF-84A6-B7278B368454}"/>
+              </a:ext>
+            </a:extLst>
+          </p:cNvPr>
+          <p:cNvGraphicFramePr>
+            <a:graphicFrameLocks noGrp="1"/>
+          </p:cNvGraphicFramePr>
+          <p:nvPr>
+            <p:extLst>
+              <p:ext uri="{D42A27DB-BD31-4B8C-83A1-F6EECF244321}">
+                <p14:modId xmlns:p14="http://schemas.microsoft.com/office/powerpoint/2010/main" val="507724638"/>
+              </p:ext>
+            </p:extLst>
+          </p:nvPr>
+        </p:nvGraphicFramePr>
+        <p:xfrm>
+          <a:off x="1002066" y="570158"/>
+          <a:ext cx="9005190" cy="370840"/>
+        </p:xfrm>
+        <a:graphic>
+          <a:graphicData uri="http://schemas.openxmlformats.org/drawingml/2006/table">
+            <a:tbl>
+              <a:tblPr firstRow="1" bandRow="1">
+                <a:tableStyleId>{5940675A-B579-460E-94D1-54222C63F5DA}</a:tableStyleId>
+              </a:tblPr>
+              <a:tblGrid>
+                <a:gridCol w="900519">
+                  <a:extLst>
+                    <a:ext uri="{9D8B030D-6E8A-4147-A177-3AD203B41FA5}">
+                      <a16:colId xmlns:a16="http://schemas.microsoft.com/office/drawing/2014/main" val="1111750069"/>
+                    </a:ext>
+                  </a:extLst>
+                </a:gridCol>
+                <a:gridCol w="900519">
+                  <a:extLst>
+                    <a:ext uri="{9D8B030D-6E8A-4147-A177-3AD203B41FA5}">
+                      <a16:colId xmlns:a16="http://schemas.microsoft.com/office/drawing/2014/main" val="4199686683"/>
+                    </a:ext>
+                  </a:extLst>
+                </a:gridCol>
+                <a:gridCol w="900519">
+                  <a:extLst>
+                    <a:ext uri="{9D8B030D-6E8A-4147-A177-3AD203B41FA5}">
+                      <a16:colId xmlns:a16="http://schemas.microsoft.com/office/drawing/2014/main" val="1792932146"/>
+                    </a:ext>
+                  </a:extLst>
+                </a:gridCol>
+                <a:gridCol w="900519">
+                  <a:extLst>
+                    <a:ext uri="{9D8B030D-6E8A-4147-A177-3AD203B41FA5}">
+                      <a16:colId xmlns:a16="http://schemas.microsoft.com/office/drawing/2014/main" val="3953650893"/>
+                    </a:ext>
+                  </a:extLst>
+                </a:gridCol>
+                <a:gridCol w="900519">
+                  <a:extLst>
+                    <a:ext uri="{9D8B030D-6E8A-4147-A177-3AD203B41FA5}">
+                      <a16:colId xmlns:a16="http://schemas.microsoft.com/office/drawing/2014/main" val="2940294936"/>
+                    </a:ext>
+                  </a:extLst>
+                </a:gridCol>
+                <a:gridCol w="900519">
+                  <a:extLst>
+                    <a:ext uri="{9D8B030D-6E8A-4147-A177-3AD203B41FA5}">
+                      <a16:colId xmlns:a16="http://schemas.microsoft.com/office/drawing/2014/main" val="800430656"/>
+                    </a:ext>
+                  </a:extLst>
+                </a:gridCol>
+                <a:gridCol w="900519">
+                  <a:extLst>
+                    <a:ext uri="{9D8B030D-6E8A-4147-A177-3AD203B41FA5}">
+                      <a16:colId xmlns:a16="http://schemas.microsoft.com/office/drawing/2014/main" val="2236811984"/>
+                    </a:ext>
+                  </a:extLst>
+                </a:gridCol>
+                <a:gridCol w="900519">
+                  <a:extLst>
+                    <a:ext uri="{9D8B030D-6E8A-4147-A177-3AD203B41FA5}">
+                      <a16:colId xmlns:a16="http://schemas.microsoft.com/office/drawing/2014/main" val="155834178"/>
+                    </a:ext>
+                  </a:extLst>
+                </a:gridCol>
+                <a:gridCol w="900519">
+                  <a:extLst>
+                    <a:ext uri="{9D8B030D-6E8A-4147-A177-3AD203B41FA5}">
+                      <a16:colId xmlns:a16="http://schemas.microsoft.com/office/drawing/2014/main" val="4066905350"/>
+                    </a:ext>
+                  </a:extLst>
+                </a:gridCol>
+                <a:gridCol w="900519">
+                  <a:extLst>
+                    <a:ext uri="{9D8B030D-6E8A-4147-A177-3AD203B41FA5}">
+                      <a16:colId xmlns:a16="http://schemas.microsoft.com/office/drawing/2014/main" val="3747683656"/>
+                    </a:ext>
+                  </a:extLst>
+                </a:gridCol>
+              </a:tblGrid>
+              <a:tr h="370840">
+                <a:tc>
+                  <a:txBody>
+                    <a:bodyPr/>
+                    <a:lstStyle/>
+                    <a:p>
+                      <a:pPr algn="ctr" latinLnBrk="1"/>
+                      <a:r>
+                        <a:rPr lang="en-US" altLang="ko-KR" dirty="0"/>
+                        <a:t>100</a:t>
+                      </a:r>
+                      <a:endParaRPr lang="ko-KR" altLang="en-US" dirty="0"/>
+                    </a:p>
+                  </a:txBody>
+                  <a:tcPr anchor="ctr">
+                    <a:solidFill>
+                      <a:schemeClr val="bg1"/>
+                    </a:solidFill>
+                  </a:tcPr>
+                </a:tc>
+                <a:tc>
+                  <a:txBody>
+                    <a:bodyPr/>
+                    <a:lstStyle/>
+                    <a:p>
+                      <a:pPr algn="ctr" latinLnBrk="1"/>
+                      <a:r>
+                        <a:rPr lang="en-US" altLang="ko-KR" dirty="0"/>
+                        <a:t>421</a:t>
+                      </a:r>
+                      <a:endParaRPr lang="ko-KR" altLang="en-US" dirty="0"/>
+                    </a:p>
+                  </a:txBody>
+                  <a:tcPr anchor="ctr">
+                    <a:solidFill>
+                      <a:schemeClr val="bg1"/>
+                    </a:solidFill>
+                  </a:tcPr>
+                </a:tc>
+                <a:tc>
+                  <a:txBody>
+                    <a:bodyPr/>
+                    <a:lstStyle/>
+                    <a:p>
+                      <a:pPr algn="ctr" latinLnBrk="1"/>
+                      <a:r>
+                        <a:rPr lang="en-US" altLang="ko-KR" dirty="0"/>
+                        <a:t>021</a:t>
+                      </a:r>
+                      <a:endParaRPr lang="ko-KR" altLang="en-US" dirty="0"/>
+                    </a:p>
+                  </a:txBody>
+                  <a:tcPr anchor="ctr">
+                    <a:solidFill>
+                      <a:schemeClr val="bg1"/>
+                    </a:solidFill>
+                  </a:tcPr>
+                </a:tc>
+                <a:tc>
+                  <a:txBody>
+                    <a:bodyPr/>
+                    <a:lstStyle/>
+                    <a:p>
+                      <a:pPr algn="ctr" latinLnBrk="1"/>
+                      <a:r>
+                        <a:rPr lang="en-US" altLang="ko-KR" dirty="0"/>
+                        <a:t>012</a:t>
+                      </a:r>
+                      <a:endParaRPr lang="ko-KR" altLang="en-US" dirty="0"/>
+                    </a:p>
+                  </a:txBody>
+                  <a:tcPr anchor="ctr">
+                    <a:solidFill>
+                      <a:schemeClr val="bg1"/>
+                    </a:solidFill>
+                  </a:tcPr>
+                </a:tc>
+                <a:tc>
+                  <a:txBody>
+                    <a:bodyPr/>
+                    <a:lstStyle/>
+                    <a:p>
+                      <a:pPr algn="ctr" latinLnBrk="1"/>
+                      <a:r>
+                        <a:rPr lang="en-US" altLang="ko-KR" dirty="0"/>
+                        <a:t>502</a:t>
+                      </a:r>
+                      <a:endParaRPr lang="ko-KR" altLang="en-US" dirty="0"/>
+                    </a:p>
+                  </a:txBody>
+                  <a:tcPr anchor="ctr">
+                    <a:solidFill>
+                      <a:schemeClr val="bg1"/>
+                    </a:solidFill>
+                  </a:tcPr>
+                </a:tc>
+                <a:tc>
+                  <a:txBody>
+                    <a:bodyPr/>
+                    <a:lstStyle/>
+                    <a:p>
+                      <a:pPr algn="ctr" latinLnBrk="1"/>
+                      <a:r>
+                        <a:rPr lang="en-US" altLang="ko-KR" dirty="0"/>
+                        <a:t>103</a:t>
+                      </a:r>
+                      <a:endParaRPr lang="ko-KR" altLang="en-US" dirty="0"/>
+                    </a:p>
+                  </a:txBody>
+                  <a:tcPr anchor="ctr">
+                    <a:solidFill>
+                      <a:schemeClr val="bg1"/>
+                    </a:solidFill>
+                  </a:tcPr>
+                </a:tc>
+                <a:tc>
+                  <a:txBody>
+                    <a:bodyPr/>
+                    <a:lstStyle/>
+                    <a:p>
+                      <a:pPr algn="ctr" latinLnBrk="1"/>
+                      <a:r>
+                        <a:rPr lang="en-US" altLang="ko-KR" dirty="0"/>
+                        <a:t>674</a:t>
+                      </a:r>
+                      <a:endParaRPr lang="ko-KR" altLang="en-US" dirty="0"/>
+                    </a:p>
+                  </a:txBody>
+                  <a:tcPr anchor="ctr">
+                    <a:solidFill>
+                      <a:schemeClr val="bg1"/>
+                    </a:solidFill>
+                  </a:tcPr>
+                </a:tc>
+                <a:tc>
+                  <a:txBody>
+                    <a:bodyPr/>
+                    <a:lstStyle/>
+                    <a:p>
+                      <a:pPr algn="ctr" latinLnBrk="1"/>
+                      <a:r>
+                        <a:rPr lang="en-US" altLang="ko-KR" dirty="0"/>
+                        <a:t>545</a:t>
+                      </a:r>
+                      <a:endParaRPr lang="ko-KR" altLang="en-US" dirty="0"/>
+                    </a:p>
+                  </a:txBody>
+                  <a:tcPr anchor="ctr">
+                    <a:solidFill>
+                      <a:schemeClr val="bg1"/>
+                    </a:solidFill>
+                  </a:tcPr>
+                </a:tc>
+                <a:tc>
+                  <a:txBody>
+                    <a:bodyPr/>
+                    <a:lstStyle/>
+                    <a:p>
+                      <a:pPr algn="ctr" latinLnBrk="1"/>
+                      <a:r>
+                        <a:rPr lang="en-US" altLang="ko-KR" dirty="0"/>
+                        <a:t>046</a:t>
+                      </a:r>
+                      <a:endParaRPr lang="ko-KR" altLang="en-US" dirty="0"/>
+                    </a:p>
+                  </a:txBody>
+                  <a:tcPr anchor="ctr">
+                    <a:solidFill>
+                      <a:schemeClr val="bg1"/>
+                    </a:solidFill>
+                  </a:tcPr>
+                </a:tc>
+                <a:tc>
+                  <a:txBody>
+                    <a:bodyPr/>
+                    <a:lstStyle/>
+                    <a:p>
+                      <a:pPr algn="ctr" latinLnBrk="1"/>
+                      <a:r>
+                        <a:rPr lang="en-US" altLang="ko-KR" dirty="0"/>
+                        <a:t>007</a:t>
+                      </a:r>
+                      <a:endParaRPr lang="ko-KR" altLang="en-US" dirty="0"/>
+                    </a:p>
+                  </a:txBody>
+                  <a:tcPr anchor="ctr">
+                    <a:solidFill>
+                      <a:schemeClr val="bg1"/>
+                    </a:solidFill>
+                  </a:tcPr>
+                </a:tc>
+                <a:extLst>
+                  <a:ext uri="{0D108BD9-81ED-4DB2-BD59-A6C34878D82A}">
+                    <a16:rowId xmlns:a16="http://schemas.microsoft.com/office/drawing/2014/main" val="758684597"/>
+                  </a:ext>
+                </a:extLst>
+              </a:tr>
+            </a:tbl>
+          </a:graphicData>
+        </a:graphic>
+      </p:graphicFrame>
+      <p:sp>
+        <p:nvSpPr>
+          <p:cNvPr id="13" name="화살표: 굽음 12">
+            <a:extLst>
+              <a:ext uri="{FF2B5EF4-FFF2-40B4-BE49-F238E27FC236}">
+                <a16:creationId xmlns:a16="http://schemas.microsoft.com/office/drawing/2014/main" id="{1C66EE62-B904-41FE-B729-03AC8803BB49}"/>
+              </a:ext>
+            </a:extLst>
+          </p:cNvPr>
+          <p:cNvSpPr/>
+          <p:nvPr/>
+        </p:nvSpPr>
+        <p:spPr>
+          <a:xfrm rot="5400000">
+            <a:off x="3329187" y="3342067"/>
+            <a:ext cx="1983346" cy="2228045"/>
+          </a:xfrm>
+          <a:prstGeom prst="bentArrow">
+            <a:avLst/>
+          </a:prstGeom>
+          <a:solidFill>
+            <a:schemeClr val="accent2"/>
+          </a:solidFill>
+        </p:spPr>
+        <p:style>
+          <a:lnRef idx="2">
+            <a:schemeClr val="accent1">
+              <a:shade val="50000"/>
+            </a:schemeClr>
+          </a:lnRef>
+          <a:fillRef idx="1">
+            <a:schemeClr val="accent1"/>
+          </a:fillRef>
+          <a:effectRef idx="0">
+            <a:schemeClr val="accent1"/>
+          </a:effectRef>
+          <a:fontRef idx="minor">
+            <a:schemeClr val="lt1"/>
+          </a:fontRef>
+        </p:style>
+        <p:txBody>
+          <a:bodyPr rtlCol="0" anchor="ctr"/>
+          <a:lstStyle/>
+          <a:p>
+            <a:pPr algn="ctr"/>
+            <a:endParaRPr lang="ko-KR" altLang="en-US">
+              <a:solidFill>
+                <a:schemeClr val="tx1"/>
+              </a:solidFill>
+            </a:endParaRPr>
+          </a:p>
+        </p:txBody>
+      </p:sp>
+      <p:sp>
+        <p:nvSpPr>
+          <p:cNvPr id="14" name="TextBox 13">
+            <a:extLst>
+              <a:ext uri="{FF2B5EF4-FFF2-40B4-BE49-F238E27FC236}">
+                <a16:creationId xmlns:a16="http://schemas.microsoft.com/office/drawing/2014/main" id="{B55A0D50-3A21-4938-B4A5-B4C8F6EB022E}"/>
+              </a:ext>
+            </a:extLst>
+          </p:cNvPr>
+          <p:cNvSpPr txBox="1"/>
+          <p:nvPr/>
+        </p:nvSpPr>
+        <p:spPr>
+          <a:xfrm>
+            <a:off x="5510346" y="3993154"/>
+            <a:ext cx="6189285" cy="830997"/>
+          </a:xfrm>
+          <a:prstGeom prst="rect">
+            <a:avLst/>
+          </a:prstGeom>
+          <a:noFill/>
+        </p:spPr>
+        <p:txBody>
+          <a:bodyPr wrap="square" rtlCol="0">
+            <a:spAutoFit/>
+          </a:bodyPr>
+          <a:lstStyle/>
+          <a:p>
+            <a:r>
+              <a:rPr lang="ko-KR" altLang="en-US" sz="2400" dirty="0">
+                <a:solidFill>
+                  <a:schemeClr val="bg1"/>
+                </a:solidFill>
+              </a:rPr>
+              <a:t>각 값들을 차례로 추출하여 </a:t>
+            </a:r>
+            <a:r>
+              <a:rPr lang="en-US" altLang="ko-KR" sz="2400" dirty="0">
+                <a:solidFill>
+                  <a:schemeClr val="bg1"/>
+                </a:solidFill>
+              </a:rPr>
+              <a:t>1</a:t>
+            </a:r>
+            <a:r>
+              <a:rPr lang="ko-KR" altLang="en-US" sz="2400" dirty="0">
+                <a:solidFill>
+                  <a:schemeClr val="bg1"/>
+                </a:solidFill>
+              </a:rPr>
+              <a:t>차원 배열로</a:t>
+            </a:r>
+            <a:endParaRPr lang="en-US" altLang="ko-KR" sz="2400" dirty="0">
+              <a:solidFill>
+                <a:schemeClr val="bg1"/>
+              </a:solidFill>
+            </a:endParaRPr>
+          </a:p>
+          <a:p>
+            <a:r>
+              <a:rPr lang="ko-KR" altLang="en-US" sz="2400" dirty="0">
+                <a:solidFill>
+                  <a:schemeClr val="bg1"/>
+                </a:solidFill>
+              </a:rPr>
+              <a:t>다시 변환합니다</a:t>
+            </a:r>
+            <a:r>
+              <a:rPr lang="en-US" altLang="ko-KR" sz="2400" dirty="0">
+                <a:solidFill>
+                  <a:schemeClr val="bg1"/>
+                </a:solidFill>
+              </a:rPr>
+              <a:t>.</a:t>
+            </a:r>
+            <a:endParaRPr lang="ko-KR" altLang="en-US" sz="2400" dirty="0">
+              <a:solidFill>
+                <a:schemeClr val="bg1"/>
+              </a:solidFill>
+            </a:endParaRPr>
+          </a:p>
+        </p:txBody>
+      </p:sp>
+      <p:graphicFrame>
+        <p:nvGraphicFramePr>
+          <p:cNvPr id="10" name="표 2">
+            <a:extLst>
+              <a:ext uri="{FF2B5EF4-FFF2-40B4-BE49-F238E27FC236}">
+                <a16:creationId xmlns:a16="http://schemas.microsoft.com/office/drawing/2014/main" id="{6F4D72F4-3144-434C-9E7C-9BF3E0BF74CA}"/>
+              </a:ext>
+            </a:extLst>
+          </p:cNvPr>
+          <p:cNvGraphicFramePr>
+            <a:graphicFrameLocks noGrp="1"/>
+          </p:cNvGraphicFramePr>
+          <p:nvPr>
+            <p:extLst>
+              <p:ext uri="{D42A27DB-BD31-4B8C-83A1-F6EECF244321}">
+                <p14:modId xmlns:p14="http://schemas.microsoft.com/office/powerpoint/2010/main" val="1252289908"/>
+              </p:ext>
+            </p:extLst>
+          </p:nvPr>
+        </p:nvGraphicFramePr>
+        <p:xfrm>
+          <a:off x="2994696" y="5511728"/>
+          <a:ext cx="9005190" cy="370840"/>
+        </p:xfrm>
+        <a:graphic>
+          <a:graphicData uri="http://schemas.openxmlformats.org/drawingml/2006/table">
+            <a:tbl>
+              <a:tblPr firstRow="1" bandRow="1">
+                <a:tableStyleId>{5940675A-B579-460E-94D1-54222C63F5DA}</a:tableStyleId>
+              </a:tblPr>
+              <a:tblGrid>
+                <a:gridCol w="900519">
+                  <a:extLst>
+                    <a:ext uri="{9D8B030D-6E8A-4147-A177-3AD203B41FA5}">
+                      <a16:colId xmlns:a16="http://schemas.microsoft.com/office/drawing/2014/main" val="1111750069"/>
+                    </a:ext>
+                  </a:extLst>
+                </a:gridCol>
+                <a:gridCol w="900519">
+                  <a:extLst>
+                    <a:ext uri="{9D8B030D-6E8A-4147-A177-3AD203B41FA5}">
+                      <a16:colId xmlns:a16="http://schemas.microsoft.com/office/drawing/2014/main" val="4199686683"/>
+                    </a:ext>
+                  </a:extLst>
+                </a:gridCol>
+                <a:gridCol w="900519">
+                  <a:extLst>
+                    <a:ext uri="{9D8B030D-6E8A-4147-A177-3AD203B41FA5}">
+                      <a16:colId xmlns:a16="http://schemas.microsoft.com/office/drawing/2014/main" val="1792932146"/>
+                    </a:ext>
+                  </a:extLst>
+                </a:gridCol>
+                <a:gridCol w="900519">
+                  <a:extLst>
+                    <a:ext uri="{9D8B030D-6E8A-4147-A177-3AD203B41FA5}">
+                      <a16:colId xmlns:a16="http://schemas.microsoft.com/office/drawing/2014/main" val="3953650893"/>
+                    </a:ext>
+                  </a:extLst>
+                </a:gridCol>
+                <a:gridCol w="900519">
+                  <a:extLst>
+                    <a:ext uri="{9D8B030D-6E8A-4147-A177-3AD203B41FA5}">
+                      <a16:colId xmlns:a16="http://schemas.microsoft.com/office/drawing/2014/main" val="2940294936"/>
+                    </a:ext>
+                  </a:extLst>
+                </a:gridCol>
+                <a:gridCol w="900519">
+                  <a:extLst>
+                    <a:ext uri="{9D8B030D-6E8A-4147-A177-3AD203B41FA5}">
+                      <a16:colId xmlns:a16="http://schemas.microsoft.com/office/drawing/2014/main" val="800430656"/>
+                    </a:ext>
+                  </a:extLst>
+                </a:gridCol>
+                <a:gridCol w="900519">
+                  <a:extLst>
+                    <a:ext uri="{9D8B030D-6E8A-4147-A177-3AD203B41FA5}">
+                      <a16:colId xmlns:a16="http://schemas.microsoft.com/office/drawing/2014/main" val="2236811984"/>
+                    </a:ext>
+                  </a:extLst>
+                </a:gridCol>
+                <a:gridCol w="900519">
+                  <a:extLst>
+                    <a:ext uri="{9D8B030D-6E8A-4147-A177-3AD203B41FA5}">
+                      <a16:colId xmlns:a16="http://schemas.microsoft.com/office/drawing/2014/main" val="155834178"/>
+                    </a:ext>
+                  </a:extLst>
+                </a:gridCol>
+                <a:gridCol w="900519">
+                  <a:extLst>
+                    <a:ext uri="{9D8B030D-6E8A-4147-A177-3AD203B41FA5}">
+                      <a16:colId xmlns:a16="http://schemas.microsoft.com/office/drawing/2014/main" val="4066905350"/>
+                    </a:ext>
+                  </a:extLst>
+                </a:gridCol>
+                <a:gridCol w="900519">
+                  <a:extLst>
+                    <a:ext uri="{9D8B030D-6E8A-4147-A177-3AD203B41FA5}">
+                      <a16:colId xmlns:a16="http://schemas.microsoft.com/office/drawing/2014/main" val="3747683656"/>
+                    </a:ext>
+                  </a:extLst>
+                </a:gridCol>
+              </a:tblGrid>
+              <a:tr h="370840">
+                <a:tc>
+                  <a:txBody>
+                    <a:bodyPr/>
+                    <a:lstStyle/>
+                    <a:p>
+                      <a:pPr algn="ctr" latinLnBrk="1"/>
+                      <a:r>
+                        <a:rPr lang="en-US" altLang="ko-KR" dirty="0"/>
+                        <a:t>100</a:t>
+                      </a:r>
+                      <a:endParaRPr lang="ko-KR" altLang="en-US" dirty="0"/>
+                    </a:p>
+                  </a:txBody>
+                  <a:tcPr anchor="ctr">
+                    <a:solidFill>
+                      <a:schemeClr val="bg1"/>
+                    </a:solidFill>
+                  </a:tcPr>
+                </a:tc>
+                <a:tc>
+                  <a:txBody>
+                    <a:bodyPr/>
+                    <a:lstStyle/>
+                    <a:p>
+                      <a:pPr algn="ctr" latinLnBrk="1"/>
+                      <a:r>
+                        <a:rPr lang="en-US" altLang="ko-KR" dirty="0"/>
+                        <a:t>502</a:t>
+                      </a:r>
+                      <a:endParaRPr lang="ko-KR" altLang="en-US" dirty="0"/>
+                    </a:p>
+                  </a:txBody>
+                  <a:tcPr anchor="ctr">
+                    <a:solidFill>
+                      <a:schemeClr val="bg1"/>
+                    </a:solidFill>
+                  </a:tcPr>
+                </a:tc>
+                <a:tc>
+                  <a:txBody>
+                    <a:bodyPr/>
+                    <a:lstStyle/>
+                    <a:p>
+                      <a:pPr algn="ctr" latinLnBrk="1"/>
+                      <a:r>
+                        <a:rPr lang="en-US" altLang="ko-KR" dirty="0"/>
+                        <a:t>103</a:t>
+                      </a:r>
+                      <a:endParaRPr lang="ko-KR" altLang="en-US" dirty="0"/>
+                    </a:p>
+                  </a:txBody>
+                  <a:tcPr anchor="ctr">
+                    <a:solidFill>
+                      <a:schemeClr val="bg1"/>
+                    </a:solidFill>
+                  </a:tcPr>
+                </a:tc>
+                <a:tc>
+                  <a:txBody>
+                    <a:bodyPr/>
+                    <a:lstStyle/>
+                    <a:p>
+                      <a:pPr algn="ctr" latinLnBrk="1"/>
+                      <a:r>
+                        <a:rPr lang="en-US" altLang="ko-KR" dirty="0"/>
+                        <a:t>007</a:t>
+                      </a:r>
+                      <a:endParaRPr lang="ko-KR" altLang="en-US" dirty="0"/>
+                    </a:p>
+                  </a:txBody>
+                  <a:tcPr anchor="ctr">
+                    <a:solidFill>
+                      <a:schemeClr val="bg1"/>
+                    </a:solidFill>
+                  </a:tcPr>
+                </a:tc>
+                <a:tc>
+                  <a:txBody>
+                    <a:bodyPr/>
+                    <a:lstStyle/>
+                    <a:p>
+                      <a:pPr algn="ctr" latinLnBrk="1"/>
+                      <a:r>
+                        <a:rPr lang="en-US" altLang="ko-KR" dirty="0"/>
+                        <a:t>012</a:t>
+                      </a:r>
+                      <a:endParaRPr lang="ko-KR" altLang="en-US" dirty="0"/>
+                    </a:p>
+                  </a:txBody>
+                  <a:tcPr anchor="ctr">
+                    <a:solidFill>
+                      <a:schemeClr val="bg1"/>
+                    </a:solidFill>
+                  </a:tcPr>
+                </a:tc>
+                <a:tc>
+                  <a:txBody>
+                    <a:bodyPr/>
+                    <a:lstStyle/>
+                    <a:p>
+                      <a:pPr algn="ctr" latinLnBrk="1"/>
+                      <a:r>
+                        <a:rPr lang="en-US" altLang="ko-KR" dirty="0"/>
+                        <a:t>421</a:t>
+                      </a:r>
+                      <a:endParaRPr lang="ko-KR" altLang="en-US" dirty="0"/>
+                    </a:p>
+                  </a:txBody>
+                  <a:tcPr anchor="ctr">
+                    <a:solidFill>
+                      <a:schemeClr val="bg1"/>
+                    </a:solidFill>
+                  </a:tcPr>
+                </a:tc>
+                <a:tc>
+                  <a:txBody>
+                    <a:bodyPr/>
+                    <a:lstStyle/>
+                    <a:p>
+                      <a:pPr algn="ctr" latinLnBrk="1"/>
+                      <a:r>
+                        <a:rPr lang="en-US" altLang="ko-KR" dirty="0"/>
+                        <a:t>021</a:t>
+                      </a:r>
+                      <a:endParaRPr lang="ko-KR" altLang="en-US" dirty="0"/>
+                    </a:p>
+                  </a:txBody>
+                  <a:tcPr anchor="ctr">
+                    <a:solidFill>
+                      <a:schemeClr val="bg1"/>
+                    </a:solidFill>
+                  </a:tcPr>
+                </a:tc>
+                <a:tc>
+                  <a:txBody>
+                    <a:bodyPr/>
+                    <a:lstStyle/>
+                    <a:p>
+                      <a:pPr algn="ctr" latinLnBrk="1"/>
+                      <a:r>
+                        <a:rPr lang="en-US" altLang="ko-KR" dirty="0"/>
+                        <a:t>545</a:t>
+                      </a:r>
+                      <a:endParaRPr lang="ko-KR" altLang="en-US" dirty="0"/>
+                    </a:p>
+                  </a:txBody>
+                  <a:tcPr anchor="ctr">
+                    <a:solidFill>
+                      <a:schemeClr val="bg1"/>
+                    </a:solidFill>
+                  </a:tcPr>
+                </a:tc>
+                <a:tc>
+                  <a:txBody>
+                    <a:bodyPr/>
+                    <a:lstStyle/>
+                    <a:p>
+                      <a:pPr algn="ctr" latinLnBrk="1"/>
+                      <a:r>
+                        <a:rPr lang="en-US" altLang="ko-KR" dirty="0"/>
+                        <a:t>046</a:t>
+                      </a:r>
+                      <a:endParaRPr lang="ko-KR" altLang="en-US" dirty="0"/>
+                    </a:p>
+                  </a:txBody>
+                  <a:tcPr anchor="ctr">
+                    <a:solidFill>
+                      <a:schemeClr val="bg1"/>
+                    </a:solidFill>
+                  </a:tcPr>
+                </a:tc>
+                <a:tc>
+                  <a:txBody>
+                    <a:bodyPr/>
+                    <a:lstStyle/>
+                    <a:p>
+                      <a:pPr algn="ctr" latinLnBrk="1"/>
+                      <a:r>
+                        <a:rPr lang="en-US" altLang="ko-KR" dirty="0"/>
+                        <a:t>674</a:t>
+                      </a:r>
+                      <a:endParaRPr lang="ko-KR" altLang="en-US" dirty="0"/>
+                    </a:p>
+                  </a:txBody>
+                  <a:tcPr anchor="ctr">
+                    <a:solidFill>
+                      <a:schemeClr val="bg1"/>
+                    </a:solidFill>
+                  </a:tcPr>
+                </a:tc>
+                <a:extLst>
+                  <a:ext uri="{0D108BD9-81ED-4DB2-BD59-A6C34878D82A}">
+                    <a16:rowId xmlns:a16="http://schemas.microsoft.com/office/drawing/2014/main" val="758684597"/>
+                  </a:ext>
+                </a:extLst>
+              </a:tr>
+            </a:tbl>
+          </a:graphicData>
+        </a:graphic>
+      </p:graphicFrame>
+    </p:spTree>
+    <p:extLst>
+      <p:ext uri="{BB962C8B-B14F-4D97-AF65-F5344CB8AC3E}">
+        <p14:creationId xmlns:p14="http://schemas.microsoft.com/office/powerpoint/2010/main" val="3989803390"/>
+      </p:ext>
+    </p:extLst>
+  </p:cSld>
+  <p:clrMapOvr>
+    <a:masterClrMapping/>
+  </p:clrMapOvr>
+</p:sld>
+</file>
+
+<file path=ppt/slides/slide7.xml><?xml version="1.0" encoding="utf-8"?>
+<p:sld xmlns:a="http://schemas.openxmlformats.org/drawingml/2006/main" xmlns:r="http://schemas.openxmlformats.org/officeDocument/2006/relationships" xmlns:p="http://schemas.openxmlformats.org/presentationml/2006/main">
+  <p:cSld>
+    <p:bg>
+      <p:bgPr>
+        <a:solidFill>
+          <a:schemeClr val="tx2">
+            <a:lumMod val="50000"/>
+          </a:schemeClr>
+        </a:solidFill>
+        <a:effectLst/>
+      </p:bgPr>
+    </p:bg>
+    <p:spTree>
+      <p:nvGrpSpPr>
+        <p:cNvPr id="1" name=""/>
+        <p:cNvGrpSpPr/>
+        <p:nvPr/>
+      </p:nvGrpSpPr>
+      <p:grpSpPr>
+        <a:xfrm>
+          <a:off x="0" y="0"/>
+          <a:ext cx="0" cy="0"/>
+          <a:chOff x="0" y="0"/>
+          <a:chExt cx="0" cy="0"/>
+        </a:xfrm>
+      </p:grpSpPr>
+      <p:sp>
+        <p:nvSpPr>
+          <p:cNvPr id="8" name="TextBox 7">
+            <a:extLst>
+              <a:ext uri="{FF2B5EF4-FFF2-40B4-BE49-F238E27FC236}">
+                <a16:creationId xmlns:a16="http://schemas.microsoft.com/office/drawing/2014/main" id="{29502E64-88A9-4A04-B5C1-06896AD6C5C8}"/>
+              </a:ext>
+            </a:extLst>
+          </p:cNvPr>
+          <p:cNvSpPr txBox="1"/>
+          <p:nvPr/>
+        </p:nvSpPr>
+        <p:spPr>
+          <a:xfrm>
+            <a:off x="2860089" y="1535759"/>
+            <a:ext cx="10816392" cy="461665"/>
+          </a:xfrm>
+          <a:prstGeom prst="rect">
+            <a:avLst/>
+          </a:prstGeom>
+          <a:noFill/>
+        </p:spPr>
+        <p:txBody>
+          <a:bodyPr wrap="square" rtlCol="0">
+            <a:spAutoFit/>
+          </a:bodyPr>
+          <a:lstStyle/>
+          <a:p>
+            <a:r>
+              <a:rPr lang="ko-KR" altLang="en-US" sz="2400" dirty="0">
+                <a:solidFill>
+                  <a:schemeClr val="bg1"/>
+                </a:solidFill>
+              </a:rPr>
+              <a:t>위의 프로세스의 반복입니다</a:t>
+            </a:r>
+            <a:r>
+              <a:rPr lang="en-US" altLang="ko-KR" sz="2400" dirty="0">
+                <a:solidFill>
+                  <a:schemeClr val="bg1"/>
+                </a:solidFill>
+              </a:rPr>
+              <a:t>. </a:t>
+            </a:r>
+            <a:r>
+              <a:rPr lang="ko-KR" altLang="en-US" sz="2400" dirty="0">
+                <a:solidFill>
+                  <a:schemeClr val="bg1"/>
+                </a:solidFill>
+              </a:rPr>
+              <a:t>자릿수만 </a:t>
+            </a:r>
+            <a:r>
+              <a:rPr lang="en-US" altLang="ko-KR" sz="2400" dirty="0">
+                <a:solidFill>
+                  <a:schemeClr val="bg1"/>
+                </a:solidFill>
+              </a:rPr>
+              <a:t>100</a:t>
+            </a:r>
+            <a:r>
+              <a:rPr lang="ko-KR" altLang="en-US" sz="2400" dirty="0">
+                <a:solidFill>
+                  <a:schemeClr val="bg1"/>
+                </a:solidFill>
+              </a:rPr>
+              <a:t>의 자리로 바꿉니다</a:t>
+            </a:r>
+            <a:r>
+              <a:rPr lang="en-US" altLang="ko-KR" sz="2400" dirty="0">
+                <a:solidFill>
+                  <a:schemeClr val="bg1"/>
+                </a:solidFill>
+              </a:rPr>
+              <a:t>.</a:t>
+            </a:r>
+          </a:p>
+        </p:txBody>
+      </p:sp>
+      <p:sp>
+        <p:nvSpPr>
+          <p:cNvPr id="3" name="화살표: 아래쪽 2">
+            <a:extLst>
+              <a:ext uri="{FF2B5EF4-FFF2-40B4-BE49-F238E27FC236}">
+                <a16:creationId xmlns:a16="http://schemas.microsoft.com/office/drawing/2014/main" id="{29DB293D-1BAA-4155-BF2A-8E8D6B36B7EB}"/>
+              </a:ext>
+            </a:extLst>
+          </p:cNvPr>
+          <p:cNvSpPr/>
+          <p:nvPr/>
+        </p:nvSpPr>
+        <p:spPr>
+          <a:xfrm>
+            <a:off x="1867437" y="1058655"/>
+            <a:ext cx="862884" cy="1509554"/>
+          </a:xfrm>
+          <a:prstGeom prst="downArrow">
+            <a:avLst/>
+          </a:prstGeom>
+          <a:solidFill>
+            <a:schemeClr val="accent2"/>
+          </a:solidFill>
+        </p:spPr>
+        <p:style>
+          <a:lnRef idx="2">
+            <a:schemeClr val="accent1">
+              <a:shade val="50000"/>
+            </a:schemeClr>
+          </a:lnRef>
+          <a:fillRef idx="1">
+            <a:schemeClr val="accent1"/>
+          </a:fillRef>
+          <a:effectRef idx="0">
+            <a:schemeClr val="accent1"/>
+          </a:effectRef>
+          <a:fontRef idx="minor">
+            <a:schemeClr val="lt1"/>
+          </a:fontRef>
+        </p:style>
+        <p:txBody>
+          <a:bodyPr rtlCol="0" anchor="ctr"/>
+          <a:lstStyle/>
+          <a:p>
+            <a:pPr algn="ctr"/>
+            <a:endParaRPr lang="ko-KR" altLang="en-US" b="1">
+              <a:ln w="22225">
+                <a:solidFill>
+                  <a:schemeClr val="accent2"/>
+                </a:solidFill>
+                <a:prstDash val="solid"/>
+              </a:ln>
+              <a:solidFill>
+                <a:schemeClr val="accent2">
+                  <a:lumMod val="40000"/>
+                  <a:lumOff val="60000"/>
+                </a:schemeClr>
+              </a:solidFill>
+            </a:endParaRPr>
+          </a:p>
+        </p:txBody>
+      </p:sp>
+      <p:graphicFrame>
+        <p:nvGraphicFramePr>
+          <p:cNvPr id="5" name="표 10">
+            <a:extLst>
+              <a:ext uri="{FF2B5EF4-FFF2-40B4-BE49-F238E27FC236}">
+                <a16:creationId xmlns:a16="http://schemas.microsoft.com/office/drawing/2014/main" id="{4BD79811-D47D-4242-9392-FE0949834F75}"/>
+              </a:ext>
+            </a:extLst>
+          </p:cNvPr>
+          <p:cNvGraphicFramePr>
+            <a:graphicFrameLocks noGrp="1"/>
+          </p:cNvGraphicFramePr>
+          <p:nvPr>
+            <p:extLst>
+              <p:ext uri="{D42A27DB-BD31-4B8C-83A1-F6EECF244321}">
+                <p14:modId xmlns:p14="http://schemas.microsoft.com/office/powerpoint/2010/main" val="3499669845"/>
+              </p:ext>
+            </p:extLst>
+          </p:nvPr>
+        </p:nvGraphicFramePr>
+        <p:xfrm>
+          <a:off x="795631" y="2739235"/>
+          <a:ext cx="2102115" cy="3977640"/>
+        </p:xfrm>
+        <a:graphic>
+          <a:graphicData uri="http://schemas.openxmlformats.org/drawingml/2006/table">
+            <a:tbl>
+              <a:tblPr firstRow="1" bandRow="1">
+                <a:tableStyleId>{5940675A-B579-460E-94D1-54222C63F5DA}</a:tableStyleId>
+              </a:tblPr>
+              <a:tblGrid>
+                <a:gridCol w="530893">
+                  <a:extLst>
+                    <a:ext uri="{9D8B030D-6E8A-4147-A177-3AD203B41FA5}">
+                      <a16:colId xmlns:a16="http://schemas.microsoft.com/office/drawing/2014/main" val="3846829557"/>
+                    </a:ext>
+                  </a:extLst>
+                </a:gridCol>
+                <a:gridCol w="1571222">
+                  <a:extLst>
+                    <a:ext uri="{9D8B030D-6E8A-4147-A177-3AD203B41FA5}">
+                      <a16:colId xmlns:a16="http://schemas.microsoft.com/office/drawing/2014/main" val="3056547237"/>
+                    </a:ext>
+                  </a:extLst>
+                </a:gridCol>
+              </a:tblGrid>
+              <a:tr h="370840">
+                <a:tc>
+                  <a:txBody>
+                    <a:bodyPr/>
+                    <a:lstStyle/>
+                    <a:p>
+                      <a:pPr algn="ctr" latinLnBrk="1"/>
+                      <a:r>
+                        <a:rPr lang="en-US" altLang="ko-KR" dirty="0"/>
+                        <a:t>0</a:t>
+                      </a:r>
+                      <a:endParaRPr lang="ko-KR" altLang="en-US" dirty="0"/>
+                    </a:p>
+                  </a:txBody>
+                  <a:tcPr>
+                    <a:solidFill>
+                      <a:schemeClr val="bg1"/>
+                    </a:solidFill>
+                  </a:tcPr>
+                </a:tc>
+                <a:tc>
+                  <a:txBody>
+                    <a:bodyPr/>
+                    <a:lstStyle/>
+                    <a:p>
+                      <a:pPr algn="l" latinLnBrk="1"/>
+                      <a:r>
+                        <a:rPr lang="en-US" altLang="ko-KR" dirty="0"/>
+                        <a:t>007,012,021,046</a:t>
+                      </a:r>
+                      <a:endParaRPr lang="ko-KR" altLang="en-US" dirty="0"/>
+                    </a:p>
+                  </a:txBody>
+                  <a:tcPr>
+                    <a:solidFill>
+                      <a:schemeClr val="bg1"/>
+                    </a:solidFill>
+                  </a:tcPr>
+                </a:tc>
+                <a:extLst>
+                  <a:ext uri="{0D108BD9-81ED-4DB2-BD59-A6C34878D82A}">
+                    <a16:rowId xmlns:a16="http://schemas.microsoft.com/office/drawing/2014/main" val="3770909203"/>
+                  </a:ext>
+                </a:extLst>
+              </a:tr>
+              <a:tr h="370840">
+                <a:tc>
+                  <a:txBody>
+                    <a:bodyPr/>
+                    <a:lstStyle/>
+                    <a:p>
+                      <a:pPr algn="ctr" latinLnBrk="1"/>
+                      <a:r>
+                        <a:rPr lang="en-US" altLang="ko-KR" dirty="0"/>
+                        <a:t>1</a:t>
+                      </a:r>
+                      <a:endParaRPr lang="ko-KR" altLang="en-US" dirty="0"/>
+                    </a:p>
+                  </a:txBody>
+                  <a:tcPr>
+                    <a:solidFill>
+                      <a:schemeClr val="bg1"/>
+                    </a:solidFill>
+                  </a:tcPr>
+                </a:tc>
+                <a:tc>
+                  <a:txBody>
+                    <a:bodyPr/>
+                    <a:lstStyle/>
+                    <a:p>
+                      <a:pPr algn="l" latinLnBrk="1"/>
+                      <a:r>
+                        <a:rPr lang="en-US" altLang="ko-KR" dirty="0"/>
+                        <a:t>100,103</a:t>
+                      </a:r>
+                      <a:endParaRPr lang="ko-KR" altLang="en-US" dirty="0"/>
+                    </a:p>
+                  </a:txBody>
+                  <a:tcPr>
+                    <a:solidFill>
+                      <a:schemeClr val="bg1"/>
+                    </a:solidFill>
+                  </a:tcPr>
+                </a:tc>
+                <a:extLst>
+                  <a:ext uri="{0D108BD9-81ED-4DB2-BD59-A6C34878D82A}">
+                    <a16:rowId xmlns:a16="http://schemas.microsoft.com/office/drawing/2014/main" val="3050660282"/>
+                  </a:ext>
+                </a:extLst>
+              </a:tr>
+              <a:tr h="370840">
+                <a:tc>
+                  <a:txBody>
+                    <a:bodyPr/>
+                    <a:lstStyle/>
+                    <a:p>
+                      <a:pPr algn="ctr" latinLnBrk="1"/>
+                      <a:r>
+                        <a:rPr lang="en-US" altLang="ko-KR" dirty="0"/>
+                        <a:t>2</a:t>
+                      </a:r>
+                      <a:endParaRPr lang="ko-KR" altLang="en-US" dirty="0"/>
+                    </a:p>
+                  </a:txBody>
+                  <a:tcPr>
+                    <a:solidFill>
+                      <a:schemeClr val="bg1"/>
+                    </a:solidFill>
+                  </a:tcPr>
+                </a:tc>
+                <a:tc>
+                  <a:txBody>
+                    <a:bodyPr/>
+                    <a:lstStyle/>
+                    <a:p>
+                      <a:pPr algn="l" latinLnBrk="1"/>
+                      <a:endParaRPr lang="ko-KR" altLang="en-US" dirty="0"/>
+                    </a:p>
+                  </a:txBody>
+                  <a:tcPr>
+                    <a:solidFill>
+                      <a:schemeClr val="bg1"/>
+                    </a:solidFill>
+                  </a:tcPr>
+                </a:tc>
+                <a:extLst>
+                  <a:ext uri="{0D108BD9-81ED-4DB2-BD59-A6C34878D82A}">
+                    <a16:rowId xmlns:a16="http://schemas.microsoft.com/office/drawing/2014/main" val="1099388776"/>
+                  </a:ext>
+                </a:extLst>
+              </a:tr>
+              <a:tr h="370840">
+                <a:tc>
+                  <a:txBody>
+                    <a:bodyPr/>
+                    <a:lstStyle/>
+                    <a:p>
+                      <a:pPr algn="ctr" latinLnBrk="1"/>
+                      <a:r>
+                        <a:rPr lang="en-US" altLang="ko-KR" dirty="0"/>
+                        <a:t>3</a:t>
+                      </a:r>
+                      <a:endParaRPr lang="ko-KR" altLang="en-US" dirty="0"/>
+                    </a:p>
+                  </a:txBody>
+                  <a:tcPr>
+                    <a:solidFill>
+                      <a:schemeClr val="bg1"/>
+                    </a:solidFill>
+                  </a:tcPr>
+                </a:tc>
+                <a:tc>
+                  <a:txBody>
+                    <a:bodyPr/>
+                    <a:lstStyle/>
+                    <a:p>
+                      <a:pPr algn="l" latinLnBrk="1"/>
+                      <a:endParaRPr lang="ko-KR" altLang="en-US" dirty="0"/>
+                    </a:p>
+                  </a:txBody>
+                  <a:tcPr>
+                    <a:solidFill>
+                      <a:schemeClr val="bg1"/>
+                    </a:solidFill>
+                  </a:tcPr>
+                </a:tc>
+                <a:extLst>
+                  <a:ext uri="{0D108BD9-81ED-4DB2-BD59-A6C34878D82A}">
+                    <a16:rowId xmlns:a16="http://schemas.microsoft.com/office/drawing/2014/main" val="1186208757"/>
+                  </a:ext>
+                </a:extLst>
+              </a:tr>
+              <a:tr h="370840">
+                <a:tc>
+                  <a:txBody>
+                    <a:bodyPr/>
+                    <a:lstStyle/>
+                    <a:p>
+                      <a:pPr algn="ctr" latinLnBrk="1"/>
+                      <a:r>
+                        <a:rPr lang="en-US" altLang="ko-KR" dirty="0"/>
+                        <a:t>4</a:t>
+                      </a:r>
+                      <a:endParaRPr lang="ko-KR" altLang="en-US" dirty="0"/>
+                    </a:p>
+                  </a:txBody>
+                  <a:tcPr>
+                    <a:solidFill>
+                      <a:schemeClr val="bg1"/>
+                    </a:solidFill>
+                  </a:tcPr>
+                </a:tc>
+                <a:tc>
+                  <a:txBody>
+                    <a:bodyPr/>
+                    <a:lstStyle/>
+                    <a:p>
+                      <a:pPr algn="l" latinLnBrk="1"/>
+                      <a:r>
+                        <a:rPr lang="en-US" altLang="ko-KR" dirty="0"/>
+                        <a:t>421</a:t>
+                      </a:r>
+                      <a:endParaRPr lang="ko-KR" altLang="en-US" dirty="0"/>
+                    </a:p>
+                  </a:txBody>
+                  <a:tcPr>
+                    <a:solidFill>
+                      <a:schemeClr val="bg1"/>
+                    </a:solidFill>
+                  </a:tcPr>
+                </a:tc>
+                <a:extLst>
+                  <a:ext uri="{0D108BD9-81ED-4DB2-BD59-A6C34878D82A}">
+                    <a16:rowId xmlns:a16="http://schemas.microsoft.com/office/drawing/2014/main" val="2838049951"/>
+                  </a:ext>
+                </a:extLst>
+              </a:tr>
+              <a:tr h="370840">
+                <a:tc>
+                  <a:txBody>
+                    <a:bodyPr/>
+                    <a:lstStyle/>
+                    <a:p>
+                      <a:pPr algn="ctr" latinLnBrk="1"/>
+                      <a:r>
+                        <a:rPr lang="en-US" altLang="ko-KR" dirty="0"/>
+                        <a:t>5</a:t>
+                      </a:r>
+                      <a:endParaRPr lang="ko-KR" altLang="en-US" dirty="0"/>
+                    </a:p>
+                  </a:txBody>
+                  <a:tcPr>
+                    <a:solidFill>
+                      <a:schemeClr val="bg1"/>
+                    </a:solidFill>
+                  </a:tcPr>
+                </a:tc>
+                <a:tc>
+                  <a:txBody>
+                    <a:bodyPr/>
+                    <a:lstStyle/>
+                    <a:p>
+                      <a:pPr algn="l" latinLnBrk="1"/>
+                      <a:r>
+                        <a:rPr lang="en-US" altLang="ko-KR" dirty="0"/>
+                        <a:t>502,545</a:t>
+                      </a:r>
+                      <a:endParaRPr lang="ko-KR" altLang="en-US" dirty="0"/>
+                    </a:p>
+                  </a:txBody>
+                  <a:tcPr>
+                    <a:solidFill>
+                      <a:schemeClr val="bg1"/>
+                    </a:solidFill>
+                  </a:tcPr>
+                </a:tc>
+                <a:extLst>
+                  <a:ext uri="{0D108BD9-81ED-4DB2-BD59-A6C34878D82A}">
+                    <a16:rowId xmlns:a16="http://schemas.microsoft.com/office/drawing/2014/main" val="1209846721"/>
+                  </a:ext>
+                </a:extLst>
+              </a:tr>
+              <a:tr h="370840">
+                <a:tc>
+                  <a:txBody>
+                    <a:bodyPr/>
+                    <a:lstStyle/>
+                    <a:p>
+                      <a:pPr algn="ctr" latinLnBrk="1"/>
+                      <a:r>
+                        <a:rPr lang="en-US" altLang="ko-KR" dirty="0"/>
+                        <a:t>6</a:t>
+                      </a:r>
+                      <a:endParaRPr lang="ko-KR" altLang="en-US" dirty="0"/>
+                    </a:p>
+                  </a:txBody>
+                  <a:tcPr>
+                    <a:solidFill>
+                      <a:schemeClr val="bg1"/>
+                    </a:solidFill>
+                  </a:tcPr>
+                </a:tc>
+                <a:tc>
+                  <a:txBody>
+                    <a:bodyPr/>
+                    <a:lstStyle/>
+                    <a:p>
+                      <a:pPr algn="l" latinLnBrk="1"/>
+                      <a:r>
+                        <a:rPr lang="en-US" altLang="ko-KR" dirty="0"/>
+                        <a:t>674</a:t>
+                      </a:r>
+                      <a:endParaRPr lang="ko-KR" altLang="en-US" dirty="0"/>
+                    </a:p>
+                  </a:txBody>
+                  <a:tcPr>
+                    <a:solidFill>
+                      <a:schemeClr val="bg1"/>
+                    </a:solidFill>
+                  </a:tcPr>
+                </a:tc>
+                <a:extLst>
+                  <a:ext uri="{0D108BD9-81ED-4DB2-BD59-A6C34878D82A}">
+                    <a16:rowId xmlns:a16="http://schemas.microsoft.com/office/drawing/2014/main" val="3156838686"/>
+                  </a:ext>
+                </a:extLst>
+              </a:tr>
+              <a:tr h="370840">
+                <a:tc>
+                  <a:txBody>
+                    <a:bodyPr/>
+                    <a:lstStyle/>
+                    <a:p>
+                      <a:pPr algn="ctr" latinLnBrk="1"/>
+                      <a:r>
+                        <a:rPr lang="en-US" altLang="ko-KR" dirty="0"/>
+                        <a:t>7</a:t>
+                      </a:r>
+                      <a:endParaRPr lang="ko-KR" altLang="en-US" dirty="0"/>
+                    </a:p>
+                  </a:txBody>
+                  <a:tcPr>
+                    <a:solidFill>
+                      <a:schemeClr val="bg1"/>
+                    </a:solidFill>
+                  </a:tcPr>
+                </a:tc>
+                <a:tc>
+                  <a:txBody>
+                    <a:bodyPr/>
+                    <a:lstStyle/>
+                    <a:p>
+                      <a:pPr algn="l" latinLnBrk="1"/>
+                      <a:endParaRPr lang="ko-KR" altLang="en-US" dirty="0"/>
+                    </a:p>
+                  </a:txBody>
+                  <a:tcPr>
+                    <a:solidFill>
+                      <a:schemeClr val="bg1"/>
+                    </a:solidFill>
+                  </a:tcPr>
+                </a:tc>
+                <a:extLst>
+                  <a:ext uri="{0D108BD9-81ED-4DB2-BD59-A6C34878D82A}">
+                    <a16:rowId xmlns:a16="http://schemas.microsoft.com/office/drawing/2014/main" val="2312447118"/>
+                  </a:ext>
+                </a:extLst>
+              </a:tr>
+              <a:tr h="370840">
+                <a:tc>
+                  <a:txBody>
+                    <a:bodyPr/>
+                    <a:lstStyle/>
+                    <a:p>
+                      <a:pPr algn="ctr" latinLnBrk="1"/>
+                      <a:r>
+                        <a:rPr lang="en-US" altLang="ko-KR" dirty="0"/>
+                        <a:t>8</a:t>
+                      </a:r>
+                      <a:endParaRPr lang="ko-KR" altLang="en-US" dirty="0"/>
+                    </a:p>
+                  </a:txBody>
+                  <a:tcPr>
+                    <a:solidFill>
+                      <a:schemeClr val="bg1"/>
+                    </a:solidFill>
+                  </a:tcPr>
+                </a:tc>
+                <a:tc>
+                  <a:txBody>
+                    <a:bodyPr/>
+                    <a:lstStyle/>
+                    <a:p>
+                      <a:pPr algn="l" latinLnBrk="1"/>
+                      <a:endParaRPr lang="ko-KR" altLang="en-US" dirty="0"/>
+                    </a:p>
+                  </a:txBody>
+                  <a:tcPr>
+                    <a:solidFill>
+                      <a:schemeClr val="bg1"/>
+                    </a:solidFill>
+                  </a:tcPr>
+                </a:tc>
+                <a:extLst>
+                  <a:ext uri="{0D108BD9-81ED-4DB2-BD59-A6C34878D82A}">
+                    <a16:rowId xmlns:a16="http://schemas.microsoft.com/office/drawing/2014/main" val="631407617"/>
+                  </a:ext>
+                </a:extLst>
+              </a:tr>
+              <a:tr h="370840">
+                <a:tc>
+                  <a:txBody>
+                    <a:bodyPr/>
+                    <a:lstStyle/>
+                    <a:p>
+                      <a:pPr algn="ctr" latinLnBrk="1"/>
+                      <a:r>
+                        <a:rPr lang="en-US" altLang="ko-KR" dirty="0"/>
+                        <a:t>9</a:t>
+                      </a:r>
+                      <a:endParaRPr lang="ko-KR" altLang="en-US" dirty="0"/>
+                    </a:p>
+                  </a:txBody>
+                  <a:tcPr>
+                    <a:solidFill>
+                      <a:schemeClr val="bg1"/>
+                    </a:solidFill>
+                  </a:tcPr>
+                </a:tc>
+                <a:tc>
+                  <a:txBody>
+                    <a:bodyPr/>
+                    <a:lstStyle/>
+                    <a:p>
+                      <a:pPr algn="l" latinLnBrk="1"/>
+                      <a:endParaRPr lang="ko-KR" altLang="en-US" dirty="0"/>
+                    </a:p>
+                  </a:txBody>
+                  <a:tcPr>
+                    <a:solidFill>
+                      <a:schemeClr val="bg1"/>
+                    </a:solidFill>
+                  </a:tcPr>
+                </a:tc>
+                <a:extLst>
+                  <a:ext uri="{0D108BD9-81ED-4DB2-BD59-A6C34878D82A}">
+                    <a16:rowId xmlns:a16="http://schemas.microsoft.com/office/drawing/2014/main" val="866083130"/>
+                  </a:ext>
+                </a:extLst>
+              </a:tr>
+            </a:tbl>
+          </a:graphicData>
+        </a:graphic>
+      </p:graphicFrame>
+      <p:sp>
+        <p:nvSpPr>
+          <p:cNvPr id="13" name="화살표: 굽음 12">
+            <a:extLst>
+              <a:ext uri="{FF2B5EF4-FFF2-40B4-BE49-F238E27FC236}">
+                <a16:creationId xmlns:a16="http://schemas.microsoft.com/office/drawing/2014/main" id="{1C66EE62-B904-41FE-B729-03AC8803BB49}"/>
+              </a:ext>
+            </a:extLst>
+          </p:cNvPr>
+          <p:cNvSpPr/>
+          <p:nvPr/>
+        </p:nvSpPr>
+        <p:spPr>
+          <a:xfrm rot="5400000">
+            <a:off x="3329187" y="3342067"/>
+            <a:ext cx="1983346" cy="2228045"/>
+          </a:xfrm>
+          <a:prstGeom prst="bentArrow">
+            <a:avLst/>
+          </a:prstGeom>
+          <a:solidFill>
+            <a:schemeClr val="accent2"/>
+          </a:solidFill>
+        </p:spPr>
+        <p:style>
+          <a:lnRef idx="2">
+            <a:schemeClr val="accent1">
+              <a:shade val="50000"/>
+            </a:schemeClr>
+          </a:lnRef>
+          <a:fillRef idx="1">
+            <a:schemeClr val="accent1"/>
+          </a:fillRef>
+          <a:effectRef idx="0">
+            <a:schemeClr val="accent1"/>
+          </a:effectRef>
+          <a:fontRef idx="minor">
+            <a:schemeClr val="lt1"/>
+          </a:fontRef>
+        </p:style>
+        <p:txBody>
+          <a:bodyPr rtlCol="0" anchor="ctr"/>
+          <a:lstStyle/>
+          <a:p>
+            <a:pPr algn="ctr"/>
+            <a:endParaRPr lang="ko-KR" altLang="en-US">
+              <a:solidFill>
+                <a:schemeClr val="tx1"/>
+              </a:solidFill>
+            </a:endParaRPr>
+          </a:p>
+        </p:txBody>
+      </p:sp>
+      <p:sp>
+        <p:nvSpPr>
+          <p:cNvPr id="14" name="TextBox 13">
+            <a:extLst>
+              <a:ext uri="{FF2B5EF4-FFF2-40B4-BE49-F238E27FC236}">
+                <a16:creationId xmlns:a16="http://schemas.microsoft.com/office/drawing/2014/main" id="{B55A0D50-3A21-4938-B4A5-B4C8F6EB022E}"/>
+              </a:ext>
+            </a:extLst>
+          </p:cNvPr>
+          <p:cNvSpPr txBox="1"/>
+          <p:nvPr/>
+        </p:nvSpPr>
+        <p:spPr>
+          <a:xfrm>
+            <a:off x="5510346" y="3958864"/>
+            <a:ext cx="6189285" cy="1200329"/>
+          </a:xfrm>
+          <a:prstGeom prst="rect">
+            <a:avLst/>
+          </a:prstGeom>
+          <a:noFill/>
+        </p:spPr>
+        <p:txBody>
+          <a:bodyPr wrap="square" rtlCol="0">
+            <a:spAutoFit/>
+          </a:bodyPr>
+          <a:lstStyle/>
+          <a:p>
+            <a:r>
+              <a:rPr lang="ko-KR" altLang="en-US" sz="2400" dirty="0">
+                <a:solidFill>
+                  <a:schemeClr val="bg1"/>
+                </a:solidFill>
+              </a:rPr>
+              <a:t>각 값들을 차례로 추출하여 </a:t>
+            </a:r>
+            <a:r>
+              <a:rPr lang="en-US" altLang="ko-KR" sz="2400" dirty="0">
+                <a:solidFill>
+                  <a:schemeClr val="bg1"/>
+                </a:solidFill>
+              </a:rPr>
+              <a:t>1</a:t>
+            </a:r>
+            <a:r>
+              <a:rPr lang="ko-KR" altLang="en-US" sz="2400" dirty="0">
+                <a:solidFill>
+                  <a:schemeClr val="bg1"/>
+                </a:solidFill>
+              </a:rPr>
+              <a:t>차원 배열로</a:t>
+            </a:r>
+            <a:endParaRPr lang="en-US" altLang="ko-KR" sz="2400" dirty="0">
+              <a:solidFill>
+                <a:schemeClr val="bg1"/>
+              </a:solidFill>
+            </a:endParaRPr>
+          </a:p>
+          <a:p>
+            <a:r>
+              <a:rPr lang="ko-KR" altLang="en-US" sz="2400" dirty="0">
+                <a:solidFill>
+                  <a:schemeClr val="bg1"/>
+                </a:solidFill>
+              </a:rPr>
+              <a:t>다시 변환합니다</a:t>
+            </a:r>
+            <a:r>
+              <a:rPr lang="en-US" altLang="ko-KR" sz="2400" dirty="0">
+                <a:solidFill>
+                  <a:schemeClr val="bg1"/>
+                </a:solidFill>
+              </a:rPr>
+              <a:t>. 100</a:t>
+            </a:r>
+            <a:r>
+              <a:rPr lang="ko-KR" altLang="en-US" sz="2400" dirty="0">
+                <a:solidFill>
+                  <a:schemeClr val="bg1"/>
+                </a:solidFill>
+              </a:rPr>
+              <a:t>의 자리 수까지 끝냈음으로</a:t>
+            </a:r>
+            <a:r>
+              <a:rPr lang="en-US" altLang="ko-KR" sz="2400" dirty="0">
+                <a:solidFill>
+                  <a:schemeClr val="bg1"/>
+                </a:solidFill>
+              </a:rPr>
+              <a:t>, </a:t>
+            </a:r>
+            <a:r>
+              <a:rPr lang="ko-KR" altLang="en-US" sz="2400" dirty="0">
+                <a:solidFill>
+                  <a:schemeClr val="bg1"/>
+                </a:solidFill>
+              </a:rPr>
+              <a:t>기수 정렬의 프로세스는 끝입니다</a:t>
+            </a:r>
+            <a:r>
+              <a:rPr lang="en-US" altLang="ko-KR" sz="2400" dirty="0">
+                <a:solidFill>
+                  <a:schemeClr val="bg1"/>
+                </a:solidFill>
+              </a:rPr>
+              <a:t>.</a:t>
+            </a:r>
+            <a:endParaRPr lang="ko-KR" altLang="en-US" sz="2400" dirty="0">
+              <a:solidFill>
+                <a:schemeClr val="bg1"/>
+              </a:solidFill>
+            </a:endParaRPr>
+          </a:p>
+        </p:txBody>
+      </p:sp>
+      <p:graphicFrame>
+        <p:nvGraphicFramePr>
+          <p:cNvPr id="10" name="표 2">
+            <a:extLst>
+              <a:ext uri="{FF2B5EF4-FFF2-40B4-BE49-F238E27FC236}">
+                <a16:creationId xmlns:a16="http://schemas.microsoft.com/office/drawing/2014/main" id="{6F4D72F4-3144-434C-9E7C-9BF3E0BF74CA}"/>
+              </a:ext>
+            </a:extLst>
+          </p:cNvPr>
+          <p:cNvGraphicFramePr>
+            <a:graphicFrameLocks noGrp="1"/>
+          </p:cNvGraphicFramePr>
+          <p:nvPr>
+            <p:extLst>
+              <p:ext uri="{D42A27DB-BD31-4B8C-83A1-F6EECF244321}">
+                <p14:modId xmlns:p14="http://schemas.microsoft.com/office/powerpoint/2010/main" val="479516144"/>
+              </p:ext>
+            </p:extLst>
+          </p:nvPr>
+        </p:nvGraphicFramePr>
+        <p:xfrm>
+          <a:off x="1165896" y="436808"/>
+          <a:ext cx="9005190" cy="370840"/>
+        </p:xfrm>
+        <a:graphic>
+          <a:graphicData uri="http://schemas.openxmlformats.org/drawingml/2006/table">
+            <a:tbl>
+              <a:tblPr firstRow="1" bandRow="1">
+                <a:tableStyleId>{5940675A-B579-460E-94D1-54222C63F5DA}</a:tableStyleId>
+              </a:tblPr>
+              <a:tblGrid>
+                <a:gridCol w="900519">
+                  <a:extLst>
+                    <a:ext uri="{9D8B030D-6E8A-4147-A177-3AD203B41FA5}">
+                      <a16:colId xmlns:a16="http://schemas.microsoft.com/office/drawing/2014/main" val="1111750069"/>
+                    </a:ext>
+                  </a:extLst>
+                </a:gridCol>
+                <a:gridCol w="900519">
+                  <a:extLst>
+                    <a:ext uri="{9D8B030D-6E8A-4147-A177-3AD203B41FA5}">
+                      <a16:colId xmlns:a16="http://schemas.microsoft.com/office/drawing/2014/main" val="4199686683"/>
+                    </a:ext>
+                  </a:extLst>
+                </a:gridCol>
+                <a:gridCol w="900519">
+                  <a:extLst>
+                    <a:ext uri="{9D8B030D-6E8A-4147-A177-3AD203B41FA5}">
+                      <a16:colId xmlns:a16="http://schemas.microsoft.com/office/drawing/2014/main" val="1792932146"/>
+                    </a:ext>
+                  </a:extLst>
+                </a:gridCol>
+                <a:gridCol w="900519">
+                  <a:extLst>
+                    <a:ext uri="{9D8B030D-6E8A-4147-A177-3AD203B41FA5}">
+                      <a16:colId xmlns:a16="http://schemas.microsoft.com/office/drawing/2014/main" val="3953650893"/>
+                    </a:ext>
+                  </a:extLst>
+                </a:gridCol>
+                <a:gridCol w="900519">
+                  <a:extLst>
+                    <a:ext uri="{9D8B030D-6E8A-4147-A177-3AD203B41FA5}">
+                      <a16:colId xmlns:a16="http://schemas.microsoft.com/office/drawing/2014/main" val="2940294936"/>
+                    </a:ext>
+                  </a:extLst>
+                </a:gridCol>
+                <a:gridCol w="900519">
+                  <a:extLst>
+                    <a:ext uri="{9D8B030D-6E8A-4147-A177-3AD203B41FA5}">
+                      <a16:colId xmlns:a16="http://schemas.microsoft.com/office/drawing/2014/main" val="800430656"/>
+                    </a:ext>
+                  </a:extLst>
+                </a:gridCol>
+                <a:gridCol w="900519">
+                  <a:extLst>
+                    <a:ext uri="{9D8B030D-6E8A-4147-A177-3AD203B41FA5}">
+                      <a16:colId xmlns:a16="http://schemas.microsoft.com/office/drawing/2014/main" val="2236811984"/>
+                    </a:ext>
+                  </a:extLst>
+                </a:gridCol>
+                <a:gridCol w="900519">
+                  <a:extLst>
+                    <a:ext uri="{9D8B030D-6E8A-4147-A177-3AD203B41FA5}">
+                      <a16:colId xmlns:a16="http://schemas.microsoft.com/office/drawing/2014/main" val="155834178"/>
+                    </a:ext>
+                  </a:extLst>
+                </a:gridCol>
+                <a:gridCol w="900519">
+                  <a:extLst>
+                    <a:ext uri="{9D8B030D-6E8A-4147-A177-3AD203B41FA5}">
+                      <a16:colId xmlns:a16="http://schemas.microsoft.com/office/drawing/2014/main" val="4066905350"/>
+                    </a:ext>
+                  </a:extLst>
+                </a:gridCol>
+                <a:gridCol w="900519">
+                  <a:extLst>
+                    <a:ext uri="{9D8B030D-6E8A-4147-A177-3AD203B41FA5}">
+                      <a16:colId xmlns:a16="http://schemas.microsoft.com/office/drawing/2014/main" val="3747683656"/>
+                    </a:ext>
+                  </a:extLst>
+                </a:gridCol>
+              </a:tblGrid>
+              <a:tr h="370840">
+                <a:tc>
+                  <a:txBody>
+                    <a:bodyPr/>
+                    <a:lstStyle/>
+                    <a:p>
+                      <a:pPr algn="ctr" latinLnBrk="1"/>
+                      <a:r>
+                        <a:rPr lang="en-US" altLang="ko-KR" dirty="0"/>
+                        <a:t>100</a:t>
+                      </a:r>
+                      <a:endParaRPr lang="ko-KR" altLang="en-US" dirty="0"/>
+                    </a:p>
+                  </a:txBody>
+                  <a:tcPr anchor="ctr">
+                    <a:solidFill>
+                      <a:schemeClr val="bg1"/>
+                    </a:solidFill>
+                  </a:tcPr>
+                </a:tc>
+                <a:tc>
+                  <a:txBody>
+                    <a:bodyPr/>
+                    <a:lstStyle/>
+                    <a:p>
+                      <a:pPr algn="ctr" latinLnBrk="1"/>
+                      <a:r>
+                        <a:rPr lang="en-US" altLang="ko-KR" dirty="0"/>
+                        <a:t>502</a:t>
+                      </a:r>
+                      <a:endParaRPr lang="ko-KR" altLang="en-US" dirty="0"/>
+                    </a:p>
+                  </a:txBody>
+                  <a:tcPr anchor="ctr">
+                    <a:solidFill>
+                      <a:schemeClr val="bg1"/>
+                    </a:solidFill>
+                  </a:tcPr>
+                </a:tc>
+                <a:tc>
+                  <a:txBody>
+                    <a:bodyPr/>
+                    <a:lstStyle/>
+                    <a:p>
+                      <a:pPr algn="ctr" latinLnBrk="1"/>
+                      <a:r>
+                        <a:rPr lang="en-US" altLang="ko-KR" dirty="0"/>
+                        <a:t>103</a:t>
+                      </a:r>
+                      <a:endParaRPr lang="ko-KR" altLang="en-US" dirty="0"/>
+                    </a:p>
+                  </a:txBody>
+                  <a:tcPr anchor="ctr">
+                    <a:solidFill>
+                      <a:schemeClr val="bg1"/>
+                    </a:solidFill>
+                  </a:tcPr>
+                </a:tc>
+                <a:tc>
+                  <a:txBody>
+                    <a:bodyPr/>
+                    <a:lstStyle/>
+                    <a:p>
+                      <a:pPr algn="ctr" latinLnBrk="1"/>
+                      <a:r>
+                        <a:rPr lang="en-US" altLang="ko-KR" dirty="0"/>
+                        <a:t>007</a:t>
+                      </a:r>
+                      <a:endParaRPr lang="ko-KR" altLang="en-US" dirty="0"/>
+                    </a:p>
+                  </a:txBody>
+                  <a:tcPr anchor="ctr">
+                    <a:solidFill>
+                      <a:schemeClr val="bg1"/>
+                    </a:solidFill>
+                  </a:tcPr>
+                </a:tc>
+                <a:tc>
+                  <a:txBody>
+                    <a:bodyPr/>
+                    <a:lstStyle/>
+                    <a:p>
+                      <a:pPr algn="ctr" latinLnBrk="1"/>
+                      <a:r>
+                        <a:rPr lang="en-US" altLang="ko-KR" dirty="0"/>
+                        <a:t>012</a:t>
+                      </a:r>
+                      <a:endParaRPr lang="ko-KR" altLang="en-US" dirty="0"/>
+                    </a:p>
+                  </a:txBody>
+                  <a:tcPr anchor="ctr">
+                    <a:solidFill>
+                      <a:schemeClr val="bg1"/>
+                    </a:solidFill>
+                  </a:tcPr>
+                </a:tc>
+                <a:tc>
+                  <a:txBody>
+                    <a:bodyPr/>
+                    <a:lstStyle/>
+                    <a:p>
+                      <a:pPr algn="ctr" latinLnBrk="1"/>
+                      <a:r>
+                        <a:rPr lang="en-US" altLang="ko-KR" dirty="0"/>
+                        <a:t>421</a:t>
+                      </a:r>
+                      <a:endParaRPr lang="ko-KR" altLang="en-US" dirty="0"/>
+                    </a:p>
+                  </a:txBody>
+                  <a:tcPr anchor="ctr">
+                    <a:solidFill>
+                      <a:schemeClr val="bg1"/>
+                    </a:solidFill>
+                  </a:tcPr>
+                </a:tc>
+                <a:tc>
+                  <a:txBody>
+                    <a:bodyPr/>
+                    <a:lstStyle/>
+                    <a:p>
+                      <a:pPr algn="ctr" latinLnBrk="1"/>
+                      <a:r>
+                        <a:rPr lang="en-US" altLang="ko-KR" dirty="0"/>
+                        <a:t>021</a:t>
+                      </a:r>
+                      <a:endParaRPr lang="ko-KR" altLang="en-US" dirty="0"/>
+                    </a:p>
+                  </a:txBody>
+                  <a:tcPr anchor="ctr">
+                    <a:solidFill>
+                      <a:schemeClr val="bg1"/>
+                    </a:solidFill>
+                  </a:tcPr>
+                </a:tc>
+                <a:tc>
+                  <a:txBody>
+                    <a:bodyPr/>
+                    <a:lstStyle/>
+                    <a:p>
+                      <a:pPr algn="ctr" latinLnBrk="1"/>
+                      <a:r>
+                        <a:rPr lang="en-US" altLang="ko-KR" dirty="0"/>
+                        <a:t>545</a:t>
+                      </a:r>
+                      <a:endParaRPr lang="ko-KR" altLang="en-US" dirty="0"/>
+                    </a:p>
+                  </a:txBody>
+                  <a:tcPr anchor="ctr">
+                    <a:solidFill>
+                      <a:schemeClr val="bg1"/>
+                    </a:solidFill>
+                  </a:tcPr>
+                </a:tc>
+                <a:tc>
+                  <a:txBody>
+                    <a:bodyPr/>
+                    <a:lstStyle/>
+                    <a:p>
+                      <a:pPr algn="ctr" latinLnBrk="1"/>
+                      <a:r>
+                        <a:rPr lang="en-US" altLang="ko-KR" dirty="0"/>
+                        <a:t>046</a:t>
+                      </a:r>
+                      <a:endParaRPr lang="ko-KR" altLang="en-US" dirty="0"/>
+                    </a:p>
+                  </a:txBody>
+                  <a:tcPr anchor="ctr">
+                    <a:solidFill>
+                      <a:schemeClr val="bg1"/>
+                    </a:solidFill>
+                  </a:tcPr>
+                </a:tc>
+                <a:tc>
+                  <a:txBody>
+                    <a:bodyPr/>
+                    <a:lstStyle/>
+                    <a:p>
+                      <a:pPr algn="ctr" latinLnBrk="1"/>
+                      <a:r>
+                        <a:rPr lang="en-US" altLang="ko-KR" dirty="0"/>
+                        <a:t>674</a:t>
+                      </a:r>
+                      <a:endParaRPr lang="ko-KR" altLang="en-US" dirty="0"/>
+                    </a:p>
+                  </a:txBody>
+                  <a:tcPr anchor="ctr">
+                    <a:solidFill>
+                      <a:schemeClr val="bg1"/>
+                    </a:solidFill>
+                  </a:tcPr>
+                </a:tc>
+                <a:extLst>
+                  <a:ext uri="{0D108BD9-81ED-4DB2-BD59-A6C34878D82A}">
+                    <a16:rowId xmlns:a16="http://schemas.microsoft.com/office/drawing/2014/main" val="758684597"/>
+                  </a:ext>
+                </a:extLst>
+              </a:tr>
+            </a:tbl>
+          </a:graphicData>
+        </a:graphic>
+      </p:graphicFrame>
+      <p:graphicFrame>
+        <p:nvGraphicFramePr>
+          <p:cNvPr id="9" name="표 2">
+            <a:extLst>
+              <a:ext uri="{FF2B5EF4-FFF2-40B4-BE49-F238E27FC236}">
+                <a16:creationId xmlns:a16="http://schemas.microsoft.com/office/drawing/2014/main" id="{5E5CB8A1-1536-4ADC-B208-11A7647858DA}"/>
+              </a:ext>
+            </a:extLst>
+          </p:cNvPr>
+          <p:cNvGraphicFramePr>
+            <a:graphicFrameLocks noGrp="1"/>
+          </p:cNvGraphicFramePr>
+          <p:nvPr>
+            <p:extLst>
+              <p:ext uri="{D42A27DB-BD31-4B8C-83A1-F6EECF244321}">
+                <p14:modId xmlns:p14="http://schemas.microsoft.com/office/powerpoint/2010/main" val="3993671839"/>
+              </p:ext>
+            </p:extLst>
+          </p:nvPr>
+        </p:nvGraphicFramePr>
+        <p:xfrm>
+          <a:off x="3101376" y="5686988"/>
+          <a:ext cx="9005190" cy="370840"/>
+        </p:xfrm>
+        <a:graphic>
+          <a:graphicData uri="http://schemas.openxmlformats.org/drawingml/2006/table">
+            <a:tbl>
+              <a:tblPr firstRow="1" bandRow="1">
+                <a:tableStyleId>{5940675A-B579-460E-94D1-54222C63F5DA}</a:tableStyleId>
+              </a:tblPr>
+              <a:tblGrid>
+                <a:gridCol w="900519">
+                  <a:extLst>
+                    <a:ext uri="{9D8B030D-6E8A-4147-A177-3AD203B41FA5}">
+                      <a16:colId xmlns:a16="http://schemas.microsoft.com/office/drawing/2014/main" val="1111750069"/>
+                    </a:ext>
+                  </a:extLst>
+                </a:gridCol>
+                <a:gridCol w="900519">
+                  <a:extLst>
+                    <a:ext uri="{9D8B030D-6E8A-4147-A177-3AD203B41FA5}">
+                      <a16:colId xmlns:a16="http://schemas.microsoft.com/office/drawing/2014/main" val="4199686683"/>
+                    </a:ext>
+                  </a:extLst>
+                </a:gridCol>
+                <a:gridCol w="900519">
+                  <a:extLst>
+                    <a:ext uri="{9D8B030D-6E8A-4147-A177-3AD203B41FA5}">
+                      <a16:colId xmlns:a16="http://schemas.microsoft.com/office/drawing/2014/main" val="1792932146"/>
+                    </a:ext>
+                  </a:extLst>
+                </a:gridCol>
+                <a:gridCol w="900519">
+                  <a:extLst>
+                    <a:ext uri="{9D8B030D-6E8A-4147-A177-3AD203B41FA5}">
+                      <a16:colId xmlns:a16="http://schemas.microsoft.com/office/drawing/2014/main" val="3953650893"/>
+                    </a:ext>
+                  </a:extLst>
+                </a:gridCol>
+                <a:gridCol w="900519">
+                  <a:extLst>
+                    <a:ext uri="{9D8B030D-6E8A-4147-A177-3AD203B41FA5}">
+                      <a16:colId xmlns:a16="http://schemas.microsoft.com/office/drawing/2014/main" val="2940294936"/>
+                    </a:ext>
+                  </a:extLst>
+                </a:gridCol>
+                <a:gridCol w="900519">
+                  <a:extLst>
+                    <a:ext uri="{9D8B030D-6E8A-4147-A177-3AD203B41FA5}">
+                      <a16:colId xmlns:a16="http://schemas.microsoft.com/office/drawing/2014/main" val="800430656"/>
+                    </a:ext>
+                  </a:extLst>
+                </a:gridCol>
+                <a:gridCol w="900519">
+                  <a:extLst>
+                    <a:ext uri="{9D8B030D-6E8A-4147-A177-3AD203B41FA5}">
+                      <a16:colId xmlns:a16="http://schemas.microsoft.com/office/drawing/2014/main" val="2236811984"/>
+                    </a:ext>
+                  </a:extLst>
+                </a:gridCol>
+                <a:gridCol w="900519">
+                  <a:extLst>
+                    <a:ext uri="{9D8B030D-6E8A-4147-A177-3AD203B41FA5}">
+                      <a16:colId xmlns:a16="http://schemas.microsoft.com/office/drawing/2014/main" val="155834178"/>
+                    </a:ext>
+                  </a:extLst>
+                </a:gridCol>
+                <a:gridCol w="900519">
+                  <a:extLst>
+                    <a:ext uri="{9D8B030D-6E8A-4147-A177-3AD203B41FA5}">
+                      <a16:colId xmlns:a16="http://schemas.microsoft.com/office/drawing/2014/main" val="4066905350"/>
+                    </a:ext>
+                  </a:extLst>
+                </a:gridCol>
+                <a:gridCol w="900519">
+                  <a:extLst>
+                    <a:ext uri="{9D8B030D-6E8A-4147-A177-3AD203B41FA5}">
+                      <a16:colId xmlns:a16="http://schemas.microsoft.com/office/drawing/2014/main" val="3747683656"/>
+                    </a:ext>
+                  </a:extLst>
+                </a:gridCol>
+              </a:tblGrid>
+              <a:tr h="370840">
+                <a:tc>
+                  <a:txBody>
+                    <a:bodyPr/>
+                    <a:lstStyle/>
+                    <a:p>
+                      <a:pPr algn="ctr" latinLnBrk="1"/>
+                      <a:r>
+                        <a:rPr lang="en-US" altLang="ko-KR" dirty="0"/>
+                        <a:t>007</a:t>
+                      </a:r>
+                      <a:endParaRPr lang="ko-KR" altLang="en-US" dirty="0"/>
+                    </a:p>
+                  </a:txBody>
+                  <a:tcPr anchor="ctr">
+                    <a:solidFill>
+                      <a:schemeClr val="bg1"/>
+                    </a:solidFill>
+                  </a:tcPr>
+                </a:tc>
+                <a:tc>
+                  <a:txBody>
+                    <a:bodyPr/>
+                    <a:lstStyle/>
+                    <a:p>
+                      <a:pPr algn="ctr" latinLnBrk="1"/>
+                      <a:r>
+                        <a:rPr lang="en-US" altLang="ko-KR" dirty="0"/>
+                        <a:t>012</a:t>
+                      </a:r>
+                      <a:endParaRPr lang="ko-KR" altLang="en-US" dirty="0"/>
+                    </a:p>
+                  </a:txBody>
+                  <a:tcPr anchor="ctr">
+                    <a:solidFill>
+                      <a:schemeClr val="bg1"/>
+                    </a:solidFill>
+                  </a:tcPr>
+                </a:tc>
+                <a:tc>
+                  <a:txBody>
+                    <a:bodyPr/>
+                    <a:lstStyle/>
+                    <a:p>
+                      <a:pPr algn="ctr" latinLnBrk="1"/>
+                      <a:r>
+                        <a:rPr lang="en-US" altLang="ko-KR" dirty="0"/>
+                        <a:t>021</a:t>
+                      </a:r>
+                      <a:endParaRPr lang="ko-KR" altLang="en-US" dirty="0"/>
+                    </a:p>
+                  </a:txBody>
+                  <a:tcPr anchor="ctr">
+                    <a:solidFill>
+                      <a:schemeClr val="bg1"/>
+                    </a:solidFill>
+                  </a:tcPr>
+                </a:tc>
+                <a:tc>
+                  <a:txBody>
+                    <a:bodyPr/>
+                    <a:lstStyle/>
+                    <a:p>
+                      <a:pPr algn="ctr" latinLnBrk="1"/>
+                      <a:r>
+                        <a:rPr lang="en-US" altLang="ko-KR" dirty="0"/>
+                        <a:t>046</a:t>
+                      </a:r>
+                      <a:endParaRPr lang="ko-KR" altLang="en-US" dirty="0"/>
+                    </a:p>
+                  </a:txBody>
+                  <a:tcPr anchor="ctr">
+                    <a:solidFill>
+                      <a:schemeClr val="bg1"/>
+                    </a:solidFill>
+                  </a:tcPr>
+                </a:tc>
+                <a:tc>
+                  <a:txBody>
+                    <a:bodyPr/>
+                    <a:lstStyle/>
+                    <a:p>
+                      <a:pPr algn="ctr" latinLnBrk="1"/>
+                      <a:r>
+                        <a:rPr lang="en-US" altLang="ko-KR" dirty="0"/>
+                        <a:t>100</a:t>
+                      </a:r>
+                      <a:endParaRPr lang="ko-KR" altLang="en-US" dirty="0"/>
+                    </a:p>
+                  </a:txBody>
+                  <a:tcPr anchor="ctr">
+                    <a:solidFill>
+                      <a:schemeClr val="bg1"/>
+                    </a:solidFill>
+                  </a:tcPr>
+                </a:tc>
+                <a:tc>
+                  <a:txBody>
+                    <a:bodyPr/>
+                    <a:lstStyle/>
+                    <a:p>
+                      <a:pPr algn="ctr" latinLnBrk="1"/>
+                      <a:r>
+                        <a:rPr lang="en-US" altLang="ko-KR" dirty="0"/>
+                        <a:t>103</a:t>
+                      </a:r>
+                      <a:endParaRPr lang="ko-KR" altLang="en-US" dirty="0"/>
+                    </a:p>
+                  </a:txBody>
+                  <a:tcPr anchor="ctr">
+                    <a:solidFill>
+                      <a:schemeClr val="bg1"/>
+                    </a:solidFill>
+                  </a:tcPr>
+                </a:tc>
+                <a:tc>
+                  <a:txBody>
+                    <a:bodyPr/>
+                    <a:lstStyle/>
+                    <a:p>
+                      <a:pPr algn="ctr" latinLnBrk="1"/>
+                      <a:r>
+                        <a:rPr lang="en-US" altLang="ko-KR" dirty="0"/>
+                        <a:t>421</a:t>
+                      </a:r>
+                      <a:endParaRPr lang="ko-KR" altLang="en-US" dirty="0"/>
+                    </a:p>
+                  </a:txBody>
+                  <a:tcPr anchor="ctr">
+                    <a:solidFill>
+                      <a:schemeClr val="bg1"/>
+                    </a:solidFill>
+                  </a:tcPr>
+                </a:tc>
+                <a:tc>
+                  <a:txBody>
+                    <a:bodyPr/>
+                    <a:lstStyle/>
+                    <a:p>
+                      <a:pPr algn="ctr" latinLnBrk="1"/>
+                      <a:r>
+                        <a:rPr lang="en-US" altLang="ko-KR" dirty="0"/>
+                        <a:t>502</a:t>
+                      </a:r>
+                      <a:endParaRPr lang="ko-KR" altLang="en-US" dirty="0"/>
+                    </a:p>
+                  </a:txBody>
+                  <a:tcPr anchor="ctr">
+                    <a:solidFill>
+                      <a:schemeClr val="bg1"/>
+                    </a:solidFill>
+                  </a:tcPr>
+                </a:tc>
+                <a:tc>
+                  <a:txBody>
+                    <a:bodyPr/>
+                    <a:lstStyle/>
+                    <a:p>
+                      <a:pPr algn="ctr" latinLnBrk="1"/>
+                      <a:r>
+                        <a:rPr lang="en-US" altLang="ko-KR" dirty="0"/>
+                        <a:t>545</a:t>
+                      </a:r>
+                      <a:endParaRPr lang="ko-KR" altLang="en-US" dirty="0"/>
+                    </a:p>
+                  </a:txBody>
+                  <a:tcPr anchor="ctr">
+                    <a:solidFill>
+                      <a:schemeClr val="bg1"/>
+                    </a:solidFill>
+                  </a:tcPr>
+                </a:tc>
+                <a:tc>
+                  <a:txBody>
+                    <a:bodyPr/>
+                    <a:lstStyle/>
+                    <a:p>
+                      <a:pPr algn="ctr" latinLnBrk="1"/>
+                      <a:r>
+                        <a:rPr lang="en-US" altLang="ko-KR" dirty="0"/>
+                        <a:t>674</a:t>
+                      </a:r>
+                      <a:endParaRPr lang="ko-KR" altLang="en-US" dirty="0"/>
+                    </a:p>
+                  </a:txBody>
+                  <a:tcPr anchor="ctr">
+                    <a:solidFill>
+                      <a:schemeClr val="bg1"/>
+                    </a:solidFill>
+                  </a:tcPr>
+                </a:tc>
+                <a:extLst>
+                  <a:ext uri="{0D108BD9-81ED-4DB2-BD59-A6C34878D82A}">
+                    <a16:rowId xmlns:a16="http://schemas.microsoft.com/office/drawing/2014/main" val="758684597"/>
+                  </a:ext>
+                </a:extLst>
+              </a:tr>
+            </a:tbl>
+          </a:graphicData>
+        </a:graphic>
+      </p:graphicFrame>
+    </p:spTree>
+    <p:extLst>
+      <p:ext uri="{BB962C8B-B14F-4D97-AF65-F5344CB8AC3E}">
+        <p14:creationId xmlns:p14="http://schemas.microsoft.com/office/powerpoint/2010/main" val="2776477876"/>
+      </p:ext>
+    </p:extLst>
+  </p:cSld>
+  <p:clrMapOvr>
+    <a:masterClrMapping/>
+  </p:clrMapOvr>
+</p:sld>
+</file>
+
+<file path=ppt/slides/slide8.xml><?xml version="1.0" encoding="utf-8"?>
+<p:sld xmlns:a="http://schemas.openxmlformats.org/drawingml/2006/main" xmlns:r="http://schemas.openxmlformats.org/officeDocument/2006/relationships" xmlns:p="http://schemas.openxmlformats.org/presentationml/2006/main">
+  <p:cSld>
+    <p:bg>
+      <p:bgPr>
+        <a:solidFill>
+          <a:schemeClr val="tx2">
+            <a:lumMod val="50000"/>
+          </a:schemeClr>
+        </a:solidFill>
+        <a:effectLst/>
+      </p:bgPr>
+    </p:bg>
+    <p:spTree>
+      <p:nvGrpSpPr>
+        <p:cNvPr id="1" name=""/>
+        <p:cNvGrpSpPr/>
+        <p:nvPr/>
+      </p:nvGrpSpPr>
+      <p:grpSpPr>
+        <a:xfrm>
+          <a:off x="0" y="0"/>
+          <a:ext cx="0" cy="0"/>
+          <a:chOff x="0" y="0"/>
+          <a:chExt cx="0" cy="0"/>
+        </a:xfrm>
+      </p:grpSpPr>
+      <p:sp>
+        <p:nvSpPr>
+          <p:cNvPr id="8" name="TextBox 7">
+            <a:extLst>
+              <a:ext uri="{FF2B5EF4-FFF2-40B4-BE49-F238E27FC236}">
+                <a16:creationId xmlns:a16="http://schemas.microsoft.com/office/drawing/2014/main" id="{29502E64-88A9-4A04-B5C1-06896AD6C5C8}"/>
+              </a:ext>
+            </a:extLst>
+          </p:cNvPr>
+          <p:cNvSpPr txBox="1"/>
+          <p:nvPr/>
+        </p:nvSpPr>
+        <p:spPr>
+          <a:xfrm>
+            <a:off x="2860089" y="1467179"/>
+            <a:ext cx="10816392" cy="461665"/>
+          </a:xfrm>
+          <a:prstGeom prst="rect">
+            <a:avLst/>
+          </a:prstGeom>
+          <a:noFill/>
+        </p:spPr>
+        <p:txBody>
+          <a:bodyPr wrap="square" rtlCol="0">
+            <a:spAutoFit/>
+          </a:bodyPr>
+          <a:lstStyle/>
+          <a:p>
+            <a:r>
+              <a:rPr lang="en-US" altLang="ko-KR" sz="2400" dirty="0">
+                <a:solidFill>
+                  <a:schemeClr val="bg1"/>
+                </a:solidFill>
+              </a:rPr>
+              <a:t>100</a:t>
+            </a:r>
+            <a:r>
+              <a:rPr lang="ko-KR" altLang="en-US" sz="2400" dirty="0">
+                <a:solidFill>
+                  <a:schemeClr val="bg1"/>
+                </a:solidFill>
+              </a:rPr>
+              <a:t>의 자리부터 넣어봅니다</a:t>
+            </a:r>
+            <a:r>
+              <a:rPr lang="en-US" altLang="ko-KR" sz="2400" dirty="0">
+                <a:solidFill>
+                  <a:schemeClr val="bg1"/>
+                </a:solidFill>
+              </a:rPr>
+              <a:t>.</a:t>
+            </a:r>
+          </a:p>
+        </p:txBody>
+      </p:sp>
+      <p:sp>
+        <p:nvSpPr>
+          <p:cNvPr id="3" name="화살표: 아래쪽 2">
+            <a:extLst>
+              <a:ext uri="{FF2B5EF4-FFF2-40B4-BE49-F238E27FC236}">
+                <a16:creationId xmlns:a16="http://schemas.microsoft.com/office/drawing/2014/main" id="{29DB293D-1BAA-4155-BF2A-8E8D6B36B7EB}"/>
+              </a:ext>
+            </a:extLst>
+          </p:cNvPr>
+          <p:cNvSpPr/>
+          <p:nvPr/>
+        </p:nvSpPr>
+        <p:spPr>
+          <a:xfrm>
+            <a:off x="1867437" y="1058655"/>
+            <a:ext cx="862884" cy="1509554"/>
+          </a:xfrm>
+          <a:prstGeom prst="downArrow">
+            <a:avLst/>
+          </a:prstGeom>
+          <a:solidFill>
+            <a:schemeClr val="accent2"/>
+          </a:solidFill>
+        </p:spPr>
+        <p:style>
+          <a:lnRef idx="2">
+            <a:schemeClr val="accent1">
+              <a:shade val="50000"/>
+            </a:schemeClr>
+          </a:lnRef>
+          <a:fillRef idx="1">
+            <a:schemeClr val="accent1"/>
+          </a:fillRef>
+          <a:effectRef idx="0">
+            <a:schemeClr val="accent1"/>
+          </a:effectRef>
+          <a:fontRef idx="minor">
+            <a:schemeClr val="lt1"/>
+          </a:fontRef>
+        </p:style>
+        <p:txBody>
+          <a:bodyPr rtlCol="0" anchor="ctr"/>
+          <a:lstStyle/>
+          <a:p>
+            <a:pPr algn="ctr"/>
+            <a:endParaRPr lang="ko-KR" altLang="en-US" b="1">
+              <a:ln w="22225">
+                <a:solidFill>
+                  <a:schemeClr val="accent2"/>
+                </a:solidFill>
+                <a:prstDash val="solid"/>
+              </a:ln>
+              <a:solidFill>
+                <a:schemeClr val="accent2">
+                  <a:lumMod val="40000"/>
+                  <a:lumOff val="60000"/>
+                </a:schemeClr>
+              </a:solidFill>
+            </a:endParaRPr>
+          </a:p>
+        </p:txBody>
+      </p:sp>
+      <p:graphicFrame>
+        <p:nvGraphicFramePr>
+          <p:cNvPr id="5" name="표 10">
+            <a:extLst>
+              <a:ext uri="{FF2B5EF4-FFF2-40B4-BE49-F238E27FC236}">
+                <a16:creationId xmlns:a16="http://schemas.microsoft.com/office/drawing/2014/main" id="{4BD79811-D47D-4242-9392-FE0949834F75}"/>
+              </a:ext>
+            </a:extLst>
+          </p:cNvPr>
+          <p:cNvGraphicFramePr>
+            <a:graphicFrameLocks noGrp="1"/>
+          </p:cNvGraphicFramePr>
+          <p:nvPr>
+            <p:extLst>
+              <p:ext uri="{D42A27DB-BD31-4B8C-83A1-F6EECF244321}">
+                <p14:modId xmlns:p14="http://schemas.microsoft.com/office/powerpoint/2010/main" val="3615185946"/>
+              </p:ext>
+            </p:extLst>
+          </p:nvPr>
+        </p:nvGraphicFramePr>
+        <p:xfrm>
+          <a:off x="795631" y="2739235"/>
+          <a:ext cx="2102115" cy="3708400"/>
+        </p:xfrm>
+        <a:graphic>
+          <a:graphicData uri="http://schemas.openxmlformats.org/drawingml/2006/table">
+            <a:tbl>
+              <a:tblPr firstRow="1" bandRow="1">
+                <a:tableStyleId>{5940675A-B579-460E-94D1-54222C63F5DA}</a:tableStyleId>
+              </a:tblPr>
+              <a:tblGrid>
+                <a:gridCol w="530893">
+                  <a:extLst>
+                    <a:ext uri="{9D8B030D-6E8A-4147-A177-3AD203B41FA5}">
+                      <a16:colId xmlns:a16="http://schemas.microsoft.com/office/drawing/2014/main" val="3846829557"/>
+                    </a:ext>
+                  </a:extLst>
+                </a:gridCol>
+                <a:gridCol w="1571222">
+                  <a:extLst>
+                    <a:ext uri="{9D8B030D-6E8A-4147-A177-3AD203B41FA5}">
+                      <a16:colId xmlns:a16="http://schemas.microsoft.com/office/drawing/2014/main" val="3056547237"/>
+                    </a:ext>
+                  </a:extLst>
+                </a:gridCol>
+              </a:tblGrid>
+              <a:tr h="370840">
+                <a:tc>
+                  <a:txBody>
+                    <a:bodyPr/>
+                    <a:lstStyle/>
+                    <a:p>
+                      <a:pPr algn="ctr" latinLnBrk="1"/>
+                      <a:r>
+                        <a:rPr lang="en-US" altLang="ko-KR" dirty="0"/>
+                        <a:t>0</a:t>
+                      </a:r>
+                      <a:endParaRPr lang="ko-KR" altLang="en-US" dirty="0"/>
+                    </a:p>
+                  </a:txBody>
+                  <a:tcPr>
+                    <a:solidFill>
+                      <a:schemeClr val="bg1"/>
+                    </a:solidFill>
+                  </a:tcPr>
+                </a:tc>
+                <a:tc>
+                  <a:txBody>
+                    <a:bodyPr/>
+                    <a:lstStyle/>
+                    <a:p>
+                      <a:pPr algn="l" latinLnBrk="1"/>
+                      <a:endParaRPr lang="ko-KR" altLang="en-US" dirty="0"/>
+                    </a:p>
+                  </a:txBody>
+                  <a:tcPr>
+                    <a:solidFill>
+                      <a:schemeClr val="bg1"/>
+                    </a:solidFill>
+                  </a:tcPr>
+                </a:tc>
+                <a:extLst>
+                  <a:ext uri="{0D108BD9-81ED-4DB2-BD59-A6C34878D82A}">
+                    <a16:rowId xmlns:a16="http://schemas.microsoft.com/office/drawing/2014/main" val="3770909203"/>
+                  </a:ext>
+                </a:extLst>
+              </a:tr>
+              <a:tr h="370840">
+                <a:tc>
+                  <a:txBody>
+                    <a:bodyPr/>
+                    <a:lstStyle/>
+                    <a:p>
+                      <a:pPr algn="ctr" latinLnBrk="1"/>
+                      <a:r>
+                        <a:rPr lang="en-US" altLang="ko-KR" dirty="0"/>
+                        <a:t>1</a:t>
+                      </a:r>
+                      <a:endParaRPr lang="ko-KR" altLang="en-US" dirty="0"/>
+                    </a:p>
+                  </a:txBody>
+                  <a:tcPr>
+                    <a:solidFill>
+                      <a:schemeClr val="bg1"/>
+                    </a:solidFill>
+                  </a:tcPr>
+                </a:tc>
+                <a:tc>
+                  <a:txBody>
+                    <a:bodyPr/>
+                    <a:lstStyle/>
+                    <a:p>
+                      <a:pPr algn="l" latinLnBrk="1"/>
+                      <a:endParaRPr lang="ko-KR" altLang="en-US" dirty="0"/>
+                    </a:p>
+                  </a:txBody>
+                  <a:tcPr>
+                    <a:solidFill>
+                      <a:schemeClr val="bg1"/>
+                    </a:solidFill>
+                  </a:tcPr>
+                </a:tc>
+                <a:extLst>
+                  <a:ext uri="{0D108BD9-81ED-4DB2-BD59-A6C34878D82A}">
+                    <a16:rowId xmlns:a16="http://schemas.microsoft.com/office/drawing/2014/main" val="3050660282"/>
+                  </a:ext>
+                </a:extLst>
+              </a:tr>
+              <a:tr h="370840">
+                <a:tc>
+                  <a:txBody>
+                    <a:bodyPr/>
+                    <a:lstStyle/>
+                    <a:p>
+                      <a:pPr algn="ctr" latinLnBrk="1"/>
+                      <a:r>
+                        <a:rPr lang="en-US" altLang="ko-KR" dirty="0"/>
+                        <a:t>2</a:t>
+                      </a:r>
+                      <a:endParaRPr lang="ko-KR" altLang="en-US" dirty="0"/>
+                    </a:p>
+                  </a:txBody>
+                  <a:tcPr>
+                    <a:solidFill>
+                      <a:schemeClr val="bg1"/>
+                    </a:solidFill>
+                  </a:tcPr>
+                </a:tc>
+                <a:tc>
+                  <a:txBody>
+                    <a:bodyPr/>
+                    <a:lstStyle/>
+                    <a:p>
+                      <a:pPr algn="l" latinLnBrk="1"/>
+                      <a:endParaRPr lang="ko-KR" altLang="en-US" dirty="0"/>
+                    </a:p>
+                  </a:txBody>
+                  <a:tcPr>
+                    <a:solidFill>
+                      <a:schemeClr val="bg1"/>
+                    </a:solidFill>
+                  </a:tcPr>
+                </a:tc>
+                <a:extLst>
+                  <a:ext uri="{0D108BD9-81ED-4DB2-BD59-A6C34878D82A}">
+                    <a16:rowId xmlns:a16="http://schemas.microsoft.com/office/drawing/2014/main" val="1099388776"/>
+                  </a:ext>
+                </a:extLst>
+              </a:tr>
+              <a:tr h="370840">
+                <a:tc>
+                  <a:txBody>
+                    <a:bodyPr/>
+                    <a:lstStyle/>
+                    <a:p>
+                      <a:pPr algn="ctr" latinLnBrk="1"/>
+                      <a:r>
+                        <a:rPr lang="en-US" altLang="ko-KR"/>
+                        <a:t>3</a:t>
+                      </a:r>
+                      <a:endParaRPr lang="ko-KR" altLang="en-US" dirty="0"/>
+                    </a:p>
+                  </a:txBody>
+                  <a:tcPr>
+                    <a:solidFill>
+                      <a:schemeClr val="bg1"/>
+                    </a:solidFill>
+                  </a:tcPr>
+                </a:tc>
+                <a:tc>
+                  <a:txBody>
+                    <a:bodyPr/>
+                    <a:lstStyle/>
+                    <a:p>
+                      <a:pPr algn="l" latinLnBrk="1"/>
+                      <a:endParaRPr lang="ko-KR" altLang="en-US" dirty="0"/>
+                    </a:p>
+                  </a:txBody>
+                  <a:tcPr>
+                    <a:solidFill>
+                      <a:schemeClr val="bg1"/>
+                    </a:solidFill>
+                  </a:tcPr>
+                </a:tc>
+                <a:extLst>
+                  <a:ext uri="{0D108BD9-81ED-4DB2-BD59-A6C34878D82A}">
+                    <a16:rowId xmlns:a16="http://schemas.microsoft.com/office/drawing/2014/main" val="1186208757"/>
+                  </a:ext>
+                </a:extLst>
+              </a:tr>
+              <a:tr h="370840">
+                <a:tc>
+                  <a:txBody>
+                    <a:bodyPr/>
+                    <a:lstStyle/>
+                    <a:p>
+                      <a:pPr algn="ctr" latinLnBrk="1"/>
+                      <a:r>
+                        <a:rPr lang="en-US" altLang="ko-KR"/>
+                        <a:t>4</a:t>
+                      </a:r>
+                      <a:endParaRPr lang="ko-KR" altLang="en-US" dirty="0"/>
+                    </a:p>
+                  </a:txBody>
+                  <a:tcPr>
+                    <a:solidFill>
+                      <a:schemeClr val="bg1"/>
+                    </a:solidFill>
+                  </a:tcPr>
+                </a:tc>
+                <a:tc>
+                  <a:txBody>
+                    <a:bodyPr/>
+                    <a:lstStyle/>
+                    <a:p>
+                      <a:pPr algn="l" latinLnBrk="1"/>
+                      <a:r>
+                        <a:rPr lang="en-US" altLang="ko-KR" dirty="0"/>
+                        <a:t>434</a:t>
+                      </a:r>
+                      <a:endParaRPr lang="ko-KR" altLang="en-US" dirty="0"/>
+                    </a:p>
+                  </a:txBody>
+                  <a:tcPr>
+                    <a:solidFill>
+                      <a:schemeClr val="bg1"/>
+                    </a:solidFill>
+                  </a:tcPr>
+                </a:tc>
+                <a:extLst>
+                  <a:ext uri="{0D108BD9-81ED-4DB2-BD59-A6C34878D82A}">
+                    <a16:rowId xmlns:a16="http://schemas.microsoft.com/office/drawing/2014/main" val="2838049951"/>
+                  </a:ext>
+                </a:extLst>
+              </a:tr>
+              <a:tr h="370840">
+                <a:tc>
+                  <a:txBody>
+                    <a:bodyPr/>
+                    <a:lstStyle/>
+                    <a:p>
+                      <a:pPr algn="ctr" latinLnBrk="1"/>
+                      <a:r>
+                        <a:rPr lang="en-US" altLang="ko-KR"/>
+                        <a:t>5</a:t>
+                      </a:r>
+                      <a:endParaRPr lang="ko-KR" altLang="en-US" dirty="0"/>
+                    </a:p>
+                  </a:txBody>
+                  <a:tcPr>
+                    <a:solidFill>
+                      <a:schemeClr val="bg1"/>
+                    </a:solidFill>
+                  </a:tcPr>
+                </a:tc>
+                <a:tc>
+                  <a:txBody>
+                    <a:bodyPr/>
+                    <a:lstStyle/>
+                    <a:p>
+                      <a:pPr algn="l" latinLnBrk="1"/>
+                      <a:r>
+                        <a:rPr lang="en-US" altLang="ko-KR" dirty="0"/>
+                        <a:t>532, 531</a:t>
+                      </a:r>
+                      <a:endParaRPr lang="ko-KR" altLang="en-US" dirty="0"/>
+                    </a:p>
+                  </a:txBody>
+                  <a:tcPr>
+                    <a:solidFill>
+                      <a:schemeClr val="bg1"/>
+                    </a:solidFill>
+                  </a:tcPr>
+                </a:tc>
+                <a:extLst>
+                  <a:ext uri="{0D108BD9-81ED-4DB2-BD59-A6C34878D82A}">
+                    <a16:rowId xmlns:a16="http://schemas.microsoft.com/office/drawing/2014/main" val="1209846721"/>
+                  </a:ext>
+                </a:extLst>
+              </a:tr>
+              <a:tr h="370840">
+                <a:tc>
+                  <a:txBody>
+                    <a:bodyPr/>
+                    <a:lstStyle/>
+                    <a:p>
+                      <a:pPr algn="ctr" latinLnBrk="1"/>
+                      <a:r>
+                        <a:rPr lang="en-US" altLang="ko-KR"/>
+                        <a:t>6</a:t>
+                      </a:r>
+                      <a:endParaRPr lang="ko-KR" altLang="en-US" dirty="0"/>
+                    </a:p>
+                  </a:txBody>
+                  <a:tcPr>
+                    <a:solidFill>
+                      <a:schemeClr val="bg1"/>
+                    </a:solidFill>
+                  </a:tcPr>
+                </a:tc>
+                <a:tc>
+                  <a:txBody>
+                    <a:bodyPr/>
+                    <a:lstStyle/>
+                    <a:p>
+                      <a:pPr algn="l" latinLnBrk="1"/>
+                      <a:endParaRPr lang="ko-KR" altLang="en-US" dirty="0"/>
+                    </a:p>
+                  </a:txBody>
+                  <a:tcPr>
+                    <a:solidFill>
+                      <a:schemeClr val="bg1"/>
+                    </a:solidFill>
+                  </a:tcPr>
+                </a:tc>
+                <a:extLst>
+                  <a:ext uri="{0D108BD9-81ED-4DB2-BD59-A6C34878D82A}">
+                    <a16:rowId xmlns:a16="http://schemas.microsoft.com/office/drawing/2014/main" val="3156838686"/>
+                  </a:ext>
+                </a:extLst>
+              </a:tr>
+              <a:tr h="370840">
+                <a:tc>
+                  <a:txBody>
+                    <a:bodyPr/>
+                    <a:lstStyle/>
+                    <a:p>
+                      <a:pPr algn="ctr" latinLnBrk="1"/>
+                      <a:r>
+                        <a:rPr lang="en-US" altLang="ko-KR"/>
+                        <a:t>7</a:t>
+                      </a:r>
+                      <a:endParaRPr lang="ko-KR" altLang="en-US" dirty="0"/>
+                    </a:p>
+                  </a:txBody>
+                  <a:tcPr>
+                    <a:solidFill>
+                      <a:schemeClr val="bg1"/>
+                    </a:solidFill>
+                  </a:tcPr>
+                </a:tc>
+                <a:tc>
+                  <a:txBody>
+                    <a:bodyPr/>
+                    <a:lstStyle/>
+                    <a:p>
+                      <a:pPr algn="l" latinLnBrk="1"/>
+                      <a:endParaRPr lang="ko-KR" altLang="en-US" dirty="0"/>
+                    </a:p>
+                  </a:txBody>
+                  <a:tcPr>
+                    <a:solidFill>
+                      <a:schemeClr val="bg1"/>
+                    </a:solidFill>
+                  </a:tcPr>
+                </a:tc>
+                <a:extLst>
+                  <a:ext uri="{0D108BD9-81ED-4DB2-BD59-A6C34878D82A}">
+                    <a16:rowId xmlns:a16="http://schemas.microsoft.com/office/drawing/2014/main" val="2312447118"/>
+                  </a:ext>
+                </a:extLst>
+              </a:tr>
+              <a:tr h="370840">
+                <a:tc>
+                  <a:txBody>
+                    <a:bodyPr/>
+                    <a:lstStyle/>
+                    <a:p>
+                      <a:pPr algn="ctr" latinLnBrk="1"/>
+                      <a:r>
+                        <a:rPr lang="en-US" altLang="ko-KR"/>
+                        <a:t>8</a:t>
+                      </a:r>
+                      <a:endParaRPr lang="ko-KR" altLang="en-US" dirty="0"/>
+                    </a:p>
+                  </a:txBody>
+                  <a:tcPr>
+                    <a:solidFill>
+                      <a:schemeClr val="bg1"/>
+                    </a:solidFill>
+                  </a:tcPr>
+                </a:tc>
+                <a:tc>
+                  <a:txBody>
+                    <a:bodyPr/>
+                    <a:lstStyle/>
+                    <a:p>
+                      <a:pPr algn="l" latinLnBrk="1"/>
+                      <a:endParaRPr lang="ko-KR" altLang="en-US" dirty="0"/>
+                    </a:p>
+                  </a:txBody>
+                  <a:tcPr>
+                    <a:solidFill>
+                      <a:schemeClr val="bg1"/>
+                    </a:solidFill>
+                  </a:tcPr>
+                </a:tc>
+                <a:extLst>
+                  <a:ext uri="{0D108BD9-81ED-4DB2-BD59-A6C34878D82A}">
+                    <a16:rowId xmlns:a16="http://schemas.microsoft.com/office/drawing/2014/main" val="631407617"/>
+                  </a:ext>
+                </a:extLst>
+              </a:tr>
+              <a:tr h="370840">
+                <a:tc>
+                  <a:txBody>
+                    <a:bodyPr/>
+                    <a:lstStyle/>
+                    <a:p>
+                      <a:pPr algn="ctr" latinLnBrk="1"/>
+                      <a:r>
+                        <a:rPr lang="en-US" altLang="ko-KR"/>
+                        <a:t>9</a:t>
+                      </a:r>
+                      <a:endParaRPr lang="ko-KR" altLang="en-US" dirty="0"/>
+                    </a:p>
+                  </a:txBody>
+                  <a:tcPr>
+                    <a:solidFill>
+                      <a:schemeClr val="bg1"/>
+                    </a:solidFill>
+                  </a:tcPr>
+                </a:tc>
+                <a:tc>
+                  <a:txBody>
+                    <a:bodyPr/>
+                    <a:lstStyle/>
+                    <a:p>
+                      <a:pPr algn="l" latinLnBrk="1"/>
+                      <a:endParaRPr lang="ko-KR" altLang="en-US" dirty="0"/>
+                    </a:p>
+                  </a:txBody>
+                  <a:tcPr>
+                    <a:solidFill>
+                      <a:schemeClr val="bg1"/>
+                    </a:solidFill>
+                  </a:tcPr>
+                </a:tc>
+                <a:extLst>
+                  <a:ext uri="{0D108BD9-81ED-4DB2-BD59-A6C34878D82A}">
+                    <a16:rowId xmlns:a16="http://schemas.microsoft.com/office/drawing/2014/main" val="866083130"/>
+                  </a:ext>
+                </a:extLst>
+              </a:tr>
+            </a:tbl>
+          </a:graphicData>
+        </a:graphic>
+      </p:graphicFrame>
+      <p:sp>
+        <p:nvSpPr>
+          <p:cNvPr id="13" name="화살표: 굽음 12">
+            <a:extLst>
+              <a:ext uri="{FF2B5EF4-FFF2-40B4-BE49-F238E27FC236}">
+                <a16:creationId xmlns:a16="http://schemas.microsoft.com/office/drawing/2014/main" id="{1C66EE62-B904-41FE-B729-03AC8803BB49}"/>
+              </a:ext>
+            </a:extLst>
+          </p:cNvPr>
+          <p:cNvSpPr/>
+          <p:nvPr/>
+        </p:nvSpPr>
+        <p:spPr>
+          <a:xfrm rot="5400000">
+            <a:off x="3329187" y="3342067"/>
+            <a:ext cx="1983346" cy="2228045"/>
+          </a:xfrm>
+          <a:prstGeom prst="bentArrow">
+            <a:avLst/>
+          </a:prstGeom>
+          <a:solidFill>
+            <a:schemeClr val="accent2"/>
+          </a:solidFill>
+        </p:spPr>
+        <p:style>
+          <a:lnRef idx="2">
+            <a:schemeClr val="accent1">
+              <a:shade val="50000"/>
+            </a:schemeClr>
+          </a:lnRef>
+          <a:fillRef idx="1">
+            <a:schemeClr val="accent1"/>
+          </a:fillRef>
+          <a:effectRef idx="0">
+            <a:schemeClr val="accent1"/>
+          </a:effectRef>
+          <a:fontRef idx="minor">
+            <a:schemeClr val="lt1"/>
+          </a:fontRef>
+        </p:style>
+        <p:txBody>
+          <a:bodyPr rtlCol="0" anchor="ctr"/>
+          <a:lstStyle/>
+          <a:p>
+            <a:pPr algn="ctr"/>
+            <a:endParaRPr lang="ko-KR" altLang="en-US">
+              <a:solidFill>
+                <a:schemeClr val="tx1"/>
+              </a:solidFill>
+            </a:endParaRPr>
+          </a:p>
+        </p:txBody>
+      </p:sp>
+      <p:sp>
+        <p:nvSpPr>
+          <p:cNvPr id="14" name="TextBox 13">
+            <a:extLst>
+              <a:ext uri="{FF2B5EF4-FFF2-40B4-BE49-F238E27FC236}">
+                <a16:creationId xmlns:a16="http://schemas.microsoft.com/office/drawing/2014/main" id="{B55A0D50-3A21-4938-B4A5-B4C8F6EB022E}"/>
+              </a:ext>
+            </a:extLst>
+          </p:cNvPr>
+          <p:cNvSpPr txBox="1"/>
+          <p:nvPr/>
+        </p:nvSpPr>
+        <p:spPr>
+          <a:xfrm>
+            <a:off x="5510346" y="3958864"/>
+            <a:ext cx="6189285" cy="830997"/>
+          </a:xfrm>
+          <a:prstGeom prst="rect">
+            <a:avLst/>
+          </a:prstGeom>
+          <a:noFill/>
+        </p:spPr>
+        <p:txBody>
+          <a:bodyPr wrap="square" rtlCol="0">
+            <a:spAutoFit/>
+          </a:bodyPr>
+          <a:lstStyle/>
+          <a:p>
+            <a:r>
+              <a:rPr lang="ko-KR" altLang="en-US" sz="2400" dirty="0">
+                <a:solidFill>
+                  <a:schemeClr val="bg1"/>
+                </a:solidFill>
+              </a:rPr>
+              <a:t>각 값들을 차례로 추출하여 </a:t>
+            </a:r>
+            <a:r>
+              <a:rPr lang="en-US" altLang="ko-KR" sz="2400" dirty="0">
+                <a:solidFill>
+                  <a:schemeClr val="bg1"/>
+                </a:solidFill>
+              </a:rPr>
+              <a:t>1</a:t>
+            </a:r>
+            <a:r>
+              <a:rPr lang="ko-KR" altLang="en-US" sz="2400" dirty="0">
+                <a:solidFill>
+                  <a:schemeClr val="bg1"/>
+                </a:solidFill>
+              </a:rPr>
+              <a:t>차원 배열로</a:t>
+            </a:r>
+            <a:endParaRPr lang="en-US" altLang="ko-KR" sz="2400" dirty="0">
+              <a:solidFill>
+                <a:schemeClr val="bg1"/>
+              </a:solidFill>
+            </a:endParaRPr>
+          </a:p>
+          <a:p>
+            <a:r>
+              <a:rPr lang="ko-KR" altLang="en-US" sz="2400" dirty="0">
+                <a:solidFill>
+                  <a:schemeClr val="bg1"/>
+                </a:solidFill>
+              </a:rPr>
+              <a:t>다시 변환합니다</a:t>
+            </a:r>
+            <a:r>
+              <a:rPr lang="en-US" altLang="ko-KR" sz="2400" dirty="0">
+                <a:solidFill>
+                  <a:schemeClr val="bg1"/>
+                </a:solidFill>
+              </a:rPr>
+              <a:t>.</a:t>
+            </a:r>
+            <a:endParaRPr lang="ko-KR" altLang="en-US" sz="2400" dirty="0">
+              <a:solidFill>
+                <a:schemeClr val="bg1"/>
+              </a:solidFill>
+            </a:endParaRPr>
+          </a:p>
+        </p:txBody>
+      </p:sp>
+      <p:graphicFrame>
+        <p:nvGraphicFramePr>
+          <p:cNvPr id="10" name="표 2">
+            <a:extLst>
+              <a:ext uri="{FF2B5EF4-FFF2-40B4-BE49-F238E27FC236}">
+                <a16:creationId xmlns:a16="http://schemas.microsoft.com/office/drawing/2014/main" id="{6F4D72F4-3144-434C-9E7C-9BF3E0BF74CA}"/>
+              </a:ext>
+            </a:extLst>
+          </p:cNvPr>
+          <p:cNvGraphicFramePr>
+            <a:graphicFrameLocks noGrp="1"/>
+          </p:cNvGraphicFramePr>
+          <p:nvPr>
+            <p:extLst>
+              <p:ext uri="{D42A27DB-BD31-4B8C-83A1-F6EECF244321}">
+                <p14:modId xmlns:p14="http://schemas.microsoft.com/office/powerpoint/2010/main" val="2734744004"/>
+              </p:ext>
+            </p:extLst>
+          </p:nvPr>
+        </p:nvGraphicFramePr>
+        <p:xfrm>
+          <a:off x="1165896" y="436808"/>
+          <a:ext cx="2701557" cy="370840"/>
+        </p:xfrm>
+        <a:graphic>
+          <a:graphicData uri="http://schemas.openxmlformats.org/drawingml/2006/table">
+            <a:tbl>
+              <a:tblPr firstRow="1" bandRow="1">
+                <a:tableStyleId>{5940675A-B579-460E-94D1-54222C63F5DA}</a:tableStyleId>
+              </a:tblPr>
+              <a:tblGrid>
+                <a:gridCol w="900519">
+                  <a:extLst>
+                    <a:ext uri="{9D8B030D-6E8A-4147-A177-3AD203B41FA5}">
+                      <a16:colId xmlns:a16="http://schemas.microsoft.com/office/drawing/2014/main" val="1111750069"/>
+                    </a:ext>
+                  </a:extLst>
+                </a:gridCol>
+                <a:gridCol w="900519">
+                  <a:extLst>
+                    <a:ext uri="{9D8B030D-6E8A-4147-A177-3AD203B41FA5}">
+                      <a16:colId xmlns:a16="http://schemas.microsoft.com/office/drawing/2014/main" val="4199686683"/>
+                    </a:ext>
+                  </a:extLst>
+                </a:gridCol>
+                <a:gridCol w="900519">
+                  <a:extLst>
+                    <a:ext uri="{9D8B030D-6E8A-4147-A177-3AD203B41FA5}">
+                      <a16:colId xmlns:a16="http://schemas.microsoft.com/office/drawing/2014/main" val="1792932146"/>
+                    </a:ext>
+                  </a:extLst>
+                </a:gridCol>
+              </a:tblGrid>
+              <a:tr h="370840">
+                <a:tc>
+                  <a:txBody>
+                    <a:bodyPr/>
+                    <a:lstStyle/>
+                    <a:p>
+                      <a:pPr algn="ctr" latinLnBrk="1"/>
+                      <a:r>
+                        <a:rPr lang="en-US" altLang="ko-KR" dirty="0"/>
+                        <a:t>532</a:t>
+                      </a:r>
+                      <a:endParaRPr lang="ko-KR" altLang="en-US" dirty="0"/>
+                    </a:p>
+                  </a:txBody>
+                  <a:tcPr anchor="ctr">
+                    <a:solidFill>
+                      <a:schemeClr val="bg1"/>
+                    </a:solidFill>
+                  </a:tcPr>
+                </a:tc>
+                <a:tc>
+                  <a:txBody>
+                    <a:bodyPr/>
+                    <a:lstStyle/>
+                    <a:p>
+                      <a:pPr algn="ctr" latinLnBrk="1"/>
+                      <a:r>
+                        <a:rPr lang="en-US" altLang="ko-KR" dirty="0"/>
+                        <a:t>531</a:t>
+                      </a:r>
+                      <a:endParaRPr lang="ko-KR" altLang="en-US" dirty="0"/>
+                    </a:p>
+                  </a:txBody>
+                  <a:tcPr anchor="ctr">
+                    <a:solidFill>
+                      <a:schemeClr val="bg1"/>
+                    </a:solidFill>
+                  </a:tcPr>
+                </a:tc>
+                <a:tc>
+                  <a:txBody>
+                    <a:bodyPr/>
+                    <a:lstStyle/>
+                    <a:p>
+                      <a:pPr algn="ctr" latinLnBrk="1"/>
+                      <a:r>
+                        <a:rPr lang="en-US" altLang="ko-KR" dirty="0"/>
+                        <a:t>434</a:t>
+                      </a:r>
+                      <a:endParaRPr lang="ko-KR" altLang="en-US" dirty="0"/>
+                    </a:p>
+                  </a:txBody>
+                  <a:tcPr anchor="ctr">
+                    <a:solidFill>
+                      <a:schemeClr val="bg1"/>
+                    </a:solidFill>
+                  </a:tcPr>
+                </a:tc>
+                <a:extLst>
+                  <a:ext uri="{0D108BD9-81ED-4DB2-BD59-A6C34878D82A}">
+                    <a16:rowId xmlns:a16="http://schemas.microsoft.com/office/drawing/2014/main" val="758684597"/>
+                  </a:ext>
+                </a:extLst>
+              </a:tr>
+            </a:tbl>
+          </a:graphicData>
+        </a:graphic>
+      </p:graphicFrame>
+      <p:graphicFrame>
+        <p:nvGraphicFramePr>
+          <p:cNvPr id="9" name="표 2">
+            <a:extLst>
+              <a:ext uri="{FF2B5EF4-FFF2-40B4-BE49-F238E27FC236}">
+                <a16:creationId xmlns:a16="http://schemas.microsoft.com/office/drawing/2014/main" id="{5E5CB8A1-1536-4ADC-B208-11A7647858DA}"/>
+              </a:ext>
+            </a:extLst>
+          </p:cNvPr>
+          <p:cNvGraphicFramePr>
+            <a:graphicFrameLocks noGrp="1"/>
+          </p:cNvGraphicFramePr>
+          <p:nvPr>
+            <p:extLst>
+              <p:ext uri="{D42A27DB-BD31-4B8C-83A1-F6EECF244321}">
+                <p14:modId xmlns:p14="http://schemas.microsoft.com/office/powerpoint/2010/main" val="2725934860"/>
+              </p:ext>
+            </p:extLst>
+          </p:nvPr>
+        </p:nvGraphicFramePr>
+        <p:xfrm>
+          <a:off x="3924336" y="5686988"/>
+          <a:ext cx="2701557" cy="370840"/>
+        </p:xfrm>
+        <a:graphic>
+          <a:graphicData uri="http://schemas.openxmlformats.org/drawingml/2006/table">
+            <a:tbl>
+              <a:tblPr firstRow="1" bandRow="1">
+                <a:tableStyleId>{5940675A-B579-460E-94D1-54222C63F5DA}</a:tableStyleId>
+              </a:tblPr>
+              <a:tblGrid>
+                <a:gridCol w="900519">
+                  <a:extLst>
+                    <a:ext uri="{9D8B030D-6E8A-4147-A177-3AD203B41FA5}">
+                      <a16:colId xmlns:a16="http://schemas.microsoft.com/office/drawing/2014/main" val="1111750069"/>
+                    </a:ext>
+                  </a:extLst>
+                </a:gridCol>
+                <a:gridCol w="900519">
+                  <a:extLst>
+                    <a:ext uri="{9D8B030D-6E8A-4147-A177-3AD203B41FA5}">
+                      <a16:colId xmlns:a16="http://schemas.microsoft.com/office/drawing/2014/main" val="4199686683"/>
+                    </a:ext>
+                  </a:extLst>
+                </a:gridCol>
+                <a:gridCol w="900519">
+                  <a:extLst>
+                    <a:ext uri="{9D8B030D-6E8A-4147-A177-3AD203B41FA5}">
+                      <a16:colId xmlns:a16="http://schemas.microsoft.com/office/drawing/2014/main" val="1792932146"/>
+                    </a:ext>
+                  </a:extLst>
+                </a:gridCol>
+              </a:tblGrid>
+              <a:tr h="370840">
+                <a:tc>
+                  <a:txBody>
+                    <a:bodyPr/>
+                    <a:lstStyle/>
+                    <a:p>
+                      <a:pPr algn="ctr" latinLnBrk="1"/>
+                      <a:r>
+                        <a:rPr lang="en-US" altLang="ko-KR" dirty="0"/>
+                        <a:t>434</a:t>
+                      </a:r>
+                      <a:endParaRPr lang="ko-KR" altLang="en-US" dirty="0"/>
+                    </a:p>
+                  </a:txBody>
+                  <a:tcPr anchor="ctr">
+                    <a:solidFill>
+                      <a:schemeClr val="bg1"/>
+                    </a:solidFill>
+                  </a:tcPr>
+                </a:tc>
+                <a:tc>
+                  <a:txBody>
+                    <a:bodyPr/>
+                    <a:lstStyle/>
+                    <a:p>
+                      <a:pPr algn="ctr" latinLnBrk="1"/>
+                      <a:r>
+                        <a:rPr lang="en-US" altLang="ko-KR" dirty="0"/>
+                        <a:t>532</a:t>
+                      </a:r>
+                      <a:endParaRPr lang="ko-KR" altLang="en-US" dirty="0"/>
+                    </a:p>
+                  </a:txBody>
+                  <a:tcPr anchor="ctr">
+                    <a:solidFill>
+                      <a:schemeClr val="bg1"/>
+                    </a:solidFill>
+                  </a:tcPr>
+                </a:tc>
+                <a:tc>
+                  <a:txBody>
+                    <a:bodyPr/>
+                    <a:lstStyle/>
+                    <a:p>
+                      <a:pPr algn="ctr" latinLnBrk="1"/>
+                      <a:r>
+                        <a:rPr lang="en-US" altLang="ko-KR" dirty="0"/>
+                        <a:t>531</a:t>
+                      </a:r>
+                      <a:endParaRPr lang="ko-KR" altLang="en-US" dirty="0"/>
+                    </a:p>
+                  </a:txBody>
+                  <a:tcPr anchor="ctr">
+                    <a:solidFill>
+                      <a:schemeClr val="bg1"/>
+                    </a:solidFill>
+                  </a:tcPr>
+                </a:tc>
+                <a:extLst>
+                  <a:ext uri="{0D108BD9-81ED-4DB2-BD59-A6C34878D82A}">
+                    <a16:rowId xmlns:a16="http://schemas.microsoft.com/office/drawing/2014/main" val="758684597"/>
+                  </a:ext>
+                </a:extLst>
+              </a:tr>
+            </a:tbl>
+          </a:graphicData>
+        </a:graphic>
+      </p:graphicFrame>
+    </p:spTree>
+    <p:extLst>
+      <p:ext uri="{BB962C8B-B14F-4D97-AF65-F5344CB8AC3E}">
+        <p14:creationId xmlns:p14="http://schemas.microsoft.com/office/powerpoint/2010/main" val="167219380"/>
+      </p:ext>
+    </p:extLst>
+  </p:cSld>
+  <p:clrMapOvr>
+    <a:masterClrMapping/>
+  </p:clrMapOvr>
+</p:sld>
+</file>
+
+<file path=ppt/slides/slide9.xml><?xml version="1.0" encoding="utf-8"?>
+<p:sld xmlns:a="http://schemas.openxmlformats.org/drawingml/2006/main" xmlns:r="http://schemas.openxmlformats.org/officeDocument/2006/relationships" xmlns:p="http://schemas.openxmlformats.org/presentationml/2006/main">
+  <p:cSld>
+    <p:bg>
+      <p:bgPr>
+        <a:solidFill>
+          <a:schemeClr val="tx2">
+            <a:lumMod val="50000"/>
+          </a:schemeClr>
+        </a:solidFill>
+        <a:effectLst/>
+      </p:bgPr>
+    </p:bg>
+    <p:spTree>
+      <p:nvGrpSpPr>
+        <p:cNvPr id="1" name=""/>
+        <p:cNvGrpSpPr/>
+        <p:nvPr/>
+      </p:nvGrpSpPr>
+      <p:grpSpPr>
+        <a:xfrm>
+          <a:off x="0" y="0"/>
+          <a:ext cx="0" cy="0"/>
+          <a:chOff x="0" y="0"/>
+          <a:chExt cx="0" cy="0"/>
+        </a:xfrm>
+      </p:grpSpPr>
+      <p:sp>
+        <p:nvSpPr>
+          <p:cNvPr id="8" name="TextBox 7">
+            <a:extLst>
+              <a:ext uri="{FF2B5EF4-FFF2-40B4-BE49-F238E27FC236}">
+                <a16:creationId xmlns:a16="http://schemas.microsoft.com/office/drawing/2014/main" id="{29502E64-88A9-4A04-B5C1-06896AD6C5C8}"/>
+              </a:ext>
+            </a:extLst>
+          </p:cNvPr>
+          <p:cNvSpPr txBox="1"/>
+          <p:nvPr/>
+        </p:nvSpPr>
+        <p:spPr>
+          <a:xfrm>
+            <a:off x="2860089" y="1467179"/>
+            <a:ext cx="10816392" cy="461665"/>
+          </a:xfrm>
+          <a:prstGeom prst="rect">
+            <a:avLst/>
+          </a:prstGeom>
+          <a:noFill/>
+        </p:spPr>
+        <p:txBody>
+          <a:bodyPr wrap="square" rtlCol="0">
+            <a:spAutoFit/>
+          </a:bodyPr>
+          <a:lstStyle/>
+          <a:p>
+            <a:r>
+              <a:rPr lang="en-US" altLang="ko-KR" sz="2400" dirty="0">
+                <a:solidFill>
+                  <a:schemeClr val="bg1"/>
+                </a:solidFill>
+              </a:rPr>
+              <a:t>10</a:t>
+            </a:r>
+            <a:r>
+              <a:rPr lang="ko-KR" altLang="en-US" sz="2400" dirty="0">
+                <a:solidFill>
+                  <a:schemeClr val="bg1"/>
+                </a:solidFill>
+              </a:rPr>
+              <a:t>의 자리를 넣습니다</a:t>
+            </a:r>
+            <a:r>
+              <a:rPr lang="en-US" altLang="ko-KR" sz="2400" dirty="0">
+                <a:solidFill>
+                  <a:schemeClr val="bg1"/>
+                </a:solidFill>
+              </a:rPr>
+              <a:t>.</a:t>
+            </a:r>
+          </a:p>
+        </p:txBody>
+      </p:sp>
+      <p:sp>
+        <p:nvSpPr>
+          <p:cNvPr id="3" name="화살표: 아래쪽 2">
+            <a:extLst>
+              <a:ext uri="{FF2B5EF4-FFF2-40B4-BE49-F238E27FC236}">
+                <a16:creationId xmlns:a16="http://schemas.microsoft.com/office/drawing/2014/main" id="{29DB293D-1BAA-4155-BF2A-8E8D6B36B7EB}"/>
+              </a:ext>
+            </a:extLst>
+          </p:cNvPr>
+          <p:cNvSpPr/>
+          <p:nvPr/>
+        </p:nvSpPr>
+        <p:spPr>
+          <a:xfrm>
+            <a:off x="1867437" y="1058655"/>
+            <a:ext cx="862884" cy="1509554"/>
+          </a:xfrm>
+          <a:prstGeom prst="downArrow">
+            <a:avLst/>
+          </a:prstGeom>
+          <a:solidFill>
+            <a:schemeClr val="accent2"/>
+          </a:solidFill>
+        </p:spPr>
+        <p:style>
+          <a:lnRef idx="2">
+            <a:schemeClr val="accent1">
+              <a:shade val="50000"/>
+            </a:schemeClr>
+          </a:lnRef>
+          <a:fillRef idx="1">
+            <a:schemeClr val="accent1"/>
+          </a:fillRef>
+          <a:effectRef idx="0">
+            <a:schemeClr val="accent1"/>
+          </a:effectRef>
+          <a:fontRef idx="minor">
+            <a:schemeClr val="lt1"/>
+          </a:fontRef>
+        </p:style>
+        <p:txBody>
+          <a:bodyPr rtlCol="0" anchor="ctr"/>
+          <a:lstStyle/>
+          <a:p>
+            <a:pPr algn="ctr"/>
+            <a:endParaRPr lang="ko-KR" altLang="en-US" b="1">
+              <a:ln w="22225">
+                <a:solidFill>
+                  <a:schemeClr val="accent2"/>
+                </a:solidFill>
+                <a:prstDash val="solid"/>
+              </a:ln>
+              <a:solidFill>
+                <a:schemeClr val="accent2">
+                  <a:lumMod val="40000"/>
+                  <a:lumOff val="60000"/>
+                </a:schemeClr>
+              </a:solidFill>
+            </a:endParaRPr>
+          </a:p>
+        </p:txBody>
+      </p:sp>
+      <p:graphicFrame>
+        <p:nvGraphicFramePr>
+          <p:cNvPr id="5" name="표 10">
+            <a:extLst>
+              <a:ext uri="{FF2B5EF4-FFF2-40B4-BE49-F238E27FC236}">
+                <a16:creationId xmlns:a16="http://schemas.microsoft.com/office/drawing/2014/main" id="{4BD79811-D47D-4242-9392-FE0949834F75}"/>
+              </a:ext>
+            </a:extLst>
+          </p:cNvPr>
+          <p:cNvGraphicFramePr>
+            <a:graphicFrameLocks noGrp="1"/>
+          </p:cNvGraphicFramePr>
+          <p:nvPr>
+            <p:extLst>
+              <p:ext uri="{D42A27DB-BD31-4B8C-83A1-F6EECF244321}">
+                <p14:modId xmlns:p14="http://schemas.microsoft.com/office/powerpoint/2010/main" val="2354081372"/>
+              </p:ext>
+            </p:extLst>
+          </p:nvPr>
+        </p:nvGraphicFramePr>
+        <p:xfrm>
+          <a:off x="795631" y="2739235"/>
+          <a:ext cx="2102115" cy="3708400"/>
+        </p:xfrm>
+        <a:graphic>
+          <a:graphicData uri="http://schemas.openxmlformats.org/drawingml/2006/table">
+            <a:tbl>
+              <a:tblPr firstRow="1" bandRow="1">
+                <a:tableStyleId>{5940675A-B579-460E-94D1-54222C63F5DA}</a:tableStyleId>
+              </a:tblPr>
+              <a:tblGrid>
+                <a:gridCol w="530893">
+                  <a:extLst>
+                    <a:ext uri="{9D8B030D-6E8A-4147-A177-3AD203B41FA5}">
+                      <a16:colId xmlns:a16="http://schemas.microsoft.com/office/drawing/2014/main" val="3846829557"/>
+                    </a:ext>
+                  </a:extLst>
+                </a:gridCol>
+                <a:gridCol w="1571222">
+                  <a:extLst>
+                    <a:ext uri="{9D8B030D-6E8A-4147-A177-3AD203B41FA5}">
+                      <a16:colId xmlns:a16="http://schemas.microsoft.com/office/drawing/2014/main" val="3056547237"/>
+                    </a:ext>
+                  </a:extLst>
+                </a:gridCol>
+              </a:tblGrid>
+              <a:tr h="370840">
+                <a:tc>
+                  <a:txBody>
+                    <a:bodyPr/>
+                    <a:lstStyle/>
+                    <a:p>
+                      <a:pPr algn="ctr" latinLnBrk="1"/>
+                      <a:r>
+                        <a:rPr lang="en-US" altLang="ko-KR" dirty="0"/>
+                        <a:t>0</a:t>
+                      </a:r>
+                      <a:endParaRPr lang="ko-KR" altLang="en-US" dirty="0"/>
+                    </a:p>
+                  </a:txBody>
+                  <a:tcPr>
+                    <a:solidFill>
+                      <a:schemeClr val="bg1"/>
+                    </a:solidFill>
+                  </a:tcPr>
+                </a:tc>
+                <a:tc>
+                  <a:txBody>
+                    <a:bodyPr/>
+                    <a:lstStyle/>
+                    <a:p>
+                      <a:pPr algn="l" latinLnBrk="1"/>
+                      <a:endParaRPr lang="ko-KR" altLang="en-US" dirty="0"/>
+                    </a:p>
+                  </a:txBody>
+                  <a:tcPr>
+                    <a:solidFill>
+                      <a:schemeClr val="bg1"/>
+                    </a:solidFill>
+                  </a:tcPr>
+                </a:tc>
+                <a:extLst>
+                  <a:ext uri="{0D108BD9-81ED-4DB2-BD59-A6C34878D82A}">
+                    <a16:rowId xmlns:a16="http://schemas.microsoft.com/office/drawing/2014/main" val="3770909203"/>
+                  </a:ext>
+                </a:extLst>
+              </a:tr>
+              <a:tr h="370840">
+                <a:tc>
+                  <a:txBody>
+                    <a:bodyPr/>
+                    <a:lstStyle/>
+                    <a:p>
+                      <a:pPr algn="ctr" latinLnBrk="1"/>
+                      <a:r>
+                        <a:rPr lang="en-US" altLang="ko-KR" dirty="0"/>
+                        <a:t>1</a:t>
+                      </a:r>
+                      <a:endParaRPr lang="ko-KR" altLang="en-US" dirty="0"/>
+                    </a:p>
+                  </a:txBody>
+                  <a:tcPr>
+                    <a:solidFill>
+                      <a:schemeClr val="bg1"/>
+                    </a:solidFill>
+                  </a:tcPr>
+                </a:tc>
+                <a:tc>
+                  <a:txBody>
+                    <a:bodyPr/>
+                    <a:lstStyle/>
+                    <a:p>
+                      <a:pPr algn="l" latinLnBrk="1"/>
+                      <a:endParaRPr lang="ko-KR" altLang="en-US" dirty="0"/>
+                    </a:p>
+                  </a:txBody>
+                  <a:tcPr>
+                    <a:solidFill>
+                      <a:schemeClr val="bg1"/>
+                    </a:solidFill>
+                  </a:tcPr>
+                </a:tc>
+                <a:extLst>
+                  <a:ext uri="{0D108BD9-81ED-4DB2-BD59-A6C34878D82A}">
+                    <a16:rowId xmlns:a16="http://schemas.microsoft.com/office/drawing/2014/main" val="3050660282"/>
+                  </a:ext>
+                </a:extLst>
+              </a:tr>
+              <a:tr h="370840">
+                <a:tc>
+                  <a:txBody>
+                    <a:bodyPr/>
+                    <a:lstStyle/>
+                    <a:p>
+                      <a:pPr algn="ctr" latinLnBrk="1"/>
+                      <a:r>
+                        <a:rPr lang="en-US" altLang="ko-KR" dirty="0"/>
+                        <a:t>2</a:t>
+                      </a:r>
+                      <a:endParaRPr lang="ko-KR" altLang="en-US" dirty="0"/>
+                    </a:p>
+                  </a:txBody>
+                  <a:tcPr>
+                    <a:solidFill>
+                      <a:schemeClr val="bg1"/>
+                    </a:solidFill>
+                  </a:tcPr>
+                </a:tc>
+                <a:tc>
+                  <a:txBody>
+                    <a:bodyPr/>
+                    <a:lstStyle/>
+                    <a:p>
+                      <a:pPr algn="l" latinLnBrk="1"/>
+                      <a:endParaRPr lang="ko-KR" altLang="en-US" dirty="0"/>
+                    </a:p>
+                  </a:txBody>
+                  <a:tcPr>
+                    <a:solidFill>
+                      <a:schemeClr val="bg1"/>
+                    </a:solidFill>
+                  </a:tcPr>
+                </a:tc>
+                <a:extLst>
+                  <a:ext uri="{0D108BD9-81ED-4DB2-BD59-A6C34878D82A}">
+                    <a16:rowId xmlns:a16="http://schemas.microsoft.com/office/drawing/2014/main" val="1099388776"/>
+                  </a:ext>
+                </a:extLst>
+              </a:tr>
+              <a:tr h="370840">
+                <a:tc>
+                  <a:txBody>
+                    <a:bodyPr/>
+                    <a:lstStyle/>
+                    <a:p>
+                      <a:pPr algn="ctr" latinLnBrk="1"/>
+                      <a:r>
+                        <a:rPr lang="en-US" altLang="ko-KR"/>
+                        <a:t>3</a:t>
+                      </a:r>
+                      <a:endParaRPr lang="ko-KR" altLang="en-US" dirty="0"/>
+                    </a:p>
+                  </a:txBody>
+                  <a:tcPr>
+                    <a:solidFill>
+                      <a:schemeClr val="bg1"/>
+                    </a:solidFill>
+                  </a:tcPr>
+                </a:tc>
+                <a:tc>
+                  <a:txBody>
+                    <a:bodyPr/>
+                    <a:lstStyle/>
+                    <a:p>
+                      <a:pPr algn="l" latinLnBrk="1"/>
+                      <a:r>
+                        <a:rPr lang="en-US" altLang="ko-KR" dirty="0"/>
+                        <a:t>434,532,531</a:t>
+                      </a:r>
+                      <a:endParaRPr lang="ko-KR" altLang="en-US" dirty="0"/>
+                    </a:p>
+                  </a:txBody>
+                  <a:tcPr>
+                    <a:solidFill>
+                      <a:schemeClr val="bg1"/>
+                    </a:solidFill>
+                  </a:tcPr>
+                </a:tc>
+                <a:extLst>
+                  <a:ext uri="{0D108BD9-81ED-4DB2-BD59-A6C34878D82A}">
+                    <a16:rowId xmlns:a16="http://schemas.microsoft.com/office/drawing/2014/main" val="1186208757"/>
+                  </a:ext>
+                </a:extLst>
+              </a:tr>
+              <a:tr h="370840">
+                <a:tc>
+                  <a:txBody>
+                    <a:bodyPr/>
+                    <a:lstStyle/>
+                    <a:p>
+                      <a:pPr algn="ctr" latinLnBrk="1"/>
+                      <a:r>
+                        <a:rPr lang="en-US" altLang="ko-KR"/>
+                        <a:t>4</a:t>
+                      </a:r>
+                      <a:endParaRPr lang="ko-KR" altLang="en-US" dirty="0"/>
+                    </a:p>
+                  </a:txBody>
+                  <a:tcPr>
+                    <a:solidFill>
+                      <a:schemeClr val="bg1"/>
+                    </a:solidFill>
+                  </a:tcPr>
+                </a:tc>
+                <a:tc>
+                  <a:txBody>
+                    <a:bodyPr/>
+                    <a:lstStyle/>
+                    <a:p>
+                      <a:pPr algn="l" latinLnBrk="1"/>
+                      <a:endParaRPr lang="ko-KR" altLang="en-US" dirty="0"/>
+                    </a:p>
+                  </a:txBody>
+                  <a:tcPr>
+                    <a:solidFill>
+                      <a:schemeClr val="bg1"/>
+                    </a:solidFill>
+                  </a:tcPr>
+                </a:tc>
+                <a:extLst>
+                  <a:ext uri="{0D108BD9-81ED-4DB2-BD59-A6C34878D82A}">
+                    <a16:rowId xmlns:a16="http://schemas.microsoft.com/office/drawing/2014/main" val="2838049951"/>
+                  </a:ext>
+                </a:extLst>
+              </a:tr>
+              <a:tr h="370840">
+                <a:tc>
+                  <a:txBody>
+                    <a:bodyPr/>
+                    <a:lstStyle/>
+                    <a:p>
+                      <a:pPr algn="ctr" latinLnBrk="1"/>
+                      <a:r>
+                        <a:rPr lang="en-US" altLang="ko-KR"/>
+                        <a:t>5</a:t>
+                      </a:r>
+                      <a:endParaRPr lang="ko-KR" altLang="en-US" dirty="0"/>
+                    </a:p>
+                  </a:txBody>
+                  <a:tcPr>
+                    <a:solidFill>
+                      <a:schemeClr val="bg1"/>
+                    </a:solidFill>
+                  </a:tcPr>
+                </a:tc>
+                <a:tc>
+                  <a:txBody>
+                    <a:bodyPr/>
+                    <a:lstStyle/>
+                    <a:p>
+                      <a:pPr algn="l" latinLnBrk="1"/>
+                      <a:endParaRPr lang="ko-KR" altLang="en-US" dirty="0"/>
+                    </a:p>
+                  </a:txBody>
+                  <a:tcPr>
+                    <a:solidFill>
+                      <a:schemeClr val="bg1"/>
+                    </a:solidFill>
+                  </a:tcPr>
+                </a:tc>
+                <a:extLst>
+                  <a:ext uri="{0D108BD9-81ED-4DB2-BD59-A6C34878D82A}">
+                    <a16:rowId xmlns:a16="http://schemas.microsoft.com/office/drawing/2014/main" val="1209846721"/>
+                  </a:ext>
+                </a:extLst>
+              </a:tr>
+              <a:tr h="370840">
+                <a:tc>
+                  <a:txBody>
+                    <a:bodyPr/>
+                    <a:lstStyle/>
+                    <a:p>
+                      <a:pPr algn="ctr" latinLnBrk="1"/>
+                      <a:r>
+                        <a:rPr lang="en-US" altLang="ko-KR"/>
+                        <a:t>6</a:t>
+                      </a:r>
+                      <a:endParaRPr lang="ko-KR" altLang="en-US" dirty="0"/>
+                    </a:p>
+                  </a:txBody>
+                  <a:tcPr>
+                    <a:solidFill>
+                      <a:schemeClr val="bg1"/>
+                    </a:solidFill>
+                  </a:tcPr>
+                </a:tc>
+                <a:tc>
+                  <a:txBody>
+                    <a:bodyPr/>
+                    <a:lstStyle/>
+                    <a:p>
+                      <a:pPr algn="l" latinLnBrk="1"/>
+                      <a:endParaRPr lang="ko-KR" altLang="en-US" dirty="0"/>
+                    </a:p>
+                  </a:txBody>
+                  <a:tcPr>
+                    <a:solidFill>
+                      <a:schemeClr val="bg1"/>
+                    </a:solidFill>
+                  </a:tcPr>
+                </a:tc>
+                <a:extLst>
+                  <a:ext uri="{0D108BD9-81ED-4DB2-BD59-A6C34878D82A}">
+                    <a16:rowId xmlns:a16="http://schemas.microsoft.com/office/drawing/2014/main" val="3156838686"/>
+                  </a:ext>
+                </a:extLst>
+              </a:tr>
+              <a:tr h="370840">
+                <a:tc>
+                  <a:txBody>
+                    <a:bodyPr/>
+                    <a:lstStyle/>
+                    <a:p>
+                      <a:pPr algn="ctr" latinLnBrk="1"/>
+                      <a:r>
+                        <a:rPr lang="en-US" altLang="ko-KR"/>
+                        <a:t>7</a:t>
+                      </a:r>
+                      <a:endParaRPr lang="ko-KR" altLang="en-US" dirty="0"/>
+                    </a:p>
+                  </a:txBody>
+                  <a:tcPr>
+                    <a:solidFill>
+                      <a:schemeClr val="bg1"/>
+                    </a:solidFill>
+                  </a:tcPr>
+                </a:tc>
+                <a:tc>
+                  <a:txBody>
+                    <a:bodyPr/>
+                    <a:lstStyle/>
+                    <a:p>
+                      <a:pPr algn="l" latinLnBrk="1"/>
+                      <a:endParaRPr lang="ko-KR" altLang="en-US" dirty="0"/>
+                    </a:p>
+                  </a:txBody>
+                  <a:tcPr>
+                    <a:solidFill>
+                      <a:schemeClr val="bg1"/>
+                    </a:solidFill>
+                  </a:tcPr>
+                </a:tc>
+                <a:extLst>
+                  <a:ext uri="{0D108BD9-81ED-4DB2-BD59-A6C34878D82A}">
+                    <a16:rowId xmlns:a16="http://schemas.microsoft.com/office/drawing/2014/main" val="2312447118"/>
+                  </a:ext>
+                </a:extLst>
+              </a:tr>
+              <a:tr h="370840">
+                <a:tc>
+                  <a:txBody>
+                    <a:bodyPr/>
+                    <a:lstStyle/>
+                    <a:p>
+                      <a:pPr algn="ctr" latinLnBrk="1"/>
+                      <a:r>
+                        <a:rPr lang="en-US" altLang="ko-KR"/>
+                        <a:t>8</a:t>
+                      </a:r>
+                      <a:endParaRPr lang="ko-KR" altLang="en-US" dirty="0"/>
+                    </a:p>
+                  </a:txBody>
+                  <a:tcPr>
+                    <a:solidFill>
+                      <a:schemeClr val="bg1"/>
+                    </a:solidFill>
+                  </a:tcPr>
+                </a:tc>
+                <a:tc>
+                  <a:txBody>
+                    <a:bodyPr/>
+                    <a:lstStyle/>
+                    <a:p>
+                      <a:pPr algn="l" latinLnBrk="1"/>
+                      <a:endParaRPr lang="ko-KR" altLang="en-US" dirty="0"/>
+                    </a:p>
+                  </a:txBody>
+                  <a:tcPr>
+                    <a:solidFill>
+                      <a:schemeClr val="bg1"/>
+                    </a:solidFill>
+                  </a:tcPr>
+                </a:tc>
+                <a:extLst>
+                  <a:ext uri="{0D108BD9-81ED-4DB2-BD59-A6C34878D82A}">
+                    <a16:rowId xmlns:a16="http://schemas.microsoft.com/office/drawing/2014/main" val="631407617"/>
+                  </a:ext>
+                </a:extLst>
+              </a:tr>
+              <a:tr h="370840">
+                <a:tc>
+                  <a:txBody>
+                    <a:bodyPr/>
+                    <a:lstStyle/>
+                    <a:p>
+                      <a:pPr algn="ctr" latinLnBrk="1"/>
+                      <a:r>
+                        <a:rPr lang="en-US" altLang="ko-KR"/>
+                        <a:t>9</a:t>
+                      </a:r>
+                      <a:endParaRPr lang="ko-KR" altLang="en-US" dirty="0"/>
+                    </a:p>
+                  </a:txBody>
+                  <a:tcPr>
+                    <a:solidFill>
+                      <a:schemeClr val="bg1"/>
+                    </a:solidFill>
+                  </a:tcPr>
+                </a:tc>
+                <a:tc>
+                  <a:txBody>
+                    <a:bodyPr/>
+                    <a:lstStyle/>
+                    <a:p>
+                      <a:pPr algn="l" latinLnBrk="1"/>
+                      <a:endParaRPr lang="ko-KR" altLang="en-US" dirty="0"/>
+                    </a:p>
+                  </a:txBody>
+                  <a:tcPr>
+                    <a:solidFill>
+                      <a:schemeClr val="bg1"/>
+                    </a:solidFill>
+                  </a:tcPr>
+                </a:tc>
+                <a:extLst>
+                  <a:ext uri="{0D108BD9-81ED-4DB2-BD59-A6C34878D82A}">
+                    <a16:rowId xmlns:a16="http://schemas.microsoft.com/office/drawing/2014/main" val="866083130"/>
+                  </a:ext>
+                </a:extLst>
+              </a:tr>
+            </a:tbl>
+          </a:graphicData>
+        </a:graphic>
+      </p:graphicFrame>
+      <p:sp>
+        <p:nvSpPr>
+          <p:cNvPr id="13" name="화살표: 굽음 12">
+            <a:extLst>
+              <a:ext uri="{FF2B5EF4-FFF2-40B4-BE49-F238E27FC236}">
+                <a16:creationId xmlns:a16="http://schemas.microsoft.com/office/drawing/2014/main" id="{1C66EE62-B904-41FE-B729-03AC8803BB49}"/>
+              </a:ext>
+            </a:extLst>
+          </p:cNvPr>
+          <p:cNvSpPr/>
+          <p:nvPr/>
+        </p:nvSpPr>
+        <p:spPr>
+          <a:xfrm rot="5400000">
+            <a:off x="3329187" y="3342067"/>
+            <a:ext cx="1983346" cy="2228045"/>
+          </a:xfrm>
+          <a:prstGeom prst="bentArrow">
+            <a:avLst/>
+          </a:prstGeom>
+          <a:solidFill>
+            <a:schemeClr val="accent2"/>
+          </a:solidFill>
+        </p:spPr>
+        <p:style>
+          <a:lnRef idx="2">
+            <a:schemeClr val="accent1">
+              <a:shade val="50000"/>
+            </a:schemeClr>
+          </a:lnRef>
+          <a:fillRef idx="1">
+            <a:schemeClr val="accent1"/>
+          </a:fillRef>
+          <a:effectRef idx="0">
+            <a:schemeClr val="accent1"/>
+          </a:effectRef>
+          <a:fontRef idx="minor">
+            <a:schemeClr val="lt1"/>
+          </a:fontRef>
+        </p:style>
+        <p:txBody>
+          <a:bodyPr rtlCol="0" anchor="ctr"/>
+          <a:lstStyle/>
+          <a:p>
+            <a:pPr algn="ctr"/>
+            <a:endParaRPr lang="ko-KR" altLang="en-US">
+              <a:solidFill>
+                <a:schemeClr val="tx1"/>
+              </a:solidFill>
+            </a:endParaRPr>
+          </a:p>
+        </p:txBody>
+      </p:sp>
+      <p:sp>
+        <p:nvSpPr>
+          <p:cNvPr id="14" name="TextBox 13">
+            <a:extLst>
+              <a:ext uri="{FF2B5EF4-FFF2-40B4-BE49-F238E27FC236}">
+                <a16:creationId xmlns:a16="http://schemas.microsoft.com/office/drawing/2014/main" id="{B55A0D50-3A21-4938-B4A5-B4C8F6EB022E}"/>
+              </a:ext>
+            </a:extLst>
+          </p:cNvPr>
+          <p:cNvSpPr txBox="1"/>
+          <p:nvPr/>
+        </p:nvSpPr>
+        <p:spPr>
+          <a:xfrm>
+            <a:off x="5510346" y="3958864"/>
+            <a:ext cx="6189285" cy="830997"/>
+          </a:xfrm>
+          <a:prstGeom prst="rect">
+            <a:avLst/>
+          </a:prstGeom>
+          <a:noFill/>
+        </p:spPr>
+        <p:txBody>
+          <a:bodyPr wrap="square" rtlCol="0">
+            <a:spAutoFit/>
+          </a:bodyPr>
+          <a:lstStyle/>
+          <a:p>
+            <a:r>
+              <a:rPr lang="ko-KR" altLang="en-US" sz="2400" dirty="0">
+                <a:solidFill>
+                  <a:schemeClr val="bg1"/>
+                </a:solidFill>
+              </a:rPr>
+              <a:t>각 값들을 차례로 추출하여 </a:t>
+            </a:r>
+            <a:r>
+              <a:rPr lang="en-US" altLang="ko-KR" sz="2400" dirty="0">
+                <a:solidFill>
+                  <a:schemeClr val="bg1"/>
+                </a:solidFill>
+              </a:rPr>
+              <a:t>1</a:t>
+            </a:r>
+            <a:r>
+              <a:rPr lang="ko-KR" altLang="en-US" sz="2400" dirty="0">
+                <a:solidFill>
+                  <a:schemeClr val="bg1"/>
+                </a:solidFill>
+              </a:rPr>
+              <a:t>차원 배열로</a:t>
+            </a:r>
+            <a:endParaRPr lang="en-US" altLang="ko-KR" sz="2400" dirty="0">
+              <a:solidFill>
+                <a:schemeClr val="bg1"/>
+              </a:solidFill>
+            </a:endParaRPr>
+          </a:p>
+          <a:p>
+            <a:r>
+              <a:rPr lang="ko-KR" altLang="en-US" sz="2400" dirty="0">
+                <a:solidFill>
+                  <a:schemeClr val="bg1"/>
+                </a:solidFill>
+              </a:rPr>
+              <a:t>다시 변환합니다</a:t>
+            </a:r>
+            <a:r>
+              <a:rPr lang="en-US" altLang="ko-KR" sz="2400" dirty="0">
+                <a:solidFill>
+                  <a:schemeClr val="bg1"/>
+                </a:solidFill>
+              </a:rPr>
+              <a:t>.</a:t>
+            </a:r>
+            <a:endParaRPr lang="ko-KR" altLang="en-US" sz="2400" dirty="0">
+              <a:solidFill>
+                <a:schemeClr val="bg1"/>
+              </a:solidFill>
+            </a:endParaRPr>
+          </a:p>
+        </p:txBody>
+      </p:sp>
+      <p:graphicFrame>
+        <p:nvGraphicFramePr>
+          <p:cNvPr id="9" name="표 2">
+            <a:extLst>
+              <a:ext uri="{FF2B5EF4-FFF2-40B4-BE49-F238E27FC236}">
+                <a16:creationId xmlns:a16="http://schemas.microsoft.com/office/drawing/2014/main" id="{5E5CB8A1-1536-4ADC-B208-11A7647858DA}"/>
+              </a:ext>
+            </a:extLst>
+          </p:cNvPr>
+          <p:cNvGraphicFramePr>
+            <a:graphicFrameLocks noGrp="1"/>
+          </p:cNvGraphicFramePr>
+          <p:nvPr>
+            <p:extLst>
+              <p:ext uri="{D42A27DB-BD31-4B8C-83A1-F6EECF244321}">
+                <p14:modId xmlns:p14="http://schemas.microsoft.com/office/powerpoint/2010/main" val="2092091514"/>
+              </p:ext>
+            </p:extLst>
+          </p:nvPr>
+        </p:nvGraphicFramePr>
+        <p:xfrm>
+          <a:off x="941106" y="532058"/>
+          <a:ext cx="2701557" cy="370840"/>
+        </p:xfrm>
+        <a:graphic>
+          <a:graphicData uri="http://schemas.openxmlformats.org/drawingml/2006/table">
+            <a:tbl>
+              <a:tblPr firstRow="1" bandRow="1">
+                <a:tableStyleId>{5940675A-B579-460E-94D1-54222C63F5DA}</a:tableStyleId>
+              </a:tblPr>
+              <a:tblGrid>
+                <a:gridCol w="900519">
+                  <a:extLst>
+                    <a:ext uri="{9D8B030D-6E8A-4147-A177-3AD203B41FA5}">
+                      <a16:colId xmlns:a16="http://schemas.microsoft.com/office/drawing/2014/main" val="1111750069"/>
+                    </a:ext>
+                  </a:extLst>
+                </a:gridCol>
+                <a:gridCol w="900519">
+                  <a:extLst>
+                    <a:ext uri="{9D8B030D-6E8A-4147-A177-3AD203B41FA5}">
+                      <a16:colId xmlns:a16="http://schemas.microsoft.com/office/drawing/2014/main" val="4199686683"/>
+                    </a:ext>
+                  </a:extLst>
+                </a:gridCol>
+                <a:gridCol w="900519">
+                  <a:extLst>
+                    <a:ext uri="{9D8B030D-6E8A-4147-A177-3AD203B41FA5}">
+                      <a16:colId xmlns:a16="http://schemas.microsoft.com/office/drawing/2014/main" val="1792932146"/>
+                    </a:ext>
+                  </a:extLst>
+                </a:gridCol>
+              </a:tblGrid>
+              <a:tr h="370840">
+                <a:tc>
+                  <a:txBody>
+                    <a:bodyPr/>
+                    <a:lstStyle/>
+                    <a:p>
+                      <a:pPr algn="ctr" latinLnBrk="1"/>
+                      <a:r>
+                        <a:rPr lang="en-US" altLang="ko-KR" dirty="0"/>
+                        <a:t>434</a:t>
+                      </a:r>
+                      <a:endParaRPr lang="ko-KR" altLang="en-US" dirty="0"/>
+                    </a:p>
+                  </a:txBody>
+                  <a:tcPr anchor="ctr">
+                    <a:solidFill>
+                      <a:schemeClr val="bg1"/>
+                    </a:solidFill>
+                  </a:tcPr>
+                </a:tc>
+                <a:tc>
+                  <a:txBody>
+                    <a:bodyPr/>
+                    <a:lstStyle/>
+                    <a:p>
+                      <a:pPr algn="ctr" latinLnBrk="1"/>
+                      <a:r>
+                        <a:rPr lang="en-US" altLang="ko-KR" dirty="0"/>
+                        <a:t>532</a:t>
+                      </a:r>
+                      <a:endParaRPr lang="ko-KR" altLang="en-US" dirty="0"/>
+                    </a:p>
+                  </a:txBody>
+                  <a:tcPr anchor="ctr">
+                    <a:solidFill>
+                      <a:schemeClr val="bg1"/>
+                    </a:solidFill>
+                  </a:tcPr>
+                </a:tc>
+                <a:tc>
+                  <a:txBody>
+                    <a:bodyPr/>
+                    <a:lstStyle/>
+                    <a:p>
+                      <a:pPr algn="ctr" latinLnBrk="1"/>
+                      <a:r>
+                        <a:rPr lang="en-US" altLang="ko-KR" dirty="0"/>
+                        <a:t>531</a:t>
+                      </a:r>
+                      <a:endParaRPr lang="ko-KR" altLang="en-US" dirty="0"/>
+                    </a:p>
+                  </a:txBody>
+                  <a:tcPr anchor="ctr">
+                    <a:solidFill>
+                      <a:schemeClr val="bg1"/>
+                    </a:solidFill>
+                  </a:tcPr>
+                </a:tc>
+                <a:extLst>
+                  <a:ext uri="{0D108BD9-81ED-4DB2-BD59-A6C34878D82A}">
+                    <a16:rowId xmlns:a16="http://schemas.microsoft.com/office/drawing/2014/main" val="758684597"/>
+                  </a:ext>
+                </a:extLst>
+              </a:tr>
+            </a:tbl>
+          </a:graphicData>
+        </a:graphic>
+      </p:graphicFrame>
+      <p:graphicFrame>
+        <p:nvGraphicFramePr>
+          <p:cNvPr id="11" name="표 2">
+            <a:extLst>
+              <a:ext uri="{FF2B5EF4-FFF2-40B4-BE49-F238E27FC236}">
+                <a16:creationId xmlns:a16="http://schemas.microsoft.com/office/drawing/2014/main" id="{9099FDD6-054B-458A-9256-82698BF96145}"/>
+              </a:ext>
+            </a:extLst>
+          </p:cNvPr>
+          <p:cNvGraphicFramePr>
+            <a:graphicFrameLocks noGrp="1"/>
+          </p:cNvGraphicFramePr>
+          <p:nvPr>
+            <p:extLst>
+              <p:ext uri="{D42A27DB-BD31-4B8C-83A1-F6EECF244321}">
+                <p14:modId xmlns:p14="http://schemas.microsoft.com/office/powerpoint/2010/main" val="1513532263"/>
+              </p:ext>
+            </p:extLst>
+          </p:nvPr>
+        </p:nvGraphicFramePr>
+        <p:xfrm>
+          <a:off x="3585246" y="5576498"/>
+          <a:ext cx="2701557" cy="370840"/>
+        </p:xfrm>
+        <a:graphic>
+          <a:graphicData uri="http://schemas.openxmlformats.org/drawingml/2006/table">
+            <a:tbl>
+              <a:tblPr firstRow="1" bandRow="1">
+                <a:tableStyleId>{5940675A-B579-460E-94D1-54222C63F5DA}</a:tableStyleId>
+              </a:tblPr>
+              <a:tblGrid>
+                <a:gridCol w="900519">
+                  <a:extLst>
+                    <a:ext uri="{9D8B030D-6E8A-4147-A177-3AD203B41FA5}">
+                      <a16:colId xmlns:a16="http://schemas.microsoft.com/office/drawing/2014/main" val="1111750069"/>
+                    </a:ext>
+                  </a:extLst>
+                </a:gridCol>
+                <a:gridCol w="900519">
+                  <a:extLst>
+                    <a:ext uri="{9D8B030D-6E8A-4147-A177-3AD203B41FA5}">
+                      <a16:colId xmlns:a16="http://schemas.microsoft.com/office/drawing/2014/main" val="4199686683"/>
+                    </a:ext>
+                  </a:extLst>
+                </a:gridCol>
+                <a:gridCol w="900519">
+                  <a:extLst>
+                    <a:ext uri="{9D8B030D-6E8A-4147-A177-3AD203B41FA5}">
+                      <a16:colId xmlns:a16="http://schemas.microsoft.com/office/drawing/2014/main" val="1792932146"/>
+                    </a:ext>
+                  </a:extLst>
+                </a:gridCol>
+              </a:tblGrid>
+              <a:tr h="370840">
+                <a:tc>
+                  <a:txBody>
+                    <a:bodyPr/>
+                    <a:lstStyle/>
+                    <a:p>
+                      <a:pPr algn="ctr" latinLnBrk="1"/>
+                      <a:r>
+                        <a:rPr lang="en-US" altLang="ko-KR" dirty="0"/>
+                        <a:t>434</a:t>
+                      </a:r>
+                      <a:endParaRPr lang="ko-KR" altLang="en-US" dirty="0"/>
+                    </a:p>
+                  </a:txBody>
+                  <a:tcPr anchor="ctr">
+                    <a:solidFill>
+                      <a:schemeClr val="bg1"/>
+                    </a:solidFill>
+                  </a:tcPr>
+                </a:tc>
+                <a:tc>
+                  <a:txBody>
+                    <a:bodyPr/>
+                    <a:lstStyle/>
+                    <a:p>
+                      <a:pPr algn="ctr" latinLnBrk="1"/>
+                      <a:r>
+                        <a:rPr lang="en-US" altLang="ko-KR" dirty="0"/>
+                        <a:t>532</a:t>
+                      </a:r>
+                      <a:endParaRPr lang="ko-KR" altLang="en-US" dirty="0"/>
+                    </a:p>
+                  </a:txBody>
+                  <a:tcPr anchor="ctr">
+                    <a:solidFill>
+                      <a:schemeClr val="bg1"/>
+                    </a:solidFill>
+                  </a:tcPr>
+                </a:tc>
+                <a:tc>
+                  <a:txBody>
+                    <a:bodyPr/>
+                    <a:lstStyle/>
+                    <a:p>
+                      <a:pPr algn="ctr" latinLnBrk="1"/>
+                      <a:r>
+                        <a:rPr lang="en-US" altLang="ko-KR" dirty="0"/>
+                        <a:t>531</a:t>
+                      </a:r>
+                      <a:endParaRPr lang="ko-KR" altLang="en-US" dirty="0"/>
+                    </a:p>
+                  </a:txBody>
+                  <a:tcPr anchor="ctr">
+                    <a:solidFill>
+                      <a:schemeClr val="bg1"/>
+                    </a:solidFill>
+                  </a:tcPr>
+                </a:tc>
+                <a:extLst>
+                  <a:ext uri="{0D108BD9-81ED-4DB2-BD59-A6C34878D82A}">
+                    <a16:rowId xmlns:a16="http://schemas.microsoft.com/office/drawing/2014/main" val="758684597"/>
+                  </a:ext>
+                </a:extLst>
+              </a:tr>
+            </a:tbl>
+          </a:graphicData>
+        </a:graphic>
+      </p:graphicFrame>
+    </p:spTree>
+    <p:extLst>
+      <p:ext uri="{BB962C8B-B14F-4D97-AF65-F5344CB8AC3E}">
+        <p14:creationId xmlns:p14="http://schemas.microsoft.com/office/powerpoint/2010/main" val="1004863548"/>
       </p:ext>
     </p:extLst>
   </p:cSld>
